--- a/sessions/01-Day/011-Morning/011-01-Presentation.pptx
+++ b/sessions/01-Day/011-Morning/011-01-Presentation.pptx
@@ -25,25 +25,26 @@
     <p:sldMasterId id="2147483688" r:id="rId22"/>
     <p:sldMasterId id="2147483690" r:id="rId23"/>
     <p:sldMasterId id="2147483692" r:id="rId24"/>
+    <p:sldMasterId id="2147483694" r:id="rId25"/>
+    <p:sldMasterId id="2147483696" r:id="rId26"/>
   </p:sldMasterIdLst>
   <p:sldIdLst>
-    <p:sldId id="256" r:id="rId25"/>
-    <p:sldId id="257" r:id="rId26"/>
-    <p:sldId id="258" r:id="rId27"/>
-    <p:sldId id="259" r:id="rId28"/>
-    <p:sldId id="260" r:id="rId29"/>
-    <p:sldId id="261" r:id="rId30"/>
-    <p:sldId id="262" r:id="rId31"/>
-    <p:sldId id="263" r:id="rId32"/>
-    <p:sldId id="264" r:id="rId33"/>
-    <p:sldId id="265" r:id="rId34"/>
-    <p:sldId id="266" r:id="rId35"/>
-    <p:sldId id="267" r:id="rId36"/>
-    <p:sldId id="268" r:id="rId37"/>
-    <p:sldId id="269" r:id="rId38"/>
-    <p:sldId id="270" r:id="rId39"/>
-    <p:sldId id="271" r:id="rId40"/>
-    <p:sldId id="272" r:id="rId41"/>
+    <p:sldId id="256" r:id="rId27"/>
+    <p:sldId id="257" r:id="rId28"/>
+    <p:sldId id="258" r:id="rId29"/>
+    <p:sldId id="259" r:id="rId30"/>
+    <p:sldId id="260" r:id="rId31"/>
+    <p:sldId id="261" r:id="rId32"/>
+    <p:sldId id="262" r:id="rId33"/>
+    <p:sldId id="263" r:id="rId34"/>
+    <p:sldId id="264" r:id="rId35"/>
+    <p:sldId id="265" r:id="rId36"/>
+    <p:sldId id="266" r:id="rId37"/>
+    <p:sldId id="267" r:id="rId38"/>
+    <p:sldId id="268" r:id="rId39"/>
+    <p:sldId id="269" r:id="rId40"/>
+    <p:sldId id="270" r:id="rId41"/>
+    <p:sldId id="271" r:id="rId42"/>
   </p:sldIdLst>
   <p:sldSz cx="9144000" cy="5143500"/>
   <p:notesSz cx="7559675" cy="10691813"/>
@@ -161,7 +162,7 @@
         <p:txBody>
           <a:bodyPr/>
           <a:p>
-            <a:fld id="{A479D30D-BE04-4C2C-890B-C61D640533D2}" type="slidenum">
+            <a:fld id="{5DA30A4F-136E-4550-8BCC-FC9E98B1F90E}" type="slidenum">
               <a:t>&lt;#&gt;</a:t>
             </a:fld>
           </a:p>
@@ -203,7 +204,7 @@
         <p:txBody>
           <a:bodyPr/>
           <a:p>
-            <a:fld id="{8AA87D88-F6FF-4D75-AD82-4CF88F27010A}" type="slidenum">
+            <a:fld id="{C52AD298-0086-4E0F-850D-D8DF4F16BD58}" type="slidenum">
               <a:t>&lt;#&gt;</a:t>
             </a:fld>
           </a:p>
@@ -245,7 +246,7 @@
         <p:txBody>
           <a:bodyPr/>
           <a:p>
-            <a:fld id="{A034E1E6-2E8F-4152-9663-22CE5F5EB993}" type="slidenum">
+            <a:fld id="{CA74322F-A180-40CD-9EE7-A0AAB57459DB}" type="slidenum">
               <a:t>&lt;#&gt;</a:t>
             </a:fld>
           </a:p>
@@ -275,7 +276,7 @@
       </p:grpSpPr>
       <p:sp>
         <p:nvSpPr>
-          <p:cNvPr id="73" name="PlaceHolder 1"/>
+          <p:cNvPr id="69" name="PlaceHolder 1"/>
           <p:cNvSpPr>
             <a:spLocks noGrp="1"/>
           </p:cNvSpPr>
@@ -315,7 +316,7 @@
       </p:sp>
       <p:sp>
         <p:nvSpPr>
-          <p:cNvPr id="74" name="PlaceHolder 2"/>
+          <p:cNvPr id="70" name="PlaceHolder 2"/>
           <p:cNvSpPr>
             <a:spLocks noGrp="1"/>
           </p:cNvSpPr>
@@ -370,7 +371,7 @@
         <p:txBody>
           <a:bodyPr/>
           <a:p>
-            <a:fld id="{A3DC0AEE-805F-435D-9C2A-2DAAEF334D4A}" type="slidenum">
+            <a:fld id="{39777F9D-91E6-46A3-932C-E45A7D94B91D}" type="slidenum">
               <a:t>&lt;#&gt;</a:t>
             </a:fld>
           </a:p>
@@ -412,7 +413,7 @@
         <p:txBody>
           <a:bodyPr/>
           <a:p>
-            <a:fld id="{9C7D539E-5F93-460C-B7C8-BF4E10B943C8}" type="slidenum">
+            <a:fld id="{45730477-243B-46E8-8B21-F933D188719F}" type="slidenum">
               <a:t>&lt;#&gt;</a:t>
             </a:fld>
           </a:p>
@@ -454,7 +455,7 @@
         <p:txBody>
           <a:bodyPr/>
           <a:p>
-            <a:fld id="{5EB98150-39A3-4DF7-97C0-CFD47AF63A7B}" type="slidenum">
+            <a:fld id="{C9A49ED4-3FE3-471D-A7C5-61922F3B16E2}" type="slidenum">
               <a:t>&lt;#&gt;</a:t>
             </a:fld>
           </a:p>
@@ -484,7 +485,7 @@
       </p:grpSpPr>
       <p:sp>
         <p:nvSpPr>
-          <p:cNvPr id="94" name="PlaceHolder 1"/>
+          <p:cNvPr id="88" name="PlaceHolder 1"/>
           <p:cNvSpPr>
             <a:spLocks noGrp="1"/>
           </p:cNvSpPr>
@@ -524,7 +525,7 @@
       </p:sp>
       <p:sp>
         <p:nvSpPr>
-          <p:cNvPr id="95" name="PlaceHolder 2"/>
+          <p:cNvPr id="89" name="PlaceHolder 2"/>
           <p:cNvSpPr>
             <a:spLocks noGrp="1"/>
           </p:cNvSpPr>
@@ -579,7 +580,7 @@
         <p:txBody>
           <a:bodyPr/>
           <a:p>
-            <a:fld id="{0458B6A4-4ADF-44C7-BD11-F574B17BDD83}" type="slidenum">
+            <a:fld id="{7AA00B95-A9E1-4141-B6F7-56F38083E4BC}" type="slidenum">
               <a:t>&lt;#&gt;</a:t>
             </a:fld>
           </a:p>
@@ -609,7 +610,7 @@
       </p:grpSpPr>
       <p:sp>
         <p:nvSpPr>
-          <p:cNvPr id="103" name="PlaceHolder 1"/>
+          <p:cNvPr id="97" name="PlaceHolder 1"/>
           <p:cNvSpPr>
             <a:spLocks noGrp="1"/>
           </p:cNvSpPr>
@@ -649,7 +650,7 @@
       </p:sp>
       <p:sp>
         <p:nvSpPr>
-          <p:cNvPr id="104" name="PlaceHolder 2"/>
+          <p:cNvPr id="98" name="PlaceHolder 2"/>
           <p:cNvSpPr>
             <a:spLocks noGrp="1"/>
           </p:cNvSpPr>
@@ -704,7 +705,7 @@
         <p:txBody>
           <a:bodyPr/>
           <a:p>
-            <a:fld id="{097CE37B-4D2B-4B5F-BEC5-0876AEB4C4FD}" type="slidenum">
+            <a:fld id="{EE13D4AB-38A7-40F8-94FD-2A31F77C6346}" type="slidenum">
               <a:t>&lt;#&gt;</a:t>
             </a:fld>
           </a:p>
@@ -746,7 +747,7 @@
         <p:txBody>
           <a:bodyPr/>
           <a:p>
-            <a:fld id="{42326F65-F229-49E9-B050-1D2590AD2944}" type="slidenum">
+            <a:fld id="{76E2CE83-4D04-4A08-9E29-75D9B4DBBDCE}" type="slidenum">
               <a:t>&lt;#&gt;</a:t>
             </a:fld>
           </a:p>
@@ -776,7 +777,7 @@
       </p:grpSpPr>
       <p:sp>
         <p:nvSpPr>
-          <p:cNvPr id="118" name="PlaceHolder 1"/>
+          <p:cNvPr id="112" name="PlaceHolder 1"/>
           <p:cNvSpPr>
             <a:spLocks noGrp="1"/>
           </p:cNvSpPr>
@@ -816,7 +817,7 @@
       </p:sp>
       <p:sp>
         <p:nvSpPr>
-          <p:cNvPr id="119" name="PlaceHolder 2"/>
+          <p:cNvPr id="113" name="PlaceHolder 2"/>
           <p:cNvSpPr>
             <a:spLocks noGrp="1"/>
           </p:cNvSpPr>
@@ -871,7 +872,7 @@
         <p:txBody>
           <a:bodyPr/>
           <a:p>
-            <a:fld id="{E6216320-8588-487A-A703-77637DB7FFB6}" type="slidenum">
+            <a:fld id="{9E57C557-E8D9-444B-A554-728393B71FB4}" type="slidenum">
               <a:t>&lt;#&gt;</a:t>
             </a:fld>
           </a:p>
@@ -901,7 +902,7 @@
       </p:grpSpPr>
       <p:sp>
         <p:nvSpPr>
-          <p:cNvPr id="127" name="PlaceHolder 1"/>
+          <p:cNvPr id="121" name="PlaceHolder 1"/>
           <p:cNvSpPr>
             <a:spLocks noGrp="1"/>
           </p:cNvSpPr>
@@ -941,7 +942,7 @@
       </p:sp>
       <p:sp>
         <p:nvSpPr>
-          <p:cNvPr id="128" name="PlaceHolder 2"/>
+          <p:cNvPr id="122" name="PlaceHolder 2"/>
           <p:cNvSpPr>
             <a:spLocks noGrp="1"/>
           </p:cNvSpPr>
@@ -996,7 +997,7 @@
         <p:txBody>
           <a:bodyPr/>
           <a:p>
-            <a:fld id="{AB946B7B-5A59-4F76-A12F-716C8F0174D5}" type="slidenum">
+            <a:fld id="{A5211D82-94F1-4388-99DF-F9CE491C3EB7}" type="slidenum">
               <a:t>&lt;#&gt;</a:t>
             </a:fld>
           </a:p>
@@ -1038,7 +1039,7 @@
         <p:txBody>
           <a:bodyPr/>
           <a:p>
-            <a:fld id="{394272E0-A5E5-4F28-811C-0193857BF32C}" type="slidenum">
+            <a:fld id="{E132C92D-AAD9-4993-9891-EE48AFBC505F}" type="slidenum">
               <a:t>&lt;#&gt;</a:t>
             </a:fld>
           </a:p>
@@ -1068,7 +1069,7 @@
       </p:grpSpPr>
       <p:sp>
         <p:nvSpPr>
-          <p:cNvPr id="136" name="PlaceHolder 1"/>
+          <p:cNvPr id="130" name="PlaceHolder 1"/>
           <p:cNvSpPr>
             <a:spLocks noGrp="1"/>
           </p:cNvSpPr>
@@ -1108,7 +1109,7 @@
       </p:sp>
       <p:sp>
         <p:nvSpPr>
-          <p:cNvPr id="137" name="PlaceHolder 2"/>
+          <p:cNvPr id="131" name="PlaceHolder 2"/>
           <p:cNvSpPr>
             <a:spLocks noGrp="1"/>
           </p:cNvSpPr>
@@ -1163,7 +1164,7 @@
         <p:txBody>
           <a:bodyPr/>
           <a:p>
-            <a:fld id="{8750AE99-8305-4758-B3D3-676C9920A392}" type="slidenum">
+            <a:fld id="{6E1620E7-3B29-4BEC-88AB-EC3803272932}" type="slidenum">
               <a:t>&lt;#&gt;</a:t>
             </a:fld>
           </a:p>
@@ -1205,7 +1206,7 @@
         <p:txBody>
           <a:bodyPr/>
           <a:p>
-            <a:fld id="{B92FEF2B-6837-4E4C-9E8A-ECBA6331F3A7}" type="slidenum">
+            <a:fld id="{228CCEE1-2356-45E2-83BB-DDD4923EF3AC}" type="slidenum">
               <a:t>&lt;#&gt;</a:t>
             </a:fld>
           </a:p>
@@ -1247,7 +1248,7 @@
         <p:txBody>
           <a:bodyPr/>
           <a:p>
-            <a:fld id="{6C34E3C8-F4B5-4DDC-9BEA-B3AB11489DF8}" type="slidenum">
+            <a:fld id="{C94BEF53-81E3-47A1-B68D-B8C503787128}" type="slidenum">
               <a:t>&lt;#&gt;</a:t>
             </a:fld>
           </a:p>
@@ -1289,7 +1290,257 @@
         <p:txBody>
           <a:bodyPr/>
           <a:p>
-            <a:fld id="{4C0D8800-4007-483A-BBD7-321B9852EA72}" type="slidenum">
+            <a:fld id="{EBC18D91-AC53-419D-BE2C-B1F571049FC3}" type="slidenum">
+              <a:t>&lt;#&gt;</a:t>
+            </a:fld>
+          </a:p>
+        </p:txBody>
+      </p:sp>
+    </p:spTree>
+  </p:cSld>
+</p:sldLayout>
+</file>
+
+<file path=ppt/slideLayouts/slideLayout24.xml><?xml version="1.0" encoding="utf-8"?>
+<p:sldLayout xmlns:a="http://schemas.openxmlformats.org/drawingml/2006/main" xmlns:p="http://schemas.openxmlformats.org/presentationml/2006/main" xmlns:r="http://schemas.openxmlformats.org/officeDocument/2006/relationships" xmlns:p14="http://schemas.microsoft.com/office/powerpoint/2010/main" xmlns:p15="http://schemas.microsoft.com/office/powerpoint/2012/main" xmlns:mc="http://schemas.openxmlformats.org/markup-compatibility/2006" type="tx" preserve="1">
+  <p:cSld name="TITLE_AND_BODY_______">
+    <p:spTree>
+      <p:nvGrpSpPr>
+        <p:cNvPr id="1" name=""/>
+        <p:cNvGrpSpPr/>
+        <p:nvPr/>
+      </p:nvGrpSpPr>
+      <p:grpSpPr>
+        <a:xfrm>
+          <a:off x="0" y="0"/>
+          <a:ext cx="0" cy="0"/>
+          <a:chOff x="0" y="0"/>
+          <a:chExt cx="0" cy="0"/>
+        </a:xfrm>
+      </p:grpSpPr>
+      <p:sp>
+        <p:nvSpPr>
+          <p:cNvPr id="157" name="PlaceHolder 1"/>
+          <p:cNvSpPr>
+            <a:spLocks noGrp="1"/>
+          </p:cNvSpPr>
+          <p:nvPr>
+            <p:ph type="title"/>
+          </p:nvPr>
+        </p:nvSpPr>
+        <p:spPr>
+          <a:xfrm>
+            <a:off x="457200" y="205200"/>
+            <a:ext cx="8229240" cy="858600"/>
+          </a:xfrm>
+          <a:prstGeom prst="rect">
+            <a:avLst/>
+          </a:prstGeom>
+          <a:noFill/>
+          <a:ln w="0">
+            <a:noFill/>
+          </a:ln>
+        </p:spPr>
+        <p:txBody>
+          <a:bodyPr lIns="0" rIns="0" tIns="0" bIns="0" anchor="ctr">
+            <a:noAutofit/>
+          </a:bodyPr>
+          <a:p>
+            <a:pPr indent="0" algn="ctr">
+              <a:buNone/>
+            </a:pPr>
+            <a:endParaRPr b="0" lang="en-US" sz="4400" spc="-1" strike="noStrike">
+              <a:solidFill>
+                <a:srgbClr val="000000"/>
+              </a:solidFill>
+              <a:latin typeface="Arial"/>
+            </a:endParaRPr>
+          </a:p>
+        </p:txBody>
+      </p:sp>
+      <p:sp>
+        <p:nvSpPr>
+          <p:cNvPr id="158" name="PlaceHolder 2"/>
+          <p:cNvSpPr>
+            <a:spLocks noGrp="1"/>
+          </p:cNvSpPr>
+          <p:nvPr>
+            <p:ph/>
+          </p:nvPr>
+        </p:nvSpPr>
+        <p:spPr>
+          <a:xfrm>
+            <a:off x="457200" y="1203480"/>
+            <a:ext cx="8229240" cy="2982960"/>
+          </a:xfrm>
+          <a:prstGeom prst="rect">
+            <a:avLst/>
+          </a:prstGeom>
+          <a:noFill/>
+          <a:ln w="0">
+            <a:noFill/>
+          </a:ln>
+        </p:spPr>
+        <p:txBody>
+          <a:bodyPr lIns="0" rIns="0" tIns="0" bIns="0" anchor="t">
+            <a:normAutofit/>
+          </a:bodyPr>
+          <a:p>
+            <a:pPr indent="0">
+              <a:spcBef>
+                <a:spcPts val="1417"/>
+              </a:spcBef>
+              <a:buNone/>
+            </a:pPr>
+            <a:endParaRPr b="0" lang="en-US" sz="3200" spc="-1" strike="noStrike">
+              <a:solidFill>
+                <a:srgbClr val="000000"/>
+              </a:solidFill>
+              <a:latin typeface="Arial"/>
+            </a:endParaRPr>
+          </a:p>
+        </p:txBody>
+      </p:sp>
+      <p:sp>
+        <p:nvSpPr>
+          <p:cNvPr id="4" name="PlaceHolder 3"/>
+          <p:cNvSpPr>
+            <a:spLocks noGrp="1"/>
+          </p:cNvSpPr>
+          <p:nvPr>
+            <p:ph type="sldNum" idx="24"/>
+          </p:nvPr>
+        </p:nvSpPr>
+        <p:spPr/>
+        <p:txBody>
+          <a:bodyPr/>
+          <a:p>
+            <a:fld id="{FBA415EF-0F22-4D6E-B412-14CF54DC4DD4}" type="slidenum">
+              <a:t>&lt;#&gt;</a:t>
+            </a:fld>
+          </a:p>
+        </p:txBody>
+      </p:sp>
+    </p:spTree>
+  </p:cSld>
+</p:sldLayout>
+</file>
+
+<file path=ppt/slideLayouts/slideLayout25.xml><?xml version="1.0" encoding="utf-8"?>
+<p:sldLayout xmlns:a="http://schemas.openxmlformats.org/drawingml/2006/main" xmlns:p="http://schemas.openxmlformats.org/presentationml/2006/main" xmlns:r="http://schemas.openxmlformats.org/officeDocument/2006/relationships" xmlns:p14="http://schemas.microsoft.com/office/powerpoint/2010/main" xmlns:p15="http://schemas.microsoft.com/office/powerpoint/2012/main" xmlns:mc="http://schemas.openxmlformats.org/markup-compatibility/2006" type="tx" preserve="1">
+  <p:cSld name="TITLE_AND_BODY________">
+    <p:spTree>
+      <p:nvGrpSpPr>
+        <p:cNvPr id="1" name=""/>
+        <p:cNvGrpSpPr/>
+        <p:nvPr/>
+      </p:nvGrpSpPr>
+      <p:grpSpPr>
+        <a:xfrm>
+          <a:off x="0" y="0"/>
+          <a:ext cx="0" cy="0"/>
+          <a:chOff x="0" y="0"/>
+          <a:chExt cx="0" cy="0"/>
+        </a:xfrm>
+      </p:grpSpPr>
+      <p:sp>
+        <p:nvSpPr>
+          <p:cNvPr id="166" name="PlaceHolder 1"/>
+          <p:cNvSpPr>
+            <a:spLocks noGrp="1"/>
+          </p:cNvSpPr>
+          <p:nvPr>
+            <p:ph type="title"/>
+          </p:nvPr>
+        </p:nvSpPr>
+        <p:spPr>
+          <a:xfrm>
+            <a:off x="457200" y="205200"/>
+            <a:ext cx="8229240" cy="858600"/>
+          </a:xfrm>
+          <a:prstGeom prst="rect">
+            <a:avLst/>
+          </a:prstGeom>
+          <a:noFill/>
+          <a:ln w="0">
+            <a:noFill/>
+          </a:ln>
+        </p:spPr>
+        <p:txBody>
+          <a:bodyPr lIns="0" rIns="0" tIns="0" bIns="0" anchor="ctr">
+            <a:noAutofit/>
+          </a:bodyPr>
+          <a:p>
+            <a:pPr indent="0" algn="ctr">
+              <a:buNone/>
+            </a:pPr>
+            <a:endParaRPr b="0" lang="en-US" sz="4400" spc="-1" strike="noStrike">
+              <a:solidFill>
+                <a:srgbClr val="000000"/>
+              </a:solidFill>
+              <a:latin typeface="Arial"/>
+            </a:endParaRPr>
+          </a:p>
+        </p:txBody>
+      </p:sp>
+      <p:sp>
+        <p:nvSpPr>
+          <p:cNvPr id="167" name="PlaceHolder 2"/>
+          <p:cNvSpPr>
+            <a:spLocks noGrp="1"/>
+          </p:cNvSpPr>
+          <p:nvPr>
+            <p:ph/>
+          </p:nvPr>
+        </p:nvSpPr>
+        <p:spPr>
+          <a:xfrm>
+            <a:off x="457200" y="1203480"/>
+            <a:ext cx="8229240" cy="2982960"/>
+          </a:xfrm>
+          <a:prstGeom prst="rect">
+            <a:avLst/>
+          </a:prstGeom>
+          <a:noFill/>
+          <a:ln w="0">
+            <a:noFill/>
+          </a:ln>
+        </p:spPr>
+        <p:txBody>
+          <a:bodyPr lIns="0" rIns="0" tIns="0" bIns="0" anchor="t">
+            <a:normAutofit/>
+          </a:bodyPr>
+          <a:p>
+            <a:pPr indent="0">
+              <a:spcBef>
+                <a:spcPts val="1417"/>
+              </a:spcBef>
+              <a:buNone/>
+            </a:pPr>
+            <a:endParaRPr b="0" lang="en-US" sz="3200" spc="-1" strike="noStrike">
+              <a:solidFill>
+                <a:srgbClr val="000000"/>
+              </a:solidFill>
+              <a:latin typeface="Arial"/>
+            </a:endParaRPr>
+          </a:p>
+        </p:txBody>
+      </p:sp>
+      <p:sp>
+        <p:nvSpPr>
+          <p:cNvPr id="4" name="PlaceHolder 3"/>
+          <p:cNvSpPr>
+            <a:spLocks noGrp="1"/>
+          </p:cNvSpPr>
+          <p:nvPr>
+            <p:ph type="sldNum" idx="25"/>
+          </p:nvPr>
+        </p:nvSpPr>
+        <p:spPr/>
+        <p:txBody>
+          <a:bodyPr/>
+          <a:p>
+            <a:fld id="{E9811E6F-C7AD-46BF-B20E-7D492ED7E7A5}" type="slidenum">
               <a:t>&lt;#&gt;</a:t>
             </a:fld>
           </a:p>
@@ -1331,7 +1582,7 @@
         <p:txBody>
           <a:bodyPr/>
           <a:p>
-            <a:fld id="{C135E133-68E8-448C-9954-056271BA4174}" type="slidenum">
+            <a:fld id="{B2542266-E962-48D8-B7C4-391F3D0720EA}" type="slidenum">
               <a:t>&lt;#&gt;</a:t>
             </a:fld>
           </a:p>
@@ -1373,7 +1624,7 @@
         <p:txBody>
           <a:bodyPr/>
           <a:p>
-            <a:fld id="{E0280A99-05F2-4585-B653-BCCAB5C47FA3}" type="slidenum">
+            <a:fld id="{457B911C-6EFA-4636-9440-19A73ABECD30}" type="slidenum">
               <a:t>&lt;#&gt;</a:t>
             </a:fld>
           </a:p>
@@ -1498,7 +1749,7 @@
         <p:txBody>
           <a:bodyPr/>
           <a:p>
-            <a:fld id="{E861BE28-BAAA-46CF-9AB2-CE73B83DEE47}" type="slidenum">
+            <a:fld id="{3A5B9A05-63B7-4FBF-8F87-5C5DF51C8A22}" type="slidenum">
               <a:t>&lt;#&gt;</a:t>
             </a:fld>
           </a:p>
@@ -1666,7 +1917,7 @@
         <p:txBody>
           <a:bodyPr/>
           <a:p>
-            <a:fld id="{D3518C5E-76B6-44BE-87E4-98E35453E2BC}" type="slidenum">
+            <a:fld id="{EE30EBCA-5C41-4F82-B1CE-719BBF94DC4A}" type="slidenum">
               <a:t>&lt;#&gt;</a:t>
             </a:fld>
           </a:p>
@@ -1748,7 +1999,7 @@
         <p:txBody>
           <a:bodyPr/>
           <a:p>
-            <a:fld id="{6ADF5331-9E19-4E79-A7EE-F4FB09339483}" type="slidenum">
+            <a:fld id="{87FA37F6-15C6-46CA-9D18-7D6CC55ABD13}" type="slidenum">
               <a:t>&lt;#&gt;</a:t>
             </a:fld>
           </a:p>
@@ -1790,7 +2041,7 @@
         <p:txBody>
           <a:bodyPr/>
           <a:p>
-            <a:fld id="{E22E42DB-6D4F-41D2-96D9-956DAF58C5CE}" type="slidenum">
+            <a:fld id="{E1EAAA9D-DEF1-474F-A6DF-B9097B4FF113}" type="slidenum">
               <a:t>&lt;#&gt;</a:t>
             </a:fld>
           </a:p>
@@ -1832,7 +2083,7 @@
         <p:txBody>
           <a:bodyPr/>
           <a:p>
-            <a:fld id="{9D66FFF3-987C-42FA-A21F-D64176E4441E}" type="slidenum">
+            <a:fld id="{AC724771-1E6E-47A2-B85E-8C9AB7B31FB6}" type="slidenum">
               <a:t>&lt;#&gt;</a:t>
             </a:fld>
           </a:p>
@@ -1876,7 +2127,7 @@
         <p:spPr>
           <a:xfrm>
             <a:off x="0" y="0"/>
-            <a:ext cx="9142920" cy="486720"/>
+            <a:ext cx="9142560" cy="486360"/>
           </a:xfrm>
           <a:prstGeom prst="rect">
             <a:avLst/>
@@ -1924,10 +2175,10 @@
         </p:nvGrpSpPr>
         <p:grpSpPr>
           <a:xfrm>
-            <a:off x="530280" y="1206360"/>
-            <a:ext cx="1342080" cy="16560"/>
-            <a:chOff x="530280" y="1206360"/>
-            <a:chExt cx="1342080" cy="16560"/>
+            <a:off x="530280" y="1206720"/>
+            <a:ext cx="1341720" cy="16200"/>
+            <a:chOff x="530280" y="1206720"/>
+            <a:chExt cx="1341720" cy="16200"/>
           </a:xfrm>
         </p:grpSpPr>
         <p:sp>
@@ -1938,8 +2189,8 @@
           </p:nvSpPr>
           <p:spPr>
             <a:xfrm rot="16200000">
-              <a:off x="1380600" y="731160"/>
-              <a:ext cx="16560" cy="966600"/>
+              <a:off x="1380600" y="731520"/>
+              <a:ext cx="16200" cy="966240"/>
             </a:xfrm>
             <a:prstGeom prst="rect">
               <a:avLst/>
@@ -1987,8 +2238,8 @@
           </p:nvSpPr>
           <p:spPr>
             <a:xfrm rot="16200000">
-              <a:off x="1009440" y="727200"/>
-              <a:ext cx="16560" cy="974880"/>
+              <a:off x="1009440" y="727560"/>
+              <a:ext cx="16200" cy="974520"/>
             </a:xfrm>
             <a:prstGeom prst="rect">
               <a:avLst/>
@@ -2041,8 +2292,8 @@
         </p:nvSpPr>
         <p:spPr>
           <a:xfrm>
-            <a:off x="729360" y="1273320"/>
-            <a:ext cx="7687800" cy="624960"/>
+            <a:off x="457200" y="205200"/>
+            <a:ext cx="8228880" cy="858240"/>
           </a:xfrm>
           <a:prstGeom prst="rect">
             <a:avLst/>
@@ -2091,7 +2342,7 @@
         <p:spPr>
           <a:xfrm>
             <a:off x="8536320" y="4749840"/>
-            <a:ext cx="547560" cy="392400"/>
+            <a:ext cx="547200" cy="392040"/>
           </a:xfrm>
           <a:prstGeom prst="rect">
             <a:avLst/>
@@ -2133,7 +2384,7 @@
                 <a:tab algn="l" pos="0"/>
               </a:tabLst>
             </a:pPr>
-            <a:fld id="{56373BD6-0F06-4BC8-89CD-5A2E64656F64}" type="slidenum">
+            <a:fld id="{6CCB4CEE-C581-4C20-8FAE-4B609C34B4CF}" type="slidenum">
               <a:rPr b="0" lang="fr" sz="1000" spc="-1" strike="noStrike">
                 <a:solidFill>
                   <a:schemeClr val="accent1"/>
@@ -2412,14 +2663,14 @@
       </p:grpSpPr>
       <p:sp>
         <p:nvSpPr>
-          <p:cNvPr id="60" name="Google Shape;62;p9"/>
+          <p:cNvPr id="56" name="Google Shape;62;p9"/>
           <p:cNvSpPr/>
           <p:nvPr/>
         </p:nvSpPr>
         <p:spPr>
           <a:xfrm>
             <a:off x="0" y="0"/>
-            <a:ext cx="4570920" cy="5142600"/>
+            <a:ext cx="4570560" cy="5142240"/>
           </a:xfrm>
           <a:prstGeom prst="rect">
             <a:avLst/>
@@ -2461,28 +2712,28 @@
       </p:sp>
       <p:grpSp>
         <p:nvGrpSpPr>
-          <p:cNvPr id="61" name="Google Shape;63;p9"/>
+          <p:cNvPr id="57" name="Google Shape;63;p9"/>
           <p:cNvGrpSpPr/>
           <p:nvPr/>
         </p:nvGrpSpPr>
         <p:grpSpPr>
           <a:xfrm>
-            <a:off x="530280" y="1206360"/>
-            <a:ext cx="1342080" cy="16560"/>
-            <a:chOff x="530280" y="1206360"/>
-            <a:chExt cx="1342080" cy="16560"/>
+            <a:off x="530280" y="1206720"/>
+            <a:ext cx="1341720" cy="16200"/>
+            <a:chOff x="530280" y="1206720"/>
+            <a:chExt cx="1341720" cy="16200"/>
           </a:xfrm>
         </p:grpSpPr>
         <p:sp>
           <p:nvSpPr>
-            <p:cNvPr id="62" name="Google Shape;64;p9"/>
+            <p:cNvPr id="58" name="Google Shape;64;p9"/>
             <p:cNvSpPr/>
             <p:nvPr/>
           </p:nvSpPr>
           <p:spPr>
             <a:xfrm rot="16200000">
-              <a:off x="1380600" y="731160"/>
-              <a:ext cx="16560" cy="966600"/>
+              <a:off x="1380600" y="731520"/>
+              <a:ext cx="16200" cy="966240"/>
             </a:xfrm>
             <a:prstGeom prst="rect">
               <a:avLst/>
@@ -2524,14 +2775,14 @@
         </p:sp>
         <p:sp>
           <p:nvSpPr>
-            <p:cNvPr id="63" name="Google Shape;65;p9"/>
+            <p:cNvPr id="59" name="Google Shape;65;p9"/>
             <p:cNvSpPr/>
             <p:nvPr/>
           </p:nvSpPr>
           <p:spPr>
             <a:xfrm rot="16200000">
-              <a:off x="1009440" y="727200"/>
-              <a:ext cx="16560" cy="974880"/>
+              <a:off x="1009440" y="727560"/>
+              <a:ext cx="16200" cy="974520"/>
             </a:xfrm>
             <a:prstGeom prst="rect">
               <a:avLst/>
@@ -2574,7 +2825,7 @@
       </p:grpSp>
       <p:sp>
         <p:nvSpPr>
-          <p:cNvPr id="64" name="PlaceHolder 1"/>
+          <p:cNvPr id="60" name="PlaceHolder 1"/>
           <p:cNvSpPr>
             <a:spLocks noGrp="1"/>
           </p:cNvSpPr>
@@ -2585,7 +2836,7 @@
         <p:spPr>
           <a:xfrm>
             <a:off x="8536320" y="4749840"/>
-            <a:ext cx="547560" cy="392400"/>
+            <a:ext cx="547200" cy="392040"/>
           </a:xfrm>
           <a:prstGeom prst="rect">
             <a:avLst/>
@@ -2627,7 +2878,7 @@
                 <a:tab algn="l" pos="0"/>
               </a:tabLst>
             </a:pPr>
-            <a:fld id="{82D46198-0A45-415B-8A05-1C503955D10F}" type="slidenum">
+            <a:fld id="{AD3BAEC7-6447-4218-AF00-162953C3203B}" type="slidenum">
               <a:rPr b="0" lang="fr" sz="1000" spc="-1" strike="noStrike">
                 <a:solidFill>
                   <a:schemeClr val="accent1"/>
@@ -2681,7 +2932,7 @@
       </p:grpSpPr>
       <p:sp>
         <p:nvSpPr>
-          <p:cNvPr id="65" name="PlaceHolder 1"/>
+          <p:cNvPr id="61" name="PlaceHolder 1"/>
           <p:cNvSpPr>
             <a:spLocks noGrp="1"/>
           </p:cNvSpPr>
@@ -2692,7 +2943,7 @@
         <p:spPr>
           <a:xfrm>
             <a:off x="8536320" y="4749840"/>
-            <a:ext cx="547560" cy="392400"/>
+            <a:ext cx="547200" cy="392040"/>
           </a:xfrm>
           <a:prstGeom prst="rect">
             <a:avLst/>
@@ -2734,7 +2985,7 @@
                 <a:tab algn="l" pos="0"/>
               </a:tabLst>
             </a:pPr>
-            <a:fld id="{C91A0839-CA14-4659-8AEC-4C9AD440074F}" type="slidenum">
+            <a:fld id="{8C0F238E-59C6-438D-A58D-050736F7A444}" type="slidenum">
               <a:rPr b="0" lang="fr" sz="1000" spc="-1" strike="noStrike">
                 <a:solidFill>
                   <a:schemeClr val="accent1"/>
@@ -2788,14 +3039,14 @@
       </p:grpSpPr>
       <p:sp>
         <p:nvSpPr>
-          <p:cNvPr id="66" name="Google Shape;24;p4"/>
+          <p:cNvPr id="62" name="Google Shape;24;p4"/>
           <p:cNvSpPr/>
           <p:nvPr/>
         </p:nvSpPr>
         <p:spPr>
           <a:xfrm>
             <a:off x="0" y="0"/>
-            <a:ext cx="9142920" cy="486720"/>
+            <a:ext cx="9142560" cy="486360"/>
           </a:xfrm>
           <a:prstGeom prst="rect">
             <a:avLst/>
@@ -2835,28 +3086,28 @@
       </p:sp>
       <p:grpSp>
         <p:nvGrpSpPr>
-          <p:cNvPr id="67" name="Google Shape;25;p4"/>
+          <p:cNvPr id="63" name="Google Shape;25;p4"/>
           <p:cNvGrpSpPr/>
           <p:nvPr/>
         </p:nvGrpSpPr>
         <p:grpSpPr>
           <a:xfrm>
-            <a:off x="530280" y="1206360"/>
-            <a:ext cx="1342080" cy="16560"/>
-            <a:chOff x="530280" y="1206360"/>
-            <a:chExt cx="1342080" cy="16560"/>
+            <a:off x="530280" y="1206720"/>
+            <a:ext cx="1341720" cy="16200"/>
+            <a:chOff x="530280" y="1206720"/>
+            <a:chExt cx="1341720" cy="16200"/>
           </a:xfrm>
         </p:grpSpPr>
         <p:sp>
           <p:nvSpPr>
-            <p:cNvPr id="68" name="Google Shape;26;p4"/>
+            <p:cNvPr id="64" name="Google Shape;26;p4"/>
             <p:cNvSpPr/>
             <p:nvPr/>
           </p:nvSpPr>
           <p:spPr>
             <a:xfrm rot="16200000">
-              <a:off x="1380600" y="731160"/>
-              <a:ext cx="16560" cy="966600"/>
+              <a:off x="1380600" y="731520"/>
+              <a:ext cx="16200" cy="966240"/>
             </a:xfrm>
             <a:prstGeom prst="rect">
               <a:avLst/>
@@ -2896,14 +3147,14 @@
         </p:sp>
         <p:sp>
           <p:nvSpPr>
-            <p:cNvPr id="69" name="Google Shape;27;p4"/>
+            <p:cNvPr id="65" name="Google Shape;27;p4"/>
             <p:cNvSpPr/>
             <p:nvPr/>
           </p:nvSpPr>
           <p:spPr>
             <a:xfrm rot="16200000">
-              <a:off x="1009440" y="727200"/>
-              <a:ext cx="16560" cy="974880"/>
+              <a:off x="1009440" y="727560"/>
+              <a:ext cx="16200" cy="974520"/>
             </a:xfrm>
             <a:prstGeom prst="rect">
               <a:avLst/>
@@ -2944,7 +3195,7 @@
       </p:grpSp>
       <p:sp>
         <p:nvSpPr>
-          <p:cNvPr id="70" name="PlaceHolder 1"/>
+          <p:cNvPr id="66" name="PlaceHolder 1"/>
           <p:cNvSpPr>
             <a:spLocks noGrp="1"/>
           </p:cNvSpPr>
@@ -2954,8 +3205,8 @@
         </p:nvSpPr>
         <p:spPr>
           <a:xfrm>
-            <a:off x="729360" y="1273320"/>
-            <a:ext cx="7687800" cy="624960"/>
+            <a:off x="457200" y="205200"/>
+            <a:ext cx="8228880" cy="858240"/>
           </a:xfrm>
           <a:prstGeom prst="rect">
             <a:avLst/>
@@ -2993,7 +3244,7 @@
       </p:sp>
       <p:sp>
         <p:nvSpPr>
-          <p:cNvPr id="71" name="PlaceHolder 2"/>
+          <p:cNvPr id="67" name="PlaceHolder 2"/>
           <p:cNvSpPr>
             <a:spLocks noGrp="1"/>
           </p:cNvSpPr>
@@ -3003,8 +3254,8 @@
         </p:nvSpPr>
         <p:spPr>
           <a:xfrm>
-            <a:off x="729360" y="2079000"/>
-            <a:ext cx="7687800" cy="2260080"/>
+            <a:off x="457200" y="1203480"/>
+            <a:ext cx="8228880" cy="2982600"/>
           </a:xfrm>
           <a:prstGeom prst="rect">
             <a:avLst/>
@@ -3016,7 +3267,7 @@
         </p:spPr>
         <p:txBody>
           <a:bodyPr lIns="0" rIns="0" tIns="0" bIns="0" anchor="t">
-            <a:normAutofit fontScale="93333"/>
+            <a:normAutofit/>
           </a:bodyPr>
           <a:p>
             <a:pPr marL="432000" indent="-324000">
@@ -3218,7 +3469,7 @@
       </p:sp>
       <p:sp>
         <p:nvSpPr>
-          <p:cNvPr id="72" name="PlaceHolder 3"/>
+          <p:cNvPr id="68" name="PlaceHolder 3"/>
           <p:cNvSpPr>
             <a:spLocks noGrp="1"/>
           </p:cNvSpPr>
@@ -3229,7 +3480,7 @@
         <p:spPr>
           <a:xfrm>
             <a:off x="8536320" y="4749840"/>
-            <a:ext cx="547560" cy="392400"/>
+            <a:ext cx="547200" cy="392040"/>
           </a:xfrm>
           <a:prstGeom prst="rect">
             <a:avLst/>
@@ -3271,7 +3522,7 @@
                 <a:tab algn="l" pos="0"/>
               </a:tabLst>
             </a:pPr>
-            <a:fld id="{8DF13CEF-FC85-42A2-BF43-8678A3021336}" type="slidenum">
+            <a:fld id="{91C8C568-E895-406F-BF54-D54D743F897C}" type="slidenum">
               <a:rPr b="0" lang="fr" sz="1000" spc="-1" strike="noStrike">
                 <a:solidFill>
                   <a:schemeClr val="accent1"/>
@@ -3325,28 +3576,28 @@
       </p:grpSpPr>
       <p:grpSp>
         <p:nvGrpSpPr>
-          <p:cNvPr id="75" name="Google Shape;18;p3"/>
+          <p:cNvPr id="71" name="Google Shape;18;p3"/>
           <p:cNvGrpSpPr/>
           <p:nvPr/>
         </p:nvGrpSpPr>
         <p:grpSpPr>
           <a:xfrm>
-            <a:off x="530280" y="1206360"/>
-            <a:ext cx="1342080" cy="16560"/>
-            <a:chOff x="530280" y="1206360"/>
-            <a:chExt cx="1342080" cy="16560"/>
+            <a:off x="530280" y="1206720"/>
+            <a:ext cx="1341720" cy="16200"/>
+            <a:chOff x="530280" y="1206720"/>
+            <a:chExt cx="1341720" cy="16200"/>
           </a:xfrm>
         </p:grpSpPr>
         <p:sp>
           <p:nvSpPr>
-            <p:cNvPr id="76" name="Google Shape;19;p3"/>
+            <p:cNvPr id="72" name="Google Shape;19;p3"/>
             <p:cNvSpPr/>
             <p:nvPr/>
           </p:nvSpPr>
           <p:spPr>
             <a:xfrm rot="16200000">
-              <a:off x="1380600" y="731160"/>
-              <a:ext cx="16560" cy="966600"/>
+              <a:off x="1380600" y="731520"/>
+              <a:ext cx="16200" cy="966240"/>
             </a:xfrm>
             <a:prstGeom prst="rect">
               <a:avLst/>
@@ -3386,14 +3637,14 @@
         </p:sp>
         <p:sp>
           <p:nvSpPr>
-            <p:cNvPr id="77" name="Google Shape;20;p3"/>
+            <p:cNvPr id="73" name="Google Shape;20;p3"/>
             <p:cNvSpPr/>
             <p:nvPr/>
           </p:nvSpPr>
           <p:spPr>
             <a:xfrm rot="16200000">
-              <a:off x="1009440" y="727200"/>
-              <a:ext cx="16560" cy="974880"/>
+              <a:off x="1009440" y="727560"/>
+              <a:ext cx="16200" cy="974520"/>
             </a:xfrm>
             <a:prstGeom prst="rect">
               <a:avLst/>
@@ -3434,7 +3685,7 @@
       </p:grpSp>
       <p:sp>
         <p:nvSpPr>
-          <p:cNvPr id="78" name="PlaceHolder 1"/>
+          <p:cNvPr id="74" name="PlaceHolder 1"/>
           <p:cNvSpPr>
             <a:spLocks noGrp="1"/>
           </p:cNvSpPr>
@@ -3445,7 +3696,7 @@
         <p:spPr>
           <a:xfrm>
             <a:off x="8536320" y="4749840"/>
-            <a:ext cx="547560" cy="392400"/>
+            <a:ext cx="547200" cy="392040"/>
           </a:xfrm>
           <a:prstGeom prst="rect">
             <a:avLst/>
@@ -3487,7 +3738,7 @@
                 <a:tab algn="l" pos="0"/>
               </a:tabLst>
             </a:pPr>
-            <a:fld id="{CB4A128C-1F63-4AFE-8C97-EC32C6941597}" type="slidenum">
+            <a:fld id="{32CDCEDE-2840-4744-9BA0-99C18F069227}" type="slidenum">
               <a:rPr b="0" lang="fr" sz="1000" spc="-1" strike="noStrike">
                 <a:solidFill>
                   <a:schemeClr val="lt1"/>
@@ -3502,280 +3753,6 @@
                 <a:srgbClr val="ffffff"/>
               </a:solidFill>
               <a:latin typeface="Times New Roman"/>
-            </a:endParaRPr>
-          </a:p>
-        </p:txBody>
-      </p:sp>
-      <p:sp>
-        <p:nvSpPr>
-          <p:cNvPr id="79" name="PlaceHolder 2"/>
-          <p:cNvSpPr>
-            <a:spLocks noGrp="1"/>
-          </p:cNvSpPr>
-          <p:nvPr>
-            <p:ph type="title"/>
-          </p:nvPr>
-        </p:nvSpPr>
-        <p:spPr>
-          <a:xfrm>
-            <a:off x="457200" y="205200"/>
-            <a:ext cx="8229240" cy="858600"/>
-          </a:xfrm>
-          <a:prstGeom prst="rect">
-            <a:avLst/>
-          </a:prstGeom>
-          <a:noFill/>
-          <a:ln w="0">
-            <a:noFill/>
-          </a:ln>
-        </p:spPr>
-        <p:txBody>
-          <a:bodyPr lIns="0" rIns="0" tIns="0" bIns="0" anchor="ctr">
-            <a:noAutofit/>
-          </a:bodyPr>
-          <a:p>
-            <a:pPr indent="0" algn="ctr">
-              <a:buNone/>
-            </a:pPr>
-            <a:r>
-              <a:rPr b="0" lang="en-US" sz="4400" spc="-1" strike="noStrike">
-                <a:solidFill>
-                  <a:srgbClr val="ffffff"/>
-                </a:solidFill>
-                <a:latin typeface="Arial"/>
-              </a:rPr>
-              <a:t>Click to edit the title text format</a:t>
-            </a:r>
-            <a:endParaRPr b="0" lang="en-US" sz="4400" spc="-1" strike="noStrike">
-              <a:solidFill>
-                <a:srgbClr val="ffffff"/>
-              </a:solidFill>
-              <a:latin typeface="Arial"/>
-            </a:endParaRPr>
-          </a:p>
-        </p:txBody>
-      </p:sp>
-      <p:sp>
-        <p:nvSpPr>
-          <p:cNvPr id="80" name="PlaceHolder 3"/>
-          <p:cNvSpPr>
-            <a:spLocks noGrp="1"/>
-          </p:cNvSpPr>
-          <p:nvPr>
-            <p:ph type="body"/>
-          </p:nvPr>
-        </p:nvSpPr>
-        <p:spPr>
-          <a:xfrm>
-            <a:off x="457200" y="1203480"/>
-            <a:ext cx="8229240" cy="2982960"/>
-          </a:xfrm>
-          <a:prstGeom prst="rect">
-            <a:avLst/>
-          </a:prstGeom>
-          <a:noFill/>
-          <a:ln w="0">
-            <a:noFill/>
-          </a:ln>
-        </p:spPr>
-        <p:txBody>
-          <a:bodyPr lIns="0" rIns="0" tIns="0" bIns="0" anchor="t">
-            <a:normAutofit/>
-          </a:bodyPr>
-          <a:p>
-            <a:pPr marL="432000" indent="-324000">
-              <a:spcBef>
-                <a:spcPts val="1417"/>
-              </a:spcBef>
-              <a:buClr>
-                <a:srgbClr val="ffffff"/>
-              </a:buClr>
-              <a:buSzPct val="45000"/>
-              <a:buFont typeface="Wingdings" charset="2"/>
-              <a:buChar char=""/>
-            </a:pPr>
-            <a:r>
-              <a:rPr b="0" lang="en-US" sz="3200" spc="-1" strike="noStrike">
-                <a:solidFill>
-                  <a:srgbClr val="ffffff"/>
-                </a:solidFill>
-                <a:latin typeface="Arial"/>
-              </a:rPr>
-              <a:t>Click to edit the outline text format</a:t>
-            </a:r>
-            <a:endParaRPr b="0" lang="en-US" sz="3200" spc="-1" strike="noStrike">
-              <a:solidFill>
-                <a:srgbClr val="ffffff"/>
-              </a:solidFill>
-              <a:latin typeface="Arial"/>
-            </a:endParaRPr>
-          </a:p>
-          <a:p>
-            <a:pPr lvl="1" marL="864000" indent="-324000">
-              <a:spcBef>
-                <a:spcPts val="1134"/>
-              </a:spcBef>
-              <a:buClr>
-                <a:srgbClr val="ffffff"/>
-              </a:buClr>
-              <a:buSzPct val="75000"/>
-              <a:buFont typeface="Symbol" charset="2"/>
-              <a:buChar char=""/>
-            </a:pPr>
-            <a:r>
-              <a:rPr b="0" lang="en-US" sz="2800" spc="-1" strike="noStrike">
-                <a:solidFill>
-                  <a:srgbClr val="ffffff"/>
-                </a:solidFill>
-                <a:latin typeface="Arial"/>
-              </a:rPr>
-              <a:t>Second Outline Level</a:t>
-            </a:r>
-            <a:endParaRPr b="0" lang="en-US" sz="2800" spc="-1" strike="noStrike">
-              <a:solidFill>
-                <a:srgbClr val="ffffff"/>
-              </a:solidFill>
-              <a:latin typeface="Arial"/>
-            </a:endParaRPr>
-          </a:p>
-          <a:p>
-            <a:pPr lvl="2" marL="1296000" indent="-288000">
-              <a:spcBef>
-                <a:spcPts val="850"/>
-              </a:spcBef>
-              <a:buClr>
-                <a:srgbClr val="ffffff"/>
-              </a:buClr>
-              <a:buSzPct val="45000"/>
-              <a:buFont typeface="Wingdings" charset="2"/>
-              <a:buChar char=""/>
-            </a:pPr>
-            <a:r>
-              <a:rPr b="0" lang="en-US" sz="2400" spc="-1" strike="noStrike">
-                <a:solidFill>
-                  <a:srgbClr val="ffffff"/>
-                </a:solidFill>
-                <a:latin typeface="Arial"/>
-              </a:rPr>
-              <a:t>Third Outline Level</a:t>
-            </a:r>
-            <a:endParaRPr b="0" lang="en-US" sz="2400" spc="-1" strike="noStrike">
-              <a:solidFill>
-                <a:srgbClr val="ffffff"/>
-              </a:solidFill>
-              <a:latin typeface="Arial"/>
-            </a:endParaRPr>
-          </a:p>
-          <a:p>
-            <a:pPr lvl="3" marL="1728000" indent="-216000">
-              <a:spcBef>
-                <a:spcPts val="567"/>
-              </a:spcBef>
-              <a:buClr>
-                <a:srgbClr val="ffffff"/>
-              </a:buClr>
-              <a:buSzPct val="75000"/>
-              <a:buFont typeface="Symbol" charset="2"/>
-              <a:buChar char=""/>
-            </a:pPr>
-            <a:r>
-              <a:rPr b="0" lang="en-US" sz="2000" spc="-1" strike="noStrike">
-                <a:solidFill>
-                  <a:srgbClr val="ffffff"/>
-                </a:solidFill>
-                <a:latin typeface="Arial"/>
-              </a:rPr>
-              <a:t>Fourth Outline Level</a:t>
-            </a:r>
-            <a:endParaRPr b="0" lang="en-US" sz="2000" spc="-1" strike="noStrike">
-              <a:solidFill>
-                <a:srgbClr val="ffffff"/>
-              </a:solidFill>
-              <a:latin typeface="Arial"/>
-            </a:endParaRPr>
-          </a:p>
-          <a:p>
-            <a:pPr lvl="4" marL="2160000" indent="-216000">
-              <a:spcBef>
-                <a:spcPts val="283"/>
-              </a:spcBef>
-              <a:buClr>
-                <a:srgbClr val="ffffff"/>
-              </a:buClr>
-              <a:buSzPct val="45000"/>
-              <a:buFont typeface="Wingdings" charset="2"/>
-              <a:buChar char=""/>
-            </a:pPr>
-            <a:r>
-              <a:rPr b="0" lang="en-US" sz="2000" spc="-1" strike="noStrike">
-                <a:solidFill>
-                  <a:srgbClr val="ffffff"/>
-                </a:solidFill>
-                <a:latin typeface="Arial"/>
-              </a:rPr>
-              <a:t>Fifth Outline Level</a:t>
-            </a:r>
-            <a:endParaRPr b="0" lang="en-US" sz="2000" spc="-1" strike="noStrike">
-              <a:solidFill>
-                <a:srgbClr val="ffffff"/>
-              </a:solidFill>
-              <a:latin typeface="Arial"/>
-            </a:endParaRPr>
-          </a:p>
-          <a:p>
-            <a:pPr lvl="5" marL="2592000" indent="-216000">
-              <a:spcBef>
-                <a:spcPts val="283"/>
-              </a:spcBef>
-              <a:buClr>
-                <a:srgbClr val="ffffff"/>
-              </a:buClr>
-              <a:buSzPct val="45000"/>
-              <a:buFont typeface="Wingdings" charset="2"/>
-              <a:buChar char=""/>
-            </a:pPr>
-            <a:r>
-              <a:rPr b="0" lang="en-US" sz="2000" spc="-1" strike="noStrike">
-                <a:solidFill>
-                  <a:srgbClr val="ffffff"/>
-                </a:solidFill>
-                <a:latin typeface="Arial"/>
-              </a:rPr>
-              <a:t>Sixth Outline Level</a:t>
-            </a:r>
-            <a:endParaRPr b="0" lang="en-US" sz="2000" spc="-1" strike="noStrike">
-              <a:solidFill>
-                <a:srgbClr val="ffffff"/>
-              </a:solidFill>
-              <a:latin typeface="Arial"/>
-            </a:endParaRPr>
-          </a:p>
-          <a:p>
-            <a:pPr lvl="6" marL="3024000" indent="-216000">
-              <a:spcBef>
-                <a:spcPts val="283"/>
-              </a:spcBef>
-              <a:buClr>
-                <a:srgbClr val="ffffff"/>
-              </a:buClr>
-              <a:buSzPct val="45000"/>
-              <a:buFont typeface="Wingdings" charset="2"/>
-              <a:buChar char=""/>
-            </a:pPr>
-            <a:r>
-              <a:rPr b="0" lang="en-US" sz="2000" spc="-1" strike="noStrike">
-                <a:solidFill>
-                  <a:srgbClr val="ffffff"/>
-                </a:solidFill>
-                <a:latin typeface="Arial"/>
-              </a:rPr>
-              <a:t>Seventh Outline Level</a:t>
-            </a:r>
-            <a:endParaRPr b="0" lang="en-US" sz="2000" spc="-1" strike="noStrike">
-              <a:solidFill>
-                <a:srgbClr val="ffffff"/>
-              </a:solidFill>
-              <a:latin typeface="Arial"/>
             </a:endParaRPr>
           </a:p>
         </p:txBody>
@@ -3815,28 +3792,28 @@
       </p:grpSpPr>
       <p:grpSp>
         <p:nvGrpSpPr>
-          <p:cNvPr id="81" name="Google Shape;56;p8"/>
+          <p:cNvPr id="75" name="Google Shape;56;p8"/>
           <p:cNvGrpSpPr/>
           <p:nvPr/>
         </p:nvGrpSpPr>
         <p:grpSpPr>
           <a:xfrm>
-            <a:off x="530280" y="4184280"/>
-            <a:ext cx="1342080" cy="16560"/>
-            <a:chOff x="530280" y="4184280"/>
-            <a:chExt cx="1342080" cy="16560"/>
+            <a:off x="530280" y="4184640"/>
+            <a:ext cx="1341720" cy="16200"/>
+            <a:chOff x="530280" y="4184640"/>
+            <a:chExt cx="1341720" cy="16200"/>
           </a:xfrm>
         </p:grpSpPr>
         <p:sp>
           <p:nvSpPr>
-            <p:cNvPr id="82" name="Google Shape;57;p8"/>
+            <p:cNvPr id="76" name="Google Shape;57;p8"/>
             <p:cNvSpPr/>
             <p:nvPr/>
           </p:nvSpPr>
           <p:spPr>
             <a:xfrm rot="16200000">
-              <a:off x="1380600" y="3709080"/>
-              <a:ext cx="16560" cy="966600"/>
+              <a:off x="1380600" y="3709440"/>
+              <a:ext cx="16200" cy="966240"/>
             </a:xfrm>
             <a:prstGeom prst="rect">
               <a:avLst/>
@@ -3876,14 +3853,14 @@
         </p:sp>
         <p:sp>
           <p:nvSpPr>
-            <p:cNvPr id="83" name="Google Shape;58;p8"/>
+            <p:cNvPr id="77" name="Google Shape;58;p8"/>
             <p:cNvSpPr/>
             <p:nvPr/>
           </p:nvSpPr>
           <p:spPr>
             <a:xfrm rot="16200000">
-              <a:off x="1009440" y="3705120"/>
-              <a:ext cx="16560" cy="974880"/>
+              <a:off x="1009440" y="3705480"/>
+              <a:ext cx="16200" cy="974520"/>
             </a:xfrm>
             <a:prstGeom prst="rect">
               <a:avLst/>
@@ -3924,7 +3901,7 @@
       </p:grpSp>
       <p:sp>
         <p:nvSpPr>
-          <p:cNvPr id="84" name="PlaceHolder 1"/>
+          <p:cNvPr id="78" name="PlaceHolder 1"/>
           <p:cNvSpPr>
             <a:spLocks noGrp="1"/>
           </p:cNvSpPr>
@@ -3935,7 +3912,7 @@
         <p:spPr>
           <a:xfrm>
             <a:off x="8536320" y="4749840"/>
-            <a:ext cx="547560" cy="392400"/>
+            <a:ext cx="547200" cy="392040"/>
           </a:xfrm>
           <a:prstGeom prst="rect">
             <a:avLst/>
@@ -3977,7 +3954,7 @@
                 <a:tab algn="l" pos="0"/>
               </a:tabLst>
             </a:pPr>
-            <a:fld id="{6D872D70-A326-4981-B1E8-B31B3528F123}" type="slidenum">
+            <a:fld id="{FF0DACEB-A719-4E0C-A0C1-4DC29C0C92D0}" type="slidenum">
               <a:rPr b="0" lang="fr" sz="1000" spc="-1" strike="noStrike">
                 <a:solidFill>
                   <a:schemeClr val="lt1"/>
@@ -3998,7 +3975,7 @@
       </p:sp>
       <p:sp>
         <p:nvSpPr>
-          <p:cNvPr id="85" name="PlaceHolder 2"/>
+          <p:cNvPr id="79" name="PlaceHolder 2"/>
           <p:cNvSpPr>
             <a:spLocks noGrp="1"/>
           </p:cNvSpPr>
@@ -4047,7 +4024,7 @@
       </p:sp>
       <p:sp>
         <p:nvSpPr>
-          <p:cNvPr id="86" name="PlaceHolder 3"/>
+          <p:cNvPr id="80" name="PlaceHolder 3"/>
           <p:cNvSpPr>
             <a:spLocks noGrp="1"/>
           </p:cNvSpPr>
@@ -4305,14 +4282,14 @@
       </p:grpSpPr>
       <p:sp>
         <p:nvSpPr>
-          <p:cNvPr id="87" name="Google Shape;24;p4"/>
+          <p:cNvPr id="81" name="Google Shape;24;p4"/>
           <p:cNvSpPr/>
           <p:nvPr/>
         </p:nvSpPr>
         <p:spPr>
           <a:xfrm>
             <a:off x="0" y="0"/>
-            <a:ext cx="9142920" cy="486720"/>
+            <a:ext cx="9142560" cy="486360"/>
           </a:xfrm>
           <a:prstGeom prst="rect">
             <a:avLst/>
@@ -4352,28 +4329,28 @@
       </p:sp>
       <p:grpSp>
         <p:nvGrpSpPr>
-          <p:cNvPr id="88" name="Google Shape;25;p4"/>
+          <p:cNvPr id="82" name="Google Shape;25;p4"/>
           <p:cNvGrpSpPr/>
           <p:nvPr/>
         </p:nvGrpSpPr>
         <p:grpSpPr>
           <a:xfrm>
-            <a:off x="530280" y="1206360"/>
-            <a:ext cx="1342080" cy="16560"/>
-            <a:chOff x="530280" y="1206360"/>
-            <a:chExt cx="1342080" cy="16560"/>
+            <a:off x="530280" y="1206720"/>
+            <a:ext cx="1341720" cy="16200"/>
+            <a:chOff x="530280" y="1206720"/>
+            <a:chExt cx="1341720" cy="16200"/>
           </a:xfrm>
         </p:grpSpPr>
         <p:sp>
           <p:nvSpPr>
-            <p:cNvPr id="89" name="Google Shape;26;p4"/>
+            <p:cNvPr id="83" name="Google Shape;26;p4"/>
             <p:cNvSpPr/>
             <p:nvPr/>
           </p:nvSpPr>
           <p:spPr>
             <a:xfrm rot="16200000">
-              <a:off x="1380600" y="731160"/>
-              <a:ext cx="16560" cy="966600"/>
+              <a:off x="1380600" y="731520"/>
+              <a:ext cx="16200" cy="966240"/>
             </a:xfrm>
             <a:prstGeom prst="rect">
               <a:avLst/>
@@ -4413,14 +4390,14 @@
         </p:sp>
         <p:sp>
           <p:nvSpPr>
-            <p:cNvPr id="90" name="Google Shape;27;p4"/>
+            <p:cNvPr id="84" name="Google Shape;27;p4"/>
             <p:cNvSpPr/>
             <p:nvPr/>
           </p:nvSpPr>
           <p:spPr>
             <a:xfrm rot="16200000">
-              <a:off x="1009440" y="727200"/>
-              <a:ext cx="16560" cy="974880"/>
+              <a:off x="1009440" y="727560"/>
+              <a:ext cx="16200" cy="974520"/>
             </a:xfrm>
             <a:prstGeom prst="rect">
               <a:avLst/>
@@ -4461,7 +4438,7 @@
       </p:grpSp>
       <p:sp>
         <p:nvSpPr>
-          <p:cNvPr id="91" name="PlaceHolder 1"/>
+          <p:cNvPr id="85" name="PlaceHolder 1"/>
           <p:cNvSpPr>
             <a:spLocks noGrp="1"/>
           </p:cNvSpPr>
@@ -4471,8 +4448,8 @@
         </p:nvSpPr>
         <p:spPr>
           <a:xfrm>
-            <a:off x="729360" y="1273320"/>
-            <a:ext cx="7687800" cy="624960"/>
+            <a:off x="457200" y="205200"/>
+            <a:ext cx="8228880" cy="858240"/>
           </a:xfrm>
           <a:prstGeom prst="rect">
             <a:avLst/>
@@ -4510,7 +4487,7 @@
       </p:sp>
       <p:sp>
         <p:nvSpPr>
-          <p:cNvPr id="92" name="PlaceHolder 2"/>
+          <p:cNvPr id="86" name="PlaceHolder 2"/>
           <p:cNvSpPr>
             <a:spLocks noGrp="1"/>
           </p:cNvSpPr>
@@ -4520,8 +4497,8 @@
         </p:nvSpPr>
         <p:spPr>
           <a:xfrm>
-            <a:off x="729360" y="2079000"/>
-            <a:ext cx="7687800" cy="2260080"/>
+            <a:off x="457200" y="1203480"/>
+            <a:ext cx="8228880" cy="2982600"/>
           </a:xfrm>
           <a:prstGeom prst="rect">
             <a:avLst/>
@@ -4533,7 +4510,7 @@
         </p:spPr>
         <p:txBody>
           <a:bodyPr lIns="0" rIns="0" tIns="0" bIns="0" anchor="t">
-            <a:normAutofit fontScale="93333"/>
+            <a:normAutofit/>
           </a:bodyPr>
           <a:p>
             <a:pPr marL="432000" indent="-324000">
@@ -4735,7 +4712,7 @@
       </p:sp>
       <p:sp>
         <p:nvSpPr>
-          <p:cNvPr id="93" name="PlaceHolder 3"/>
+          <p:cNvPr id="87" name="PlaceHolder 3"/>
           <p:cNvSpPr>
             <a:spLocks noGrp="1"/>
           </p:cNvSpPr>
@@ -4746,7 +4723,7 @@
         <p:spPr>
           <a:xfrm>
             <a:off x="8536320" y="4749840"/>
-            <a:ext cx="547560" cy="392400"/>
+            <a:ext cx="547200" cy="392040"/>
           </a:xfrm>
           <a:prstGeom prst="rect">
             <a:avLst/>
@@ -4788,7 +4765,7 @@
                 <a:tab algn="l" pos="0"/>
               </a:tabLst>
             </a:pPr>
-            <a:fld id="{E7204D23-0287-429C-89B7-7E00F1BE2931}" type="slidenum">
+            <a:fld id="{44A77000-380B-4F18-95E8-801212CD97F8}" type="slidenum">
               <a:rPr b="0" lang="fr" sz="1000" spc="-1" strike="noStrike">
                 <a:solidFill>
                   <a:schemeClr val="accent1"/>
@@ -4842,14 +4819,14 @@
       </p:grpSpPr>
       <p:sp>
         <p:nvSpPr>
-          <p:cNvPr id="96" name="Google Shape;24;p4"/>
+          <p:cNvPr id="90" name="Google Shape;24;p4"/>
           <p:cNvSpPr/>
           <p:nvPr/>
         </p:nvSpPr>
         <p:spPr>
           <a:xfrm>
             <a:off x="0" y="0"/>
-            <a:ext cx="9142920" cy="486720"/>
+            <a:ext cx="9142560" cy="486360"/>
           </a:xfrm>
           <a:prstGeom prst="rect">
             <a:avLst/>
@@ -4889,28 +4866,28 @@
       </p:sp>
       <p:grpSp>
         <p:nvGrpSpPr>
-          <p:cNvPr id="97" name="Google Shape;25;p4"/>
+          <p:cNvPr id="91" name="Google Shape;25;p4"/>
           <p:cNvGrpSpPr/>
           <p:nvPr/>
         </p:nvGrpSpPr>
         <p:grpSpPr>
           <a:xfrm>
-            <a:off x="530280" y="1206360"/>
-            <a:ext cx="1342080" cy="16560"/>
-            <a:chOff x="530280" y="1206360"/>
-            <a:chExt cx="1342080" cy="16560"/>
+            <a:off x="530280" y="1206720"/>
+            <a:ext cx="1341720" cy="16200"/>
+            <a:chOff x="530280" y="1206720"/>
+            <a:chExt cx="1341720" cy="16200"/>
           </a:xfrm>
         </p:grpSpPr>
         <p:sp>
           <p:nvSpPr>
-            <p:cNvPr id="98" name="Google Shape;26;p4"/>
+            <p:cNvPr id="92" name="Google Shape;26;p4"/>
             <p:cNvSpPr/>
             <p:nvPr/>
           </p:nvSpPr>
           <p:spPr>
             <a:xfrm rot="16200000">
-              <a:off x="1380600" y="731160"/>
-              <a:ext cx="16560" cy="966600"/>
+              <a:off x="1380600" y="731520"/>
+              <a:ext cx="16200" cy="966240"/>
             </a:xfrm>
             <a:prstGeom prst="rect">
               <a:avLst/>
@@ -4950,14 +4927,14 @@
         </p:sp>
         <p:sp>
           <p:nvSpPr>
-            <p:cNvPr id="99" name="Google Shape;27;p4"/>
+            <p:cNvPr id="93" name="Google Shape;27;p4"/>
             <p:cNvSpPr/>
             <p:nvPr/>
           </p:nvSpPr>
           <p:spPr>
             <a:xfrm rot="16200000">
-              <a:off x="1009440" y="727200"/>
-              <a:ext cx="16560" cy="974880"/>
+              <a:off x="1009440" y="727560"/>
+              <a:ext cx="16200" cy="974520"/>
             </a:xfrm>
             <a:prstGeom prst="rect">
               <a:avLst/>
@@ -4998,7 +4975,7 @@
       </p:grpSp>
       <p:sp>
         <p:nvSpPr>
-          <p:cNvPr id="100" name="PlaceHolder 1"/>
+          <p:cNvPr id="94" name="PlaceHolder 1"/>
           <p:cNvSpPr>
             <a:spLocks noGrp="1"/>
           </p:cNvSpPr>
@@ -5008,8 +4985,8 @@
         </p:nvSpPr>
         <p:spPr>
           <a:xfrm>
-            <a:off x="729360" y="1273320"/>
-            <a:ext cx="7687800" cy="624960"/>
+            <a:off x="457200" y="205200"/>
+            <a:ext cx="8228880" cy="858240"/>
           </a:xfrm>
           <a:prstGeom prst="rect">
             <a:avLst/>
@@ -5047,7 +5024,7 @@
       </p:sp>
       <p:sp>
         <p:nvSpPr>
-          <p:cNvPr id="101" name="PlaceHolder 2"/>
+          <p:cNvPr id="95" name="PlaceHolder 2"/>
           <p:cNvSpPr>
             <a:spLocks noGrp="1"/>
           </p:cNvSpPr>
@@ -5057,8 +5034,8 @@
         </p:nvSpPr>
         <p:spPr>
           <a:xfrm>
-            <a:off x="729360" y="2079000"/>
-            <a:ext cx="7687800" cy="2260080"/>
+            <a:off x="457200" y="1203480"/>
+            <a:ext cx="8228880" cy="2982600"/>
           </a:xfrm>
           <a:prstGeom prst="rect">
             <a:avLst/>
@@ -5070,7 +5047,7 @@
         </p:spPr>
         <p:txBody>
           <a:bodyPr lIns="0" rIns="0" tIns="0" bIns="0" anchor="t">
-            <a:normAutofit fontScale="93333"/>
+            <a:normAutofit/>
           </a:bodyPr>
           <a:p>
             <a:pPr marL="432000" indent="-324000">
@@ -5272,7 +5249,7 @@
       </p:sp>
       <p:sp>
         <p:nvSpPr>
-          <p:cNvPr id="102" name="PlaceHolder 3"/>
+          <p:cNvPr id="96" name="PlaceHolder 3"/>
           <p:cNvSpPr>
             <a:spLocks noGrp="1"/>
           </p:cNvSpPr>
@@ -5283,7 +5260,7 @@
         <p:spPr>
           <a:xfrm>
             <a:off x="8536320" y="4749840"/>
-            <a:ext cx="547560" cy="392400"/>
+            <a:ext cx="547200" cy="392040"/>
           </a:xfrm>
           <a:prstGeom prst="rect">
             <a:avLst/>
@@ -5325,7 +5302,7 @@
                 <a:tab algn="l" pos="0"/>
               </a:tabLst>
             </a:pPr>
-            <a:fld id="{E3419FA8-C1FD-4385-BFD4-C48994241AE0}" type="slidenum">
+            <a:fld id="{10AF976F-016D-493F-B3B2-75A32BFB59AF}" type="slidenum">
               <a:rPr b="0" lang="fr" sz="1000" spc="-1" strike="noStrike">
                 <a:solidFill>
                   <a:schemeClr val="accent1"/>
@@ -5379,28 +5356,28 @@
       </p:grpSpPr>
       <p:grpSp>
         <p:nvGrpSpPr>
-          <p:cNvPr id="105" name="Google Shape;18;p3"/>
+          <p:cNvPr id="99" name="Google Shape;18;p3"/>
           <p:cNvGrpSpPr/>
           <p:nvPr/>
         </p:nvGrpSpPr>
         <p:grpSpPr>
           <a:xfrm>
-            <a:off x="530280" y="1206360"/>
-            <a:ext cx="1342080" cy="16560"/>
-            <a:chOff x="530280" y="1206360"/>
-            <a:chExt cx="1342080" cy="16560"/>
+            <a:off x="530280" y="1206720"/>
+            <a:ext cx="1341720" cy="16200"/>
+            <a:chOff x="530280" y="1206720"/>
+            <a:chExt cx="1341720" cy="16200"/>
           </a:xfrm>
         </p:grpSpPr>
         <p:sp>
           <p:nvSpPr>
-            <p:cNvPr id="106" name="Google Shape;19;p3"/>
+            <p:cNvPr id="100" name="Google Shape;19;p3"/>
             <p:cNvSpPr/>
             <p:nvPr/>
           </p:nvSpPr>
           <p:spPr>
             <a:xfrm rot="16200000">
-              <a:off x="1380600" y="731160"/>
-              <a:ext cx="16560" cy="966600"/>
+              <a:off x="1380600" y="731520"/>
+              <a:ext cx="16200" cy="966240"/>
             </a:xfrm>
             <a:prstGeom prst="rect">
               <a:avLst/>
@@ -5440,14 +5417,14 @@
         </p:sp>
         <p:sp>
           <p:nvSpPr>
-            <p:cNvPr id="107" name="Google Shape;20;p3"/>
+            <p:cNvPr id="101" name="Google Shape;20;p3"/>
             <p:cNvSpPr/>
             <p:nvPr/>
           </p:nvSpPr>
           <p:spPr>
             <a:xfrm rot="16200000">
-              <a:off x="1009440" y="727200"/>
-              <a:ext cx="16560" cy="974880"/>
+              <a:off x="1009440" y="727560"/>
+              <a:ext cx="16200" cy="974520"/>
             </a:xfrm>
             <a:prstGeom prst="rect">
               <a:avLst/>
@@ -5488,7 +5465,7 @@
       </p:grpSp>
       <p:sp>
         <p:nvSpPr>
-          <p:cNvPr id="108" name="PlaceHolder 1"/>
+          <p:cNvPr id="102" name="PlaceHolder 1"/>
           <p:cNvSpPr>
             <a:spLocks noGrp="1"/>
           </p:cNvSpPr>
@@ -5499,7 +5476,7 @@
         <p:spPr>
           <a:xfrm>
             <a:off x="8536320" y="4749840"/>
-            <a:ext cx="547560" cy="392400"/>
+            <a:ext cx="547200" cy="392040"/>
           </a:xfrm>
           <a:prstGeom prst="rect">
             <a:avLst/>
@@ -5541,7 +5518,7 @@
                 <a:tab algn="l" pos="0"/>
               </a:tabLst>
             </a:pPr>
-            <a:fld id="{5F4F765B-78A0-4BD2-AA08-B53BADC2CAF2}" type="slidenum">
+            <a:fld id="{26D8B541-2F19-43ED-B3B8-B7DF70AE5E04}" type="slidenum">
               <a:rPr b="0" lang="fr" sz="1000" spc="-1" strike="noStrike">
                 <a:solidFill>
                   <a:schemeClr val="lt1"/>
@@ -5562,7 +5539,7 @@
       </p:sp>
       <p:sp>
         <p:nvSpPr>
-          <p:cNvPr id="109" name="PlaceHolder 2"/>
+          <p:cNvPr id="103" name="PlaceHolder 2"/>
           <p:cNvSpPr>
             <a:spLocks noGrp="1"/>
           </p:cNvSpPr>
@@ -5611,7 +5588,7 @@
       </p:sp>
       <p:sp>
         <p:nvSpPr>
-          <p:cNvPr id="110" name="PlaceHolder 3"/>
+          <p:cNvPr id="104" name="PlaceHolder 3"/>
           <p:cNvSpPr>
             <a:spLocks noGrp="1"/>
           </p:cNvSpPr>
@@ -5869,14 +5846,14 @@
       </p:grpSpPr>
       <p:sp>
         <p:nvSpPr>
-          <p:cNvPr id="111" name="Google Shape;24;p4"/>
+          <p:cNvPr id="105" name="Google Shape;24;p4"/>
           <p:cNvSpPr/>
           <p:nvPr/>
         </p:nvSpPr>
         <p:spPr>
           <a:xfrm>
             <a:off x="0" y="0"/>
-            <a:ext cx="9142920" cy="486720"/>
+            <a:ext cx="9142560" cy="486360"/>
           </a:xfrm>
           <a:prstGeom prst="rect">
             <a:avLst/>
@@ -5916,28 +5893,28 @@
       </p:sp>
       <p:grpSp>
         <p:nvGrpSpPr>
-          <p:cNvPr id="112" name="Google Shape;25;p4"/>
+          <p:cNvPr id="106" name="Google Shape;25;p4"/>
           <p:cNvGrpSpPr/>
           <p:nvPr/>
         </p:nvGrpSpPr>
         <p:grpSpPr>
           <a:xfrm>
-            <a:off x="530280" y="1206360"/>
-            <a:ext cx="1342080" cy="16560"/>
-            <a:chOff x="530280" y="1206360"/>
-            <a:chExt cx="1342080" cy="16560"/>
+            <a:off x="530280" y="1206720"/>
+            <a:ext cx="1341720" cy="16200"/>
+            <a:chOff x="530280" y="1206720"/>
+            <a:chExt cx="1341720" cy="16200"/>
           </a:xfrm>
         </p:grpSpPr>
         <p:sp>
           <p:nvSpPr>
-            <p:cNvPr id="113" name="Google Shape;26;p4"/>
+            <p:cNvPr id="107" name="Google Shape;26;p4"/>
             <p:cNvSpPr/>
             <p:nvPr/>
           </p:nvSpPr>
           <p:spPr>
             <a:xfrm rot="16200000">
-              <a:off x="1380600" y="731160"/>
-              <a:ext cx="16560" cy="966600"/>
+              <a:off x="1380600" y="731520"/>
+              <a:ext cx="16200" cy="966240"/>
             </a:xfrm>
             <a:prstGeom prst="rect">
               <a:avLst/>
@@ -5977,14 +5954,14 @@
         </p:sp>
         <p:sp>
           <p:nvSpPr>
-            <p:cNvPr id="114" name="Google Shape;27;p4"/>
+            <p:cNvPr id="108" name="Google Shape;27;p4"/>
             <p:cNvSpPr/>
             <p:nvPr/>
           </p:nvSpPr>
           <p:spPr>
             <a:xfrm rot="16200000">
-              <a:off x="1009440" y="727200"/>
-              <a:ext cx="16560" cy="974880"/>
+              <a:off x="1009440" y="727560"/>
+              <a:ext cx="16200" cy="974520"/>
             </a:xfrm>
             <a:prstGeom prst="rect">
               <a:avLst/>
@@ -6025,7 +6002,7 @@
       </p:grpSp>
       <p:sp>
         <p:nvSpPr>
-          <p:cNvPr id="115" name="PlaceHolder 1"/>
+          <p:cNvPr id="109" name="PlaceHolder 1"/>
           <p:cNvSpPr>
             <a:spLocks noGrp="1"/>
           </p:cNvSpPr>
@@ -6035,8 +6012,8 @@
         </p:nvSpPr>
         <p:spPr>
           <a:xfrm>
-            <a:off x="729360" y="1273320"/>
-            <a:ext cx="7687800" cy="624960"/>
+            <a:off x="457200" y="205200"/>
+            <a:ext cx="8228880" cy="858240"/>
           </a:xfrm>
           <a:prstGeom prst="rect">
             <a:avLst/>
@@ -6074,7 +6051,7 @@
       </p:sp>
       <p:sp>
         <p:nvSpPr>
-          <p:cNvPr id="116" name="PlaceHolder 2"/>
+          <p:cNvPr id="110" name="PlaceHolder 2"/>
           <p:cNvSpPr>
             <a:spLocks noGrp="1"/>
           </p:cNvSpPr>
@@ -6084,8 +6061,8 @@
         </p:nvSpPr>
         <p:spPr>
           <a:xfrm>
-            <a:off x="729360" y="2079000"/>
-            <a:ext cx="7687800" cy="2260080"/>
+            <a:off x="457200" y="1203480"/>
+            <a:ext cx="8228880" cy="2982600"/>
           </a:xfrm>
           <a:prstGeom prst="rect">
             <a:avLst/>
@@ -6097,7 +6074,7 @@
         </p:spPr>
         <p:txBody>
           <a:bodyPr lIns="0" rIns="0" tIns="0" bIns="0" anchor="t">
-            <a:normAutofit fontScale="93333"/>
+            <a:normAutofit/>
           </a:bodyPr>
           <a:p>
             <a:pPr marL="432000" indent="-324000">
@@ -6299,7 +6276,7 @@
       </p:sp>
       <p:sp>
         <p:nvSpPr>
-          <p:cNvPr id="117" name="PlaceHolder 3"/>
+          <p:cNvPr id="111" name="PlaceHolder 3"/>
           <p:cNvSpPr>
             <a:spLocks noGrp="1"/>
           </p:cNvSpPr>
@@ -6310,7 +6287,7 @@
         <p:spPr>
           <a:xfrm>
             <a:off x="8536320" y="4749840"/>
-            <a:ext cx="547560" cy="392400"/>
+            <a:ext cx="547200" cy="392040"/>
           </a:xfrm>
           <a:prstGeom prst="rect">
             <a:avLst/>
@@ -6352,7 +6329,7 @@
                 <a:tab algn="l" pos="0"/>
               </a:tabLst>
             </a:pPr>
-            <a:fld id="{7FF78D26-0130-44BC-9B5B-04B96D82B936}" type="slidenum">
+            <a:fld id="{BD77040B-311D-4337-823F-44E226836362}" type="slidenum">
               <a:rPr b="0" lang="fr" sz="1000" spc="-1" strike="noStrike">
                 <a:solidFill>
                   <a:schemeClr val="accent1"/>
@@ -6406,14 +6383,14 @@
       </p:grpSpPr>
       <p:sp>
         <p:nvSpPr>
-          <p:cNvPr id="120" name="Google Shape;24;p4"/>
+          <p:cNvPr id="114" name="Google Shape;24;p4"/>
           <p:cNvSpPr/>
           <p:nvPr/>
         </p:nvSpPr>
         <p:spPr>
           <a:xfrm>
             <a:off x="0" y="0"/>
-            <a:ext cx="9142920" cy="486720"/>
+            <a:ext cx="9142560" cy="486360"/>
           </a:xfrm>
           <a:prstGeom prst="rect">
             <a:avLst/>
@@ -6453,28 +6430,28 @@
       </p:sp>
       <p:grpSp>
         <p:nvGrpSpPr>
-          <p:cNvPr id="121" name="Google Shape;25;p4"/>
+          <p:cNvPr id="115" name="Google Shape;25;p4"/>
           <p:cNvGrpSpPr/>
           <p:nvPr/>
         </p:nvGrpSpPr>
         <p:grpSpPr>
           <a:xfrm>
-            <a:off x="530280" y="1206360"/>
-            <a:ext cx="1342080" cy="16560"/>
-            <a:chOff x="530280" y="1206360"/>
-            <a:chExt cx="1342080" cy="16560"/>
+            <a:off x="530280" y="1206720"/>
+            <a:ext cx="1341720" cy="16200"/>
+            <a:chOff x="530280" y="1206720"/>
+            <a:chExt cx="1341720" cy="16200"/>
           </a:xfrm>
         </p:grpSpPr>
         <p:sp>
           <p:nvSpPr>
-            <p:cNvPr id="122" name="Google Shape;26;p4"/>
+            <p:cNvPr id="116" name="Google Shape;26;p4"/>
             <p:cNvSpPr/>
             <p:nvPr/>
           </p:nvSpPr>
           <p:spPr>
             <a:xfrm rot="16200000">
-              <a:off x="1380600" y="731160"/>
-              <a:ext cx="16560" cy="966600"/>
+              <a:off x="1380600" y="731520"/>
+              <a:ext cx="16200" cy="966240"/>
             </a:xfrm>
             <a:prstGeom prst="rect">
               <a:avLst/>
@@ -6514,14 +6491,14 @@
         </p:sp>
         <p:sp>
           <p:nvSpPr>
-            <p:cNvPr id="123" name="Google Shape;27;p4"/>
+            <p:cNvPr id="117" name="Google Shape;27;p4"/>
             <p:cNvSpPr/>
             <p:nvPr/>
           </p:nvSpPr>
           <p:spPr>
             <a:xfrm rot="16200000">
-              <a:off x="1009440" y="727200"/>
-              <a:ext cx="16560" cy="974880"/>
+              <a:off x="1009440" y="727560"/>
+              <a:ext cx="16200" cy="974520"/>
             </a:xfrm>
             <a:prstGeom prst="rect">
               <a:avLst/>
@@ -6562,7 +6539,7 @@
       </p:grpSp>
       <p:sp>
         <p:nvSpPr>
-          <p:cNvPr id="124" name="PlaceHolder 1"/>
+          <p:cNvPr id="118" name="PlaceHolder 1"/>
           <p:cNvSpPr>
             <a:spLocks noGrp="1"/>
           </p:cNvSpPr>
@@ -6572,8 +6549,8 @@
         </p:nvSpPr>
         <p:spPr>
           <a:xfrm>
-            <a:off x="729360" y="1273320"/>
-            <a:ext cx="7687800" cy="624960"/>
+            <a:off x="457200" y="205200"/>
+            <a:ext cx="8228880" cy="858240"/>
           </a:xfrm>
           <a:prstGeom prst="rect">
             <a:avLst/>
@@ -6611,7 +6588,7 @@
       </p:sp>
       <p:sp>
         <p:nvSpPr>
-          <p:cNvPr id="125" name="PlaceHolder 2"/>
+          <p:cNvPr id="119" name="PlaceHolder 2"/>
           <p:cNvSpPr>
             <a:spLocks noGrp="1"/>
           </p:cNvSpPr>
@@ -6621,8 +6598,8 @@
         </p:nvSpPr>
         <p:spPr>
           <a:xfrm>
-            <a:off x="729360" y="2079000"/>
-            <a:ext cx="7687800" cy="2260080"/>
+            <a:off x="457200" y="1203480"/>
+            <a:ext cx="8228880" cy="2982600"/>
           </a:xfrm>
           <a:prstGeom prst="rect">
             <a:avLst/>
@@ -6634,7 +6611,7 @@
         </p:spPr>
         <p:txBody>
           <a:bodyPr lIns="0" rIns="0" tIns="0" bIns="0" anchor="t">
-            <a:normAutofit fontScale="93333"/>
+            <a:normAutofit/>
           </a:bodyPr>
           <a:p>
             <a:pPr marL="432000" indent="-324000">
@@ -6836,7 +6813,7 @@
       </p:sp>
       <p:sp>
         <p:nvSpPr>
-          <p:cNvPr id="126" name="PlaceHolder 3"/>
+          <p:cNvPr id="120" name="PlaceHolder 3"/>
           <p:cNvSpPr>
             <a:spLocks noGrp="1"/>
           </p:cNvSpPr>
@@ -6847,7 +6824,7 @@
         <p:spPr>
           <a:xfrm>
             <a:off x="8536320" y="4749840"/>
-            <a:ext cx="547560" cy="392400"/>
+            <a:ext cx="547200" cy="392040"/>
           </a:xfrm>
           <a:prstGeom prst="rect">
             <a:avLst/>
@@ -6889,7 +6866,7 @@
                 <a:tab algn="l" pos="0"/>
               </a:tabLst>
             </a:pPr>
-            <a:fld id="{622F154D-1B0E-42EC-9C82-28972846AD88}" type="slidenum">
+            <a:fld id="{D04315B7-A4E9-44CA-90D9-01A7A0722DA9}" type="slidenum">
               <a:rPr b="0" lang="fr" sz="1000" spc="-1" strike="noStrike">
                 <a:solidFill>
                   <a:schemeClr val="accent1"/>
@@ -6949,10 +6926,10 @@
         </p:nvGrpSpPr>
         <p:grpSpPr>
           <a:xfrm>
-            <a:off x="530280" y="4184280"/>
-            <a:ext cx="1342080" cy="16560"/>
-            <a:chOff x="530280" y="4184280"/>
-            <a:chExt cx="1342080" cy="16560"/>
+            <a:off x="530280" y="4184640"/>
+            <a:ext cx="1341720" cy="16200"/>
+            <a:chOff x="530280" y="4184640"/>
+            <a:chExt cx="1341720" cy="16200"/>
           </a:xfrm>
         </p:grpSpPr>
         <p:sp>
@@ -6963,8 +6940,8 @@
           </p:nvSpPr>
           <p:spPr>
             <a:xfrm rot="16200000">
-              <a:off x="1380600" y="3709080"/>
-              <a:ext cx="16560" cy="966600"/>
+              <a:off x="1380600" y="3709440"/>
+              <a:ext cx="16200" cy="966240"/>
             </a:xfrm>
             <a:prstGeom prst="rect">
               <a:avLst/>
@@ -7012,8 +6989,8 @@
           </p:nvSpPr>
           <p:spPr>
             <a:xfrm rot="16200000">
-              <a:off x="1009440" y="3705120"/>
-              <a:ext cx="16560" cy="974880"/>
+              <a:off x="1009440" y="3705480"/>
+              <a:ext cx="16200" cy="974520"/>
             </a:xfrm>
             <a:prstGeom prst="rect">
               <a:avLst/>
@@ -7067,7 +7044,7 @@
         <p:spPr>
           <a:xfrm>
             <a:off x="8536320" y="4749840"/>
-            <a:ext cx="547560" cy="392400"/>
+            <a:ext cx="547200" cy="392040"/>
           </a:xfrm>
           <a:prstGeom prst="rect">
             <a:avLst/>
@@ -7109,7 +7086,7 @@
                 <a:tab algn="l" pos="0"/>
               </a:tabLst>
             </a:pPr>
-            <a:fld id="{35FC9474-55A8-48E5-8E99-87AB8E9B9C8B}" type="slidenum">
+            <a:fld id="{D645C1F2-10AE-4B02-8FF2-D2DFF65A98AC}" type="slidenum">
               <a:rPr b="0" lang="fr" sz="1000" spc="-1" strike="noStrike">
                 <a:solidFill>
                   <a:schemeClr val="lt1"/>
@@ -7163,14 +7140,14 @@
       </p:grpSpPr>
       <p:sp>
         <p:nvSpPr>
-          <p:cNvPr id="129" name="Google Shape;24;p4"/>
+          <p:cNvPr id="123" name="Google Shape;24;p4"/>
           <p:cNvSpPr/>
           <p:nvPr/>
         </p:nvSpPr>
         <p:spPr>
           <a:xfrm>
             <a:off x="0" y="0"/>
-            <a:ext cx="9142920" cy="486720"/>
+            <a:ext cx="9142560" cy="486360"/>
           </a:xfrm>
           <a:prstGeom prst="rect">
             <a:avLst/>
@@ -7210,28 +7187,28 @@
       </p:sp>
       <p:grpSp>
         <p:nvGrpSpPr>
-          <p:cNvPr id="130" name="Google Shape;25;p4"/>
+          <p:cNvPr id="124" name="Google Shape;25;p4"/>
           <p:cNvGrpSpPr/>
           <p:nvPr/>
         </p:nvGrpSpPr>
         <p:grpSpPr>
           <a:xfrm>
-            <a:off x="530280" y="1206360"/>
-            <a:ext cx="1342080" cy="16560"/>
-            <a:chOff x="530280" y="1206360"/>
-            <a:chExt cx="1342080" cy="16560"/>
+            <a:off x="530280" y="1206720"/>
+            <a:ext cx="1341720" cy="16200"/>
+            <a:chOff x="530280" y="1206720"/>
+            <a:chExt cx="1341720" cy="16200"/>
           </a:xfrm>
         </p:grpSpPr>
         <p:sp>
           <p:nvSpPr>
-            <p:cNvPr id="131" name="Google Shape;26;p4"/>
+            <p:cNvPr id="125" name="Google Shape;26;p4"/>
             <p:cNvSpPr/>
             <p:nvPr/>
           </p:nvSpPr>
           <p:spPr>
             <a:xfrm rot="16200000">
-              <a:off x="1380600" y="731160"/>
-              <a:ext cx="16560" cy="966600"/>
+              <a:off x="1380600" y="731520"/>
+              <a:ext cx="16200" cy="966240"/>
             </a:xfrm>
             <a:prstGeom prst="rect">
               <a:avLst/>
@@ -7271,14 +7248,14 @@
         </p:sp>
         <p:sp>
           <p:nvSpPr>
-            <p:cNvPr id="132" name="Google Shape;27;p4"/>
+            <p:cNvPr id="126" name="Google Shape;27;p4"/>
             <p:cNvSpPr/>
             <p:nvPr/>
           </p:nvSpPr>
           <p:spPr>
             <a:xfrm rot="16200000">
-              <a:off x="1009440" y="727200"/>
-              <a:ext cx="16560" cy="974880"/>
+              <a:off x="1009440" y="727560"/>
+              <a:ext cx="16200" cy="974520"/>
             </a:xfrm>
             <a:prstGeom prst="rect">
               <a:avLst/>
@@ -7319,7 +7296,7 @@
       </p:grpSp>
       <p:sp>
         <p:nvSpPr>
-          <p:cNvPr id="133" name="PlaceHolder 1"/>
+          <p:cNvPr id="127" name="PlaceHolder 1"/>
           <p:cNvSpPr>
             <a:spLocks noGrp="1"/>
           </p:cNvSpPr>
@@ -7329,8 +7306,8 @@
         </p:nvSpPr>
         <p:spPr>
           <a:xfrm>
-            <a:off x="729360" y="1273320"/>
-            <a:ext cx="7687800" cy="624960"/>
+            <a:off x="457200" y="205200"/>
+            <a:ext cx="8228880" cy="858240"/>
           </a:xfrm>
           <a:prstGeom prst="rect">
             <a:avLst/>
@@ -7368,7 +7345,7 @@
       </p:sp>
       <p:sp>
         <p:nvSpPr>
-          <p:cNvPr id="134" name="PlaceHolder 2"/>
+          <p:cNvPr id="128" name="PlaceHolder 2"/>
           <p:cNvSpPr>
             <a:spLocks noGrp="1"/>
           </p:cNvSpPr>
@@ -7378,8 +7355,8 @@
         </p:nvSpPr>
         <p:spPr>
           <a:xfrm>
-            <a:off x="729360" y="2079000"/>
-            <a:ext cx="7687800" cy="2260080"/>
+            <a:off x="457200" y="1203480"/>
+            <a:ext cx="8228880" cy="2982600"/>
           </a:xfrm>
           <a:prstGeom prst="rect">
             <a:avLst/>
@@ -7391,7 +7368,7 @@
         </p:spPr>
         <p:txBody>
           <a:bodyPr lIns="0" rIns="0" tIns="0" bIns="0" anchor="t">
-            <a:normAutofit fontScale="93333"/>
+            <a:normAutofit/>
           </a:bodyPr>
           <a:p>
             <a:pPr marL="432000" indent="-324000">
@@ -7593,7 +7570,7 @@
       </p:sp>
       <p:sp>
         <p:nvSpPr>
-          <p:cNvPr id="135" name="PlaceHolder 3"/>
+          <p:cNvPr id="129" name="PlaceHolder 3"/>
           <p:cNvSpPr>
             <a:spLocks noGrp="1"/>
           </p:cNvSpPr>
@@ -7604,7 +7581,7 @@
         <p:spPr>
           <a:xfrm>
             <a:off x="8536320" y="4749840"/>
-            <a:ext cx="547560" cy="392400"/>
+            <a:ext cx="547200" cy="392040"/>
           </a:xfrm>
           <a:prstGeom prst="rect">
             <a:avLst/>
@@ -7646,7 +7623,7 @@
                 <a:tab algn="l" pos="0"/>
               </a:tabLst>
             </a:pPr>
-            <a:fld id="{7E3BA4C1-3124-4E86-8563-B10E49237CBD}" type="slidenum">
+            <a:fld id="{1D8730C4-279A-4043-B4F5-A3C6180598DF}" type="slidenum">
               <a:rPr b="0" lang="fr" sz="1000" spc="-1" strike="noStrike">
                 <a:solidFill>
                   <a:schemeClr val="accent1"/>
@@ -7700,28 +7677,28 @@
       </p:grpSpPr>
       <p:grpSp>
         <p:nvGrpSpPr>
-          <p:cNvPr id="138" name="Google Shape;18;p3"/>
+          <p:cNvPr id="132" name="Google Shape;18;p3"/>
           <p:cNvGrpSpPr/>
           <p:nvPr/>
         </p:nvGrpSpPr>
         <p:grpSpPr>
           <a:xfrm>
-            <a:off x="530280" y="1206360"/>
-            <a:ext cx="1342080" cy="16560"/>
-            <a:chOff x="530280" y="1206360"/>
-            <a:chExt cx="1342080" cy="16560"/>
+            <a:off x="530280" y="1206720"/>
+            <a:ext cx="1341720" cy="16200"/>
+            <a:chOff x="530280" y="1206720"/>
+            <a:chExt cx="1341720" cy="16200"/>
           </a:xfrm>
         </p:grpSpPr>
         <p:sp>
           <p:nvSpPr>
-            <p:cNvPr id="139" name="Google Shape;19;p3"/>
+            <p:cNvPr id="133" name="Google Shape;19;p3"/>
             <p:cNvSpPr/>
             <p:nvPr/>
           </p:nvSpPr>
           <p:spPr>
             <a:xfrm rot="16200000">
-              <a:off x="1380600" y="731160"/>
-              <a:ext cx="16560" cy="966600"/>
+              <a:off x="1380600" y="731520"/>
+              <a:ext cx="16200" cy="966240"/>
             </a:xfrm>
             <a:prstGeom prst="rect">
               <a:avLst/>
@@ -7761,14 +7738,14 @@
         </p:sp>
         <p:sp>
           <p:nvSpPr>
-            <p:cNvPr id="140" name="Google Shape;20;p3"/>
+            <p:cNvPr id="134" name="Google Shape;20;p3"/>
             <p:cNvSpPr/>
             <p:nvPr/>
           </p:nvSpPr>
           <p:spPr>
             <a:xfrm rot="16200000">
-              <a:off x="1009440" y="727200"/>
-              <a:ext cx="16560" cy="974880"/>
+              <a:off x="1009440" y="727560"/>
+              <a:ext cx="16200" cy="974520"/>
             </a:xfrm>
             <a:prstGeom prst="rect">
               <a:avLst/>
@@ -7809,7 +7786,7 @@
       </p:grpSp>
       <p:sp>
         <p:nvSpPr>
-          <p:cNvPr id="141" name="PlaceHolder 1"/>
+          <p:cNvPr id="135" name="PlaceHolder 1"/>
           <p:cNvSpPr>
             <a:spLocks noGrp="1"/>
           </p:cNvSpPr>
@@ -7820,7 +7797,7 @@
         <p:spPr>
           <a:xfrm>
             <a:off x="8536320" y="4749840"/>
-            <a:ext cx="547560" cy="392400"/>
+            <a:ext cx="547200" cy="392040"/>
           </a:xfrm>
           <a:prstGeom prst="rect">
             <a:avLst/>
@@ -7862,7 +7839,7 @@
                 <a:tab algn="l" pos="0"/>
               </a:tabLst>
             </a:pPr>
-            <a:fld id="{10CC25E4-3B78-494E-923F-BEE8A5284257}" type="slidenum">
+            <a:fld id="{EFEB0FA0-C58A-4407-A732-7246E4E42D87}" type="slidenum">
               <a:rPr b="0" lang="fr" sz="1000" spc="-1" strike="noStrike">
                 <a:solidFill>
                   <a:schemeClr val="lt1"/>
@@ -7883,7 +7860,7 @@
       </p:sp>
       <p:sp>
         <p:nvSpPr>
-          <p:cNvPr id="142" name="PlaceHolder 2"/>
+          <p:cNvPr id="136" name="PlaceHolder 2"/>
           <p:cNvSpPr>
             <a:spLocks noGrp="1"/>
           </p:cNvSpPr>
@@ -7932,7 +7909,7 @@
       </p:sp>
       <p:sp>
         <p:nvSpPr>
-          <p:cNvPr id="143" name="PlaceHolder 3"/>
+          <p:cNvPr id="137" name="PlaceHolder 3"/>
           <p:cNvSpPr>
             <a:spLocks noGrp="1"/>
           </p:cNvSpPr>
@@ -8190,28 +8167,28 @@
       </p:grpSpPr>
       <p:grpSp>
         <p:nvGrpSpPr>
-          <p:cNvPr id="144" name="Google Shape;18;p3"/>
+          <p:cNvPr id="138" name="Google Shape;18;p3"/>
           <p:cNvGrpSpPr/>
           <p:nvPr/>
         </p:nvGrpSpPr>
         <p:grpSpPr>
           <a:xfrm>
-            <a:off x="530280" y="1206360"/>
-            <a:ext cx="1342080" cy="16560"/>
-            <a:chOff x="530280" y="1206360"/>
-            <a:chExt cx="1342080" cy="16560"/>
+            <a:off x="530280" y="1206720"/>
+            <a:ext cx="1341720" cy="16200"/>
+            <a:chOff x="530280" y="1206720"/>
+            <a:chExt cx="1341720" cy="16200"/>
           </a:xfrm>
         </p:grpSpPr>
         <p:sp>
           <p:nvSpPr>
-            <p:cNvPr id="145" name="Google Shape;19;p3"/>
+            <p:cNvPr id="139" name="Google Shape;19;p3"/>
             <p:cNvSpPr/>
             <p:nvPr/>
           </p:nvSpPr>
           <p:spPr>
             <a:xfrm rot="16200000">
-              <a:off x="1380600" y="731160"/>
-              <a:ext cx="16560" cy="966600"/>
+              <a:off x="1380600" y="731520"/>
+              <a:ext cx="16200" cy="966240"/>
             </a:xfrm>
             <a:prstGeom prst="rect">
               <a:avLst/>
@@ -8251,14 +8228,14 @@
         </p:sp>
         <p:sp>
           <p:nvSpPr>
-            <p:cNvPr id="146" name="Google Shape;20;p3"/>
+            <p:cNvPr id="140" name="Google Shape;20;p3"/>
             <p:cNvSpPr/>
             <p:nvPr/>
           </p:nvSpPr>
           <p:spPr>
             <a:xfrm rot="16200000">
-              <a:off x="1009440" y="727200"/>
-              <a:ext cx="16560" cy="974880"/>
+              <a:off x="1009440" y="727560"/>
+              <a:ext cx="16200" cy="974520"/>
             </a:xfrm>
             <a:prstGeom prst="rect">
               <a:avLst/>
@@ -8299,7 +8276,7 @@
       </p:grpSp>
       <p:sp>
         <p:nvSpPr>
-          <p:cNvPr id="147" name="PlaceHolder 1"/>
+          <p:cNvPr id="141" name="PlaceHolder 1"/>
           <p:cNvSpPr>
             <a:spLocks noGrp="1"/>
           </p:cNvSpPr>
@@ -8310,7 +8287,7 @@
         <p:spPr>
           <a:xfrm>
             <a:off x="8536320" y="4749840"/>
-            <a:ext cx="547560" cy="392400"/>
+            <a:ext cx="547200" cy="392040"/>
           </a:xfrm>
           <a:prstGeom prst="rect">
             <a:avLst/>
@@ -8352,7 +8329,7 @@
                 <a:tab algn="l" pos="0"/>
               </a:tabLst>
             </a:pPr>
-            <a:fld id="{C2146B7F-718B-46EB-9B4E-DF913B301A97}" type="slidenum">
+            <a:fld id="{FBF33807-9B8D-4F69-88FA-9F7B7C2F506B}" type="slidenum">
               <a:rPr b="0" lang="fr" sz="1000" spc="-1" strike="noStrike">
                 <a:solidFill>
                   <a:schemeClr val="lt1"/>
@@ -8373,7 +8350,7 @@
       </p:sp>
       <p:sp>
         <p:nvSpPr>
-          <p:cNvPr id="148" name="PlaceHolder 2"/>
+          <p:cNvPr id="142" name="PlaceHolder 2"/>
           <p:cNvSpPr>
             <a:spLocks noGrp="1"/>
           </p:cNvSpPr>
@@ -8422,7 +8399,7 @@
       </p:sp>
       <p:sp>
         <p:nvSpPr>
-          <p:cNvPr id="149" name="PlaceHolder 3"/>
+          <p:cNvPr id="143" name="PlaceHolder 3"/>
           <p:cNvSpPr>
             <a:spLocks noGrp="1"/>
           </p:cNvSpPr>
@@ -8680,28 +8657,28 @@
       </p:grpSpPr>
       <p:grpSp>
         <p:nvGrpSpPr>
-          <p:cNvPr id="150" name="Google Shape;56;p8"/>
+          <p:cNvPr id="144" name="Google Shape;56;p8"/>
           <p:cNvGrpSpPr/>
           <p:nvPr/>
         </p:nvGrpSpPr>
         <p:grpSpPr>
           <a:xfrm>
-            <a:off x="530280" y="4184280"/>
-            <a:ext cx="1342080" cy="16560"/>
-            <a:chOff x="530280" y="4184280"/>
-            <a:chExt cx="1342080" cy="16560"/>
+            <a:off x="530280" y="4184640"/>
+            <a:ext cx="1341720" cy="16200"/>
+            <a:chOff x="530280" y="4184640"/>
+            <a:chExt cx="1341720" cy="16200"/>
           </a:xfrm>
         </p:grpSpPr>
         <p:sp>
           <p:nvSpPr>
-            <p:cNvPr id="151" name="Google Shape;57;p8"/>
+            <p:cNvPr id="145" name="Google Shape;57;p8"/>
             <p:cNvSpPr/>
             <p:nvPr/>
           </p:nvSpPr>
           <p:spPr>
             <a:xfrm rot="16200000">
-              <a:off x="1380600" y="3709080"/>
-              <a:ext cx="16560" cy="966600"/>
+              <a:off x="1380600" y="3709440"/>
+              <a:ext cx="16200" cy="966240"/>
             </a:xfrm>
             <a:prstGeom prst="rect">
               <a:avLst/>
@@ -8741,14 +8718,14 @@
         </p:sp>
         <p:sp>
           <p:nvSpPr>
-            <p:cNvPr id="152" name="Google Shape;58;p8"/>
+            <p:cNvPr id="146" name="Google Shape;58;p8"/>
             <p:cNvSpPr/>
             <p:nvPr/>
           </p:nvSpPr>
           <p:spPr>
             <a:xfrm rot="16200000">
-              <a:off x="1009440" y="3705120"/>
-              <a:ext cx="16560" cy="974880"/>
+              <a:off x="1009440" y="3705480"/>
+              <a:ext cx="16200" cy="974520"/>
             </a:xfrm>
             <a:prstGeom prst="rect">
               <a:avLst/>
@@ -8789,7 +8766,7 @@
       </p:grpSp>
       <p:sp>
         <p:nvSpPr>
-          <p:cNvPr id="153" name="PlaceHolder 1"/>
+          <p:cNvPr id="147" name="PlaceHolder 1"/>
           <p:cNvSpPr>
             <a:spLocks noGrp="1"/>
           </p:cNvSpPr>
@@ -8800,7 +8777,7 @@
         <p:spPr>
           <a:xfrm>
             <a:off x="8536320" y="4749840"/>
-            <a:ext cx="547560" cy="392400"/>
+            <a:ext cx="547200" cy="392040"/>
           </a:xfrm>
           <a:prstGeom prst="rect">
             <a:avLst/>
@@ -8842,7 +8819,7 @@
                 <a:tab algn="l" pos="0"/>
               </a:tabLst>
             </a:pPr>
-            <a:fld id="{626F3D8B-78B1-4582-8A49-0B2D3FA7DCFD}" type="slidenum">
+            <a:fld id="{EF5DA879-E0B7-4060-9F78-C236ECD15A88}" type="slidenum">
               <a:rPr b="0" lang="fr" sz="1000" spc="-1" strike="noStrike">
                 <a:solidFill>
                   <a:schemeClr val="lt1"/>
@@ -8863,7 +8840,7 @@
       </p:sp>
       <p:sp>
         <p:nvSpPr>
-          <p:cNvPr id="154" name="PlaceHolder 2"/>
+          <p:cNvPr id="148" name="PlaceHolder 2"/>
           <p:cNvSpPr>
             <a:spLocks noGrp="1"/>
           </p:cNvSpPr>
@@ -8912,7 +8889,7 @@
       </p:sp>
       <p:sp>
         <p:nvSpPr>
-          <p:cNvPr id="155" name="PlaceHolder 3"/>
+          <p:cNvPr id="149" name="PlaceHolder 3"/>
           <p:cNvSpPr>
             <a:spLocks noGrp="1"/>
           </p:cNvSpPr>
@@ -9140,6 +9117,1050 @@
   <p:clrMap bg1="lt1" bg2="lt2" tx1="dk1" tx2="dk2" accent1="accent1" accent2="accent2" accent3="accent3" accent4="accent4" accent5="accent5" accent6="accent6" hlink="hlink" folHlink="folHlink"/>
   <p:sldLayoutIdLst>
     <p:sldLayoutId id="2147483693" r:id="rId2"/>
+  </p:sldLayoutIdLst>
+</p:sldMaster>
+</file>
+
+<file path=ppt/slideMasters/slideMaster24.xml><?xml version="1.0" encoding="utf-8"?>
+<p:sldMaster xmlns:a="http://schemas.openxmlformats.org/drawingml/2006/main" xmlns:p="http://schemas.openxmlformats.org/presentationml/2006/main" xmlns:r="http://schemas.openxmlformats.org/officeDocument/2006/relationships" xmlns:p14="http://schemas.microsoft.com/office/powerpoint/2010/main" xmlns:p15="http://schemas.microsoft.com/office/powerpoint/2012/main" xmlns:mc="http://schemas.openxmlformats.org/markup-compatibility/2006">
+  <p:cSld>
+    <p:bg>
+      <p:bgPr>
+        <a:solidFill>
+          <a:schemeClr val="lt1"/>
+        </a:solidFill>
+      </p:bgPr>
+    </p:bg>
+    <p:spTree>
+      <p:nvGrpSpPr>
+        <p:cNvPr id="1" name=""/>
+        <p:cNvGrpSpPr/>
+        <p:nvPr/>
+      </p:nvGrpSpPr>
+      <p:grpSpPr>
+        <a:xfrm>
+          <a:off x="0" y="0"/>
+          <a:ext cx="0" cy="0"/>
+          <a:chOff x="0" y="0"/>
+          <a:chExt cx="0" cy="0"/>
+        </a:xfrm>
+      </p:grpSpPr>
+      <p:sp>
+        <p:nvSpPr>
+          <p:cNvPr id="150" name="Google Shape;24;p4"/>
+          <p:cNvSpPr/>
+          <p:nvPr/>
+        </p:nvSpPr>
+        <p:spPr>
+          <a:xfrm>
+            <a:off x="0" y="0"/>
+            <a:ext cx="9142560" cy="486360"/>
+          </a:xfrm>
+          <a:prstGeom prst="rect">
+            <a:avLst/>
+          </a:prstGeom>
+          <a:solidFill>
+            <a:schemeClr val="lt2"/>
+          </a:solidFill>
+          <a:ln w="0">
+            <a:noFill/>
+          </a:ln>
+        </p:spPr>
+        <p:style>
+          <a:lnRef idx="0"/>
+          <a:fillRef idx="0"/>
+          <a:effectRef idx="0"/>
+          <a:fontRef idx="minor"/>
+        </p:style>
+        <p:txBody>
+          <a:bodyPr lIns="90000" rIns="90000" tIns="91440" bIns="91440" anchor="ctr">
+            <a:noAutofit/>
+          </a:bodyPr>
+          <a:p>
+            <a:endParaRPr b="0" lang="en-US" sz="1400" spc="-1" strike="noStrike">
+              <a:solidFill>
+                <a:srgbClr val="000000"/>
+              </a:solidFill>
+              <a:latin typeface="Arial"/>
+              <a:ea typeface="DejaVu Sans"/>
+            </a:endParaRPr>
+          </a:p>
+        </p:txBody>
+      </p:sp>
+      <p:grpSp>
+        <p:nvGrpSpPr>
+          <p:cNvPr id="151" name="Google Shape;25;p4"/>
+          <p:cNvGrpSpPr/>
+          <p:nvPr/>
+        </p:nvGrpSpPr>
+        <p:grpSpPr>
+          <a:xfrm>
+            <a:off x="530280" y="1206720"/>
+            <a:ext cx="1341720" cy="16200"/>
+            <a:chOff x="530280" y="1206720"/>
+            <a:chExt cx="1341720" cy="16200"/>
+          </a:xfrm>
+        </p:grpSpPr>
+        <p:sp>
+          <p:nvSpPr>
+            <p:cNvPr id="152" name="Google Shape;26;p4"/>
+            <p:cNvSpPr/>
+            <p:nvPr/>
+          </p:nvSpPr>
+          <p:spPr>
+            <a:xfrm rot="16200000">
+              <a:off x="1380600" y="731520"/>
+              <a:ext cx="16200" cy="966240"/>
+            </a:xfrm>
+            <a:prstGeom prst="rect">
+              <a:avLst/>
+            </a:prstGeom>
+            <a:solidFill>
+              <a:schemeClr val="accent3"/>
+            </a:solidFill>
+            <a:ln w="0">
+              <a:noFill/>
+            </a:ln>
+          </p:spPr>
+          <p:style>
+            <a:lnRef idx="0"/>
+            <a:fillRef idx="0"/>
+            <a:effectRef idx="0"/>
+            <a:fontRef idx="minor"/>
+          </p:style>
+          <p:txBody>
+            <a:bodyPr lIns="90000" rIns="90000" tIns="91440" bIns="91440" anchor="ctr">
+              <a:noAutofit/>
+            </a:bodyPr>
+            <a:p>
+              <a:endParaRPr b="0" lang="en-US" sz="1400" spc="-1" strike="noStrike">
+                <a:solidFill>
+                  <a:srgbClr val="000000"/>
+                </a:solidFill>
+                <a:latin typeface="Arial"/>
+                <a:ea typeface="DejaVu Sans"/>
+              </a:endParaRPr>
+            </a:p>
+          </p:txBody>
+        </p:sp>
+        <p:sp>
+          <p:nvSpPr>
+            <p:cNvPr id="153" name="Google Shape;27;p4"/>
+            <p:cNvSpPr/>
+            <p:nvPr/>
+          </p:nvSpPr>
+          <p:spPr>
+            <a:xfrm rot="16200000">
+              <a:off x="1009440" y="727560"/>
+              <a:ext cx="16200" cy="974520"/>
+            </a:xfrm>
+            <a:prstGeom prst="rect">
+              <a:avLst/>
+            </a:prstGeom>
+            <a:solidFill>
+              <a:schemeClr val="dk1"/>
+            </a:solidFill>
+            <a:ln w="0">
+              <a:noFill/>
+            </a:ln>
+          </p:spPr>
+          <p:style>
+            <a:lnRef idx="0"/>
+            <a:fillRef idx="0"/>
+            <a:effectRef idx="0"/>
+            <a:fontRef idx="minor"/>
+          </p:style>
+          <p:txBody>
+            <a:bodyPr lIns="90000" rIns="90000" tIns="91440" bIns="91440" anchor="ctr">
+              <a:noAutofit/>
+            </a:bodyPr>
+            <a:p>
+              <a:endParaRPr b="0" lang="en-US" sz="1400" spc="-1" strike="noStrike">
+                <a:solidFill>
+                  <a:srgbClr val="000000"/>
+                </a:solidFill>
+                <a:latin typeface="Arial"/>
+                <a:ea typeface="DejaVu Sans"/>
+              </a:endParaRPr>
+            </a:p>
+          </p:txBody>
+        </p:sp>
+      </p:grpSp>
+      <p:sp>
+        <p:nvSpPr>
+          <p:cNvPr id="154" name="PlaceHolder 1"/>
+          <p:cNvSpPr>
+            <a:spLocks noGrp="1"/>
+          </p:cNvSpPr>
+          <p:nvPr>
+            <p:ph type="title"/>
+          </p:nvPr>
+        </p:nvSpPr>
+        <p:spPr>
+          <a:xfrm>
+            <a:off x="457200" y="205200"/>
+            <a:ext cx="8228880" cy="858240"/>
+          </a:xfrm>
+          <a:prstGeom prst="rect">
+            <a:avLst/>
+          </a:prstGeom>
+          <a:noFill/>
+          <a:ln w="0">
+            <a:noFill/>
+          </a:ln>
+        </p:spPr>
+        <p:txBody>
+          <a:bodyPr lIns="0" rIns="0" tIns="0" bIns="0" anchor="ctr">
+            <a:noAutofit/>
+          </a:bodyPr>
+          <a:p>
+            <a:pPr indent="0">
+              <a:buNone/>
+            </a:pPr>
+            <a:r>
+              <a:rPr b="0" lang="en-US" sz="1800" spc="-1" strike="noStrike">
+                <a:solidFill>
+                  <a:srgbClr val="000000"/>
+                </a:solidFill>
+                <a:latin typeface="Arial"/>
+              </a:rPr>
+              <a:t>Click to edit the title text format</a:t>
+            </a:r>
+            <a:endParaRPr b="0" lang="en-US" sz="1800" spc="-1" strike="noStrike">
+              <a:solidFill>
+                <a:srgbClr val="000000"/>
+              </a:solidFill>
+              <a:latin typeface="Arial"/>
+            </a:endParaRPr>
+          </a:p>
+        </p:txBody>
+      </p:sp>
+      <p:sp>
+        <p:nvSpPr>
+          <p:cNvPr id="155" name="PlaceHolder 2"/>
+          <p:cNvSpPr>
+            <a:spLocks noGrp="1"/>
+          </p:cNvSpPr>
+          <p:nvPr>
+            <p:ph type="body"/>
+          </p:nvPr>
+        </p:nvSpPr>
+        <p:spPr>
+          <a:xfrm>
+            <a:off x="457200" y="1203480"/>
+            <a:ext cx="8228880" cy="2982600"/>
+          </a:xfrm>
+          <a:prstGeom prst="rect">
+            <a:avLst/>
+          </a:prstGeom>
+          <a:noFill/>
+          <a:ln w="0">
+            <a:noFill/>
+          </a:ln>
+        </p:spPr>
+        <p:txBody>
+          <a:bodyPr lIns="0" rIns="0" tIns="0" bIns="0" anchor="t">
+            <a:normAutofit/>
+          </a:bodyPr>
+          <a:p>
+            <a:pPr marL="432000" indent="-324000">
+              <a:spcBef>
+                <a:spcPts val="1417"/>
+              </a:spcBef>
+              <a:buClr>
+                <a:srgbClr val="000000"/>
+              </a:buClr>
+              <a:buSzPct val="45000"/>
+              <a:buFont typeface="Wingdings" charset="2"/>
+              <a:buChar char=""/>
+            </a:pPr>
+            <a:r>
+              <a:rPr b="0" lang="en-US" sz="1800" spc="-1" strike="noStrike">
+                <a:solidFill>
+                  <a:srgbClr val="000000"/>
+                </a:solidFill>
+                <a:latin typeface="Arial"/>
+              </a:rPr>
+              <a:t>Click to edit the outline text format</a:t>
+            </a:r>
+            <a:endParaRPr b="0" lang="en-US" sz="1800" spc="-1" strike="noStrike">
+              <a:solidFill>
+                <a:srgbClr val="000000"/>
+              </a:solidFill>
+              <a:latin typeface="Arial"/>
+            </a:endParaRPr>
+          </a:p>
+          <a:p>
+            <a:pPr lvl="1" marL="864000" indent="-324000">
+              <a:spcBef>
+                <a:spcPts val="1134"/>
+              </a:spcBef>
+              <a:buClr>
+                <a:srgbClr val="000000"/>
+              </a:buClr>
+              <a:buSzPct val="75000"/>
+              <a:buFont typeface="Symbol" charset="2"/>
+              <a:buChar char=""/>
+            </a:pPr>
+            <a:r>
+              <a:rPr b="0" lang="en-US" sz="1800" spc="-1" strike="noStrike">
+                <a:solidFill>
+                  <a:srgbClr val="000000"/>
+                </a:solidFill>
+                <a:latin typeface="Arial"/>
+              </a:rPr>
+              <a:t>Second Outline Level</a:t>
+            </a:r>
+            <a:endParaRPr b="0" lang="en-US" sz="1800" spc="-1" strike="noStrike">
+              <a:solidFill>
+                <a:srgbClr val="000000"/>
+              </a:solidFill>
+              <a:latin typeface="Arial"/>
+            </a:endParaRPr>
+          </a:p>
+          <a:p>
+            <a:pPr lvl="2" marL="1296000" indent="-288000">
+              <a:spcBef>
+                <a:spcPts val="850"/>
+              </a:spcBef>
+              <a:buClr>
+                <a:srgbClr val="000000"/>
+              </a:buClr>
+              <a:buSzPct val="45000"/>
+              <a:buFont typeface="Wingdings" charset="2"/>
+              <a:buChar char=""/>
+            </a:pPr>
+            <a:r>
+              <a:rPr b="0" lang="en-US" sz="1800" spc="-1" strike="noStrike">
+                <a:solidFill>
+                  <a:srgbClr val="000000"/>
+                </a:solidFill>
+                <a:latin typeface="Arial"/>
+              </a:rPr>
+              <a:t>Third Outline Level</a:t>
+            </a:r>
+            <a:endParaRPr b="0" lang="en-US" sz="1800" spc="-1" strike="noStrike">
+              <a:solidFill>
+                <a:srgbClr val="000000"/>
+              </a:solidFill>
+              <a:latin typeface="Arial"/>
+            </a:endParaRPr>
+          </a:p>
+          <a:p>
+            <a:pPr lvl="3" marL="1728000" indent="-216000">
+              <a:spcBef>
+                <a:spcPts val="567"/>
+              </a:spcBef>
+              <a:buClr>
+                <a:srgbClr val="000000"/>
+              </a:buClr>
+              <a:buSzPct val="75000"/>
+              <a:buFont typeface="Symbol" charset="2"/>
+              <a:buChar char=""/>
+            </a:pPr>
+            <a:r>
+              <a:rPr b="0" lang="en-US" sz="1800" spc="-1" strike="noStrike">
+                <a:solidFill>
+                  <a:srgbClr val="000000"/>
+                </a:solidFill>
+                <a:latin typeface="Arial"/>
+              </a:rPr>
+              <a:t>Fourth Outline Level</a:t>
+            </a:r>
+            <a:endParaRPr b="0" lang="en-US" sz="1800" spc="-1" strike="noStrike">
+              <a:solidFill>
+                <a:srgbClr val="000000"/>
+              </a:solidFill>
+              <a:latin typeface="Arial"/>
+            </a:endParaRPr>
+          </a:p>
+          <a:p>
+            <a:pPr lvl="4" marL="2160000" indent="-216000">
+              <a:spcBef>
+                <a:spcPts val="283"/>
+              </a:spcBef>
+              <a:buClr>
+                <a:srgbClr val="000000"/>
+              </a:buClr>
+              <a:buSzPct val="45000"/>
+              <a:buFont typeface="Wingdings" charset="2"/>
+              <a:buChar char=""/>
+            </a:pPr>
+            <a:r>
+              <a:rPr b="0" lang="en-US" sz="1800" spc="-1" strike="noStrike">
+                <a:solidFill>
+                  <a:srgbClr val="000000"/>
+                </a:solidFill>
+                <a:latin typeface="Arial"/>
+              </a:rPr>
+              <a:t>Fifth Outline Level</a:t>
+            </a:r>
+            <a:endParaRPr b="0" lang="en-US" sz="1800" spc="-1" strike="noStrike">
+              <a:solidFill>
+                <a:srgbClr val="000000"/>
+              </a:solidFill>
+              <a:latin typeface="Arial"/>
+            </a:endParaRPr>
+          </a:p>
+          <a:p>
+            <a:pPr lvl="5" marL="2592000" indent="-216000">
+              <a:spcBef>
+                <a:spcPts val="283"/>
+              </a:spcBef>
+              <a:buClr>
+                <a:srgbClr val="000000"/>
+              </a:buClr>
+              <a:buSzPct val="45000"/>
+              <a:buFont typeface="Wingdings" charset="2"/>
+              <a:buChar char=""/>
+            </a:pPr>
+            <a:r>
+              <a:rPr b="0" lang="en-US" sz="1800" spc="-1" strike="noStrike">
+                <a:solidFill>
+                  <a:srgbClr val="000000"/>
+                </a:solidFill>
+                <a:latin typeface="Arial"/>
+              </a:rPr>
+              <a:t>Sixth Outline Level</a:t>
+            </a:r>
+            <a:endParaRPr b="0" lang="en-US" sz="1800" spc="-1" strike="noStrike">
+              <a:solidFill>
+                <a:srgbClr val="000000"/>
+              </a:solidFill>
+              <a:latin typeface="Arial"/>
+            </a:endParaRPr>
+          </a:p>
+          <a:p>
+            <a:pPr lvl="6" marL="3024000" indent="-216000">
+              <a:spcBef>
+                <a:spcPts val="283"/>
+              </a:spcBef>
+              <a:buClr>
+                <a:srgbClr val="000000"/>
+              </a:buClr>
+              <a:buSzPct val="45000"/>
+              <a:buFont typeface="Wingdings" charset="2"/>
+              <a:buChar char=""/>
+            </a:pPr>
+            <a:r>
+              <a:rPr b="0" lang="en-US" sz="1800" spc="-1" strike="noStrike">
+                <a:solidFill>
+                  <a:srgbClr val="000000"/>
+                </a:solidFill>
+                <a:latin typeface="Arial"/>
+              </a:rPr>
+              <a:t>Seventh Outline Level</a:t>
+            </a:r>
+            <a:endParaRPr b="0" lang="en-US" sz="1800" spc="-1" strike="noStrike">
+              <a:solidFill>
+                <a:srgbClr val="000000"/>
+              </a:solidFill>
+              <a:latin typeface="Arial"/>
+            </a:endParaRPr>
+          </a:p>
+        </p:txBody>
+      </p:sp>
+      <p:sp>
+        <p:nvSpPr>
+          <p:cNvPr id="156" name="PlaceHolder 3"/>
+          <p:cNvSpPr>
+            <a:spLocks noGrp="1"/>
+          </p:cNvSpPr>
+          <p:nvPr>
+            <p:ph type="sldNum" idx="24"/>
+          </p:nvPr>
+        </p:nvSpPr>
+        <p:spPr>
+          <a:xfrm>
+            <a:off x="8536320" y="4749840"/>
+            <a:ext cx="547200" cy="392040"/>
+          </a:xfrm>
+          <a:prstGeom prst="rect">
+            <a:avLst/>
+          </a:prstGeom>
+          <a:noFill/>
+          <a:ln w="0">
+            <a:noFill/>
+          </a:ln>
+        </p:spPr>
+        <p:txBody>
+          <a:bodyPr lIns="91440" rIns="91440" tIns="91440" bIns="91440" anchor="ctr">
+            <a:noAutofit/>
+          </a:bodyPr>
+          <a:lstStyle>
+            <a:lvl1pPr indent="0" algn="r">
+              <a:lnSpc>
+                <a:spcPct val="100000"/>
+              </a:lnSpc>
+              <a:buNone/>
+              <a:tabLst>
+                <a:tab algn="l" pos="0"/>
+              </a:tabLst>
+              <a:defRPr b="0" lang="fr" sz="1000" spc="-1" strike="noStrike">
+                <a:solidFill>
+                  <a:schemeClr val="accent1"/>
+                </a:solidFill>
+                <a:latin typeface="Lato"/>
+                <a:ea typeface="Lato"/>
+              </a:defRPr>
+            </a:lvl1pPr>
+          </a:lstStyle>
+          <a:p>
+            <a:pPr indent="0" algn="r">
+              <a:lnSpc>
+                <a:spcPct val="100000"/>
+              </a:lnSpc>
+              <a:buNone/>
+              <a:tabLst>
+                <a:tab algn="l" pos="0"/>
+              </a:tabLst>
+            </a:pPr>
+            <a:fld id="{83447124-3728-4E04-84C7-9CF2A26692F9}" type="slidenum">
+              <a:rPr b="0" lang="fr" sz="1000" spc="-1" strike="noStrike">
+                <a:solidFill>
+                  <a:schemeClr val="accent1"/>
+                </a:solidFill>
+                <a:latin typeface="Lato"/>
+                <a:ea typeface="Lato"/>
+              </a:rPr>
+              <a:t>&lt;number&gt;</a:t>
+            </a:fld>
+            <a:endParaRPr b="0" lang="en-US" sz="1000" spc="-1" strike="noStrike">
+              <a:solidFill>
+                <a:srgbClr val="000000"/>
+              </a:solidFill>
+              <a:latin typeface="Times New Roman"/>
+            </a:endParaRPr>
+          </a:p>
+        </p:txBody>
+      </p:sp>
+    </p:spTree>
+  </p:cSld>
+  <p:clrMap bg1="lt1" bg2="lt2" tx1="dk1" tx2="dk2" accent1="accent1" accent2="accent2" accent3="accent3" accent4="accent4" accent5="accent5" accent6="accent6" hlink="hlink" folHlink="folHlink"/>
+  <p:sldLayoutIdLst>
+    <p:sldLayoutId id="2147483695" r:id="rId2"/>
+  </p:sldLayoutIdLst>
+</p:sldMaster>
+</file>
+
+<file path=ppt/slideMasters/slideMaster25.xml><?xml version="1.0" encoding="utf-8"?>
+<p:sldMaster xmlns:a="http://schemas.openxmlformats.org/drawingml/2006/main" xmlns:p="http://schemas.openxmlformats.org/presentationml/2006/main" xmlns:r="http://schemas.openxmlformats.org/officeDocument/2006/relationships" xmlns:p14="http://schemas.microsoft.com/office/powerpoint/2010/main" xmlns:p15="http://schemas.microsoft.com/office/powerpoint/2012/main" xmlns:mc="http://schemas.openxmlformats.org/markup-compatibility/2006">
+  <p:cSld>
+    <p:bg>
+      <p:bgPr>
+        <a:solidFill>
+          <a:schemeClr val="lt1"/>
+        </a:solidFill>
+      </p:bgPr>
+    </p:bg>
+    <p:spTree>
+      <p:nvGrpSpPr>
+        <p:cNvPr id="1" name=""/>
+        <p:cNvGrpSpPr/>
+        <p:nvPr/>
+      </p:nvGrpSpPr>
+      <p:grpSpPr>
+        <a:xfrm>
+          <a:off x="0" y="0"/>
+          <a:ext cx="0" cy="0"/>
+          <a:chOff x="0" y="0"/>
+          <a:chExt cx="0" cy="0"/>
+        </a:xfrm>
+      </p:grpSpPr>
+      <p:sp>
+        <p:nvSpPr>
+          <p:cNvPr id="159" name="Google Shape;24;p4"/>
+          <p:cNvSpPr/>
+          <p:nvPr/>
+        </p:nvSpPr>
+        <p:spPr>
+          <a:xfrm>
+            <a:off x="0" y="0"/>
+            <a:ext cx="9142560" cy="486360"/>
+          </a:xfrm>
+          <a:prstGeom prst="rect">
+            <a:avLst/>
+          </a:prstGeom>
+          <a:solidFill>
+            <a:schemeClr val="lt2"/>
+          </a:solidFill>
+          <a:ln w="0">
+            <a:noFill/>
+          </a:ln>
+        </p:spPr>
+        <p:style>
+          <a:lnRef idx="0"/>
+          <a:fillRef idx="0"/>
+          <a:effectRef idx="0"/>
+          <a:fontRef idx="minor"/>
+        </p:style>
+        <p:txBody>
+          <a:bodyPr lIns="90000" rIns="90000" tIns="91440" bIns="91440" anchor="ctr">
+            <a:noAutofit/>
+          </a:bodyPr>
+          <a:p>
+            <a:endParaRPr b="0" lang="en-US" sz="1400" spc="-1" strike="noStrike">
+              <a:solidFill>
+                <a:srgbClr val="000000"/>
+              </a:solidFill>
+              <a:latin typeface="Arial"/>
+              <a:ea typeface="DejaVu Sans"/>
+            </a:endParaRPr>
+          </a:p>
+        </p:txBody>
+      </p:sp>
+      <p:grpSp>
+        <p:nvGrpSpPr>
+          <p:cNvPr id="160" name="Google Shape;25;p4"/>
+          <p:cNvGrpSpPr/>
+          <p:nvPr/>
+        </p:nvGrpSpPr>
+        <p:grpSpPr>
+          <a:xfrm>
+            <a:off x="530280" y="1206720"/>
+            <a:ext cx="1341720" cy="16200"/>
+            <a:chOff x="530280" y="1206720"/>
+            <a:chExt cx="1341720" cy="16200"/>
+          </a:xfrm>
+        </p:grpSpPr>
+        <p:sp>
+          <p:nvSpPr>
+            <p:cNvPr id="161" name="Google Shape;26;p4"/>
+            <p:cNvSpPr/>
+            <p:nvPr/>
+          </p:nvSpPr>
+          <p:spPr>
+            <a:xfrm rot="16200000">
+              <a:off x="1380600" y="731520"/>
+              <a:ext cx="16200" cy="966240"/>
+            </a:xfrm>
+            <a:prstGeom prst="rect">
+              <a:avLst/>
+            </a:prstGeom>
+            <a:solidFill>
+              <a:schemeClr val="accent3"/>
+            </a:solidFill>
+            <a:ln w="0">
+              <a:noFill/>
+            </a:ln>
+          </p:spPr>
+          <p:style>
+            <a:lnRef idx="0"/>
+            <a:fillRef idx="0"/>
+            <a:effectRef idx="0"/>
+            <a:fontRef idx="minor"/>
+          </p:style>
+          <p:txBody>
+            <a:bodyPr lIns="90000" rIns="90000" tIns="91440" bIns="91440" anchor="ctr">
+              <a:noAutofit/>
+            </a:bodyPr>
+            <a:p>
+              <a:endParaRPr b="0" lang="en-US" sz="1400" spc="-1" strike="noStrike">
+                <a:solidFill>
+                  <a:srgbClr val="000000"/>
+                </a:solidFill>
+                <a:latin typeface="Arial"/>
+                <a:ea typeface="DejaVu Sans"/>
+              </a:endParaRPr>
+            </a:p>
+          </p:txBody>
+        </p:sp>
+        <p:sp>
+          <p:nvSpPr>
+            <p:cNvPr id="162" name="Google Shape;27;p4"/>
+            <p:cNvSpPr/>
+            <p:nvPr/>
+          </p:nvSpPr>
+          <p:spPr>
+            <a:xfrm rot="16200000">
+              <a:off x="1009440" y="727560"/>
+              <a:ext cx="16200" cy="974520"/>
+            </a:xfrm>
+            <a:prstGeom prst="rect">
+              <a:avLst/>
+            </a:prstGeom>
+            <a:solidFill>
+              <a:schemeClr val="dk1"/>
+            </a:solidFill>
+            <a:ln w="0">
+              <a:noFill/>
+            </a:ln>
+          </p:spPr>
+          <p:style>
+            <a:lnRef idx="0"/>
+            <a:fillRef idx="0"/>
+            <a:effectRef idx="0"/>
+            <a:fontRef idx="minor"/>
+          </p:style>
+          <p:txBody>
+            <a:bodyPr lIns="90000" rIns="90000" tIns="91440" bIns="91440" anchor="ctr">
+              <a:noAutofit/>
+            </a:bodyPr>
+            <a:p>
+              <a:endParaRPr b="0" lang="en-US" sz="1400" spc="-1" strike="noStrike">
+                <a:solidFill>
+                  <a:srgbClr val="000000"/>
+                </a:solidFill>
+                <a:latin typeface="Arial"/>
+                <a:ea typeface="DejaVu Sans"/>
+              </a:endParaRPr>
+            </a:p>
+          </p:txBody>
+        </p:sp>
+      </p:grpSp>
+      <p:sp>
+        <p:nvSpPr>
+          <p:cNvPr id="163" name="PlaceHolder 1"/>
+          <p:cNvSpPr>
+            <a:spLocks noGrp="1"/>
+          </p:cNvSpPr>
+          <p:nvPr>
+            <p:ph type="title"/>
+          </p:nvPr>
+        </p:nvSpPr>
+        <p:spPr>
+          <a:xfrm>
+            <a:off x="457200" y="205200"/>
+            <a:ext cx="8228880" cy="858240"/>
+          </a:xfrm>
+          <a:prstGeom prst="rect">
+            <a:avLst/>
+          </a:prstGeom>
+          <a:noFill/>
+          <a:ln w="0">
+            <a:noFill/>
+          </a:ln>
+        </p:spPr>
+        <p:txBody>
+          <a:bodyPr lIns="0" rIns="0" tIns="0" bIns="0" anchor="ctr">
+            <a:noAutofit/>
+          </a:bodyPr>
+          <a:p>
+            <a:pPr indent="0">
+              <a:buNone/>
+            </a:pPr>
+            <a:r>
+              <a:rPr b="0" lang="en-US" sz="1800" spc="-1" strike="noStrike">
+                <a:solidFill>
+                  <a:srgbClr val="000000"/>
+                </a:solidFill>
+                <a:latin typeface="Arial"/>
+              </a:rPr>
+              <a:t>Click to edit the title text format</a:t>
+            </a:r>
+            <a:endParaRPr b="0" lang="en-US" sz="1800" spc="-1" strike="noStrike">
+              <a:solidFill>
+                <a:srgbClr val="000000"/>
+              </a:solidFill>
+              <a:latin typeface="Arial"/>
+            </a:endParaRPr>
+          </a:p>
+        </p:txBody>
+      </p:sp>
+      <p:sp>
+        <p:nvSpPr>
+          <p:cNvPr id="164" name="PlaceHolder 2"/>
+          <p:cNvSpPr>
+            <a:spLocks noGrp="1"/>
+          </p:cNvSpPr>
+          <p:nvPr>
+            <p:ph type="body"/>
+          </p:nvPr>
+        </p:nvSpPr>
+        <p:spPr>
+          <a:xfrm>
+            <a:off x="457200" y="1203480"/>
+            <a:ext cx="8228880" cy="2982600"/>
+          </a:xfrm>
+          <a:prstGeom prst="rect">
+            <a:avLst/>
+          </a:prstGeom>
+          <a:noFill/>
+          <a:ln w="0">
+            <a:noFill/>
+          </a:ln>
+        </p:spPr>
+        <p:txBody>
+          <a:bodyPr lIns="0" rIns="0" tIns="0" bIns="0" anchor="t">
+            <a:normAutofit/>
+          </a:bodyPr>
+          <a:p>
+            <a:pPr marL="432000" indent="-324000">
+              <a:spcBef>
+                <a:spcPts val="1417"/>
+              </a:spcBef>
+              <a:buClr>
+                <a:srgbClr val="000000"/>
+              </a:buClr>
+              <a:buSzPct val="45000"/>
+              <a:buFont typeface="Wingdings" charset="2"/>
+              <a:buChar char=""/>
+            </a:pPr>
+            <a:r>
+              <a:rPr b="0" lang="en-US" sz="1800" spc="-1" strike="noStrike">
+                <a:solidFill>
+                  <a:srgbClr val="000000"/>
+                </a:solidFill>
+                <a:latin typeface="Arial"/>
+              </a:rPr>
+              <a:t>Click to edit the outline text format</a:t>
+            </a:r>
+            <a:endParaRPr b="0" lang="en-US" sz="1800" spc="-1" strike="noStrike">
+              <a:solidFill>
+                <a:srgbClr val="000000"/>
+              </a:solidFill>
+              <a:latin typeface="Arial"/>
+            </a:endParaRPr>
+          </a:p>
+          <a:p>
+            <a:pPr lvl="1" marL="864000" indent="-324000">
+              <a:spcBef>
+                <a:spcPts val="1134"/>
+              </a:spcBef>
+              <a:buClr>
+                <a:srgbClr val="000000"/>
+              </a:buClr>
+              <a:buSzPct val="75000"/>
+              <a:buFont typeface="Symbol" charset="2"/>
+              <a:buChar char=""/>
+            </a:pPr>
+            <a:r>
+              <a:rPr b="0" lang="en-US" sz="1800" spc="-1" strike="noStrike">
+                <a:solidFill>
+                  <a:srgbClr val="000000"/>
+                </a:solidFill>
+                <a:latin typeface="Arial"/>
+              </a:rPr>
+              <a:t>Second Outline Level</a:t>
+            </a:r>
+            <a:endParaRPr b="0" lang="en-US" sz="1800" spc="-1" strike="noStrike">
+              <a:solidFill>
+                <a:srgbClr val="000000"/>
+              </a:solidFill>
+              <a:latin typeface="Arial"/>
+            </a:endParaRPr>
+          </a:p>
+          <a:p>
+            <a:pPr lvl="2" marL="1296000" indent="-288000">
+              <a:spcBef>
+                <a:spcPts val="850"/>
+              </a:spcBef>
+              <a:buClr>
+                <a:srgbClr val="000000"/>
+              </a:buClr>
+              <a:buSzPct val="45000"/>
+              <a:buFont typeface="Wingdings" charset="2"/>
+              <a:buChar char=""/>
+            </a:pPr>
+            <a:r>
+              <a:rPr b="0" lang="en-US" sz="1800" spc="-1" strike="noStrike">
+                <a:solidFill>
+                  <a:srgbClr val="000000"/>
+                </a:solidFill>
+                <a:latin typeface="Arial"/>
+              </a:rPr>
+              <a:t>Third Outline Level</a:t>
+            </a:r>
+            <a:endParaRPr b="0" lang="en-US" sz="1800" spc="-1" strike="noStrike">
+              <a:solidFill>
+                <a:srgbClr val="000000"/>
+              </a:solidFill>
+              <a:latin typeface="Arial"/>
+            </a:endParaRPr>
+          </a:p>
+          <a:p>
+            <a:pPr lvl="3" marL="1728000" indent="-216000">
+              <a:spcBef>
+                <a:spcPts val="567"/>
+              </a:spcBef>
+              <a:buClr>
+                <a:srgbClr val="000000"/>
+              </a:buClr>
+              <a:buSzPct val="75000"/>
+              <a:buFont typeface="Symbol" charset="2"/>
+              <a:buChar char=""/>
+            </a:pPr>
+            <a:r>
+              <a:rPr b="0" lang="en-US" sz="1800" spc="-1" strike="noStrike">
+                <a:solidFill>
+                  <a:srgbClr val="000000"/>
+                </a:solidFill>
+                <a:latin typeface="Arial"/>
+              </a:rPr>
+              <a:t>Fourth Outline Level</a:t>
+            </a:r>
+            <a:endParaRPr b="0" lang="en-US" sz="1800" spc="-1" strike="noStrike">
+              <a:solidFill>
+                <a:srgbClr val="000000"/>
+              </a:solidFill>
+              <a:latin typeface="Arial"/>
+            </a:endParaRPr>
+          </a:p>
+          <a:p>
+            <a:pPr lvl="4" marL="2160000" indent="-216000">
+              <a:spcBef>
+                <a:spcPts val="283"/>
+              </a:spcBef>
+              <a:buClr>
+                <a:srgbClr val="000000"/>
+              </a:buClr>
+              <a:buSzPct val="45000"/>
+              <a:buFont typeface="Wingdings" charset="2"/>
+              <a:buChar char=""/>
+            </a:pPr>
+            <a:r>
+              <a:rPr b="0" lang="en-US" sz="1800" spc="-1" strike="noStrike">
+                <a:solidFill>
+                  <a:srgbClr val="000000"/>
+                </a:solidFill>
+                <a:latin typeface="Arial"/>
+              </a:rPr>
+              <a:t>Fifth Outline Level</a:t>
+            </a:r>
+            <a:endParaRPr b="0" lang="en-US" sz="1800" spc="-1" strike="noStrike">
+              <a:solidFill>
+                <a:srgbClr val="000000"/>
+              </a:solidFill>
+              <a:latin typeface="Arial"/>
+            </a:endParaRPr>
+          </a:p>
+          <a:p>
+            <a:pPr lvl="5" marL="2592000" indent="-216000">
+              <a:spcBef>
+                <a:spcPts val="283"/>
+              </a:spcBef>
+              <a:buClr>
+                <a:srgbClr val="000000"/>
+              </a:buClr>
+              <a:buSzPct val="45000"/>
+              <a:buFont typeface="Wingdings" charset="2"/>
+              <a:buChar char=""/>
+            </a:pPr>
+            <a:r>
+              <a:rPr b="0" lang="en-US" sz="1800" spc="-1" strike="noStrike">
+                <a:solidFill>
+                  <a:srgbClr val="000000"/>
+                </a:solidFill>
+                <a:latin typeface="Arial"/>
+              </a:rPr>
+              <a:t>Sixth Outline Level</a:t>
+            </a:r>
+            <a:endParaRPr b="0" lang="en-US" sz="1800" spc="-1" strike="noStrike">
+              <a:solidFill>
+                <a:srgbClr val="000000"/>
+              </a:solidFill>
+              <a:latin typeface="Arial"/>
+            </a:endParaRPr>
+          </a:p>
+          <a:p>
+            <a:pPr lvl="6" marL="3024000" indent="-216000">
+              <a:spcBef>
+                <a:spcPts val="283"/>
+              </a:spcBef>
+              <a:buClr>
+                <a:srgbClr val="000000"/>
+              </a:buClr>
+              <a:buSzPct val="45000"/>
+              <a:buFont typeface="Wingdings" charset="2"/>
+              <a:buChar char=""/>
+            </a:pPr>
+            <a:r>
+              <a:rPr b="0" lang="en-US" sz="1800" spc="-1" strike="noStrike">
+                <a:solidFill>
+                  <a:srgbClr val="000000"/>
+                </a:solidFill>
+                <a:latin typeface="Arial"/>
+              </a:rPr>
+              <a:t>Seventh Outline Level</a:t>
+            </a:r>
+            <a:endParaRPr b="0" lang="en-US" sz="1800" spc="-1" strike="noStrike">
+              <a:solidFill>
+                <a:srgbClr val="000000"/>
+              </a:solidFill>
+              <a:latin typeface="Arial"/>
+            </a:endParaRPr>
+          </a:p>
+        </p:txBody>
+      </p:sp>
+      <p:sp>
+        <p:nvSpPr>
+          <p:cNvPr id="165" name="PlaceHolder 3"/>
+          <p:cNvSpPr>
+            <a:spLocks noGrp="1"/>
+          </p:cNvSpPr>
+          <p:nvPr>
+            <p:ph type="sldNum" idx="25"/>
+          </p:nvPr>
+        </p:nvSpPr>
+        <p:spPr>
+          <a:xfrm>
+            <a:off x="8536320" y="4749840"/>
+            <a:ext cx="547200" cy="392040"/>
+          </a:xfrm>
+          <a:prstGeom prst="rect">
+            <a:avLst/>
+          </a:prstGeom>
+          <a:noFill/>
+          <a:ln w="0">
+            <a:noFill/>
+          </a:ln>
+        </p:spPr>
+        <p:txBody>
+          <a:bodyPr lIns="91440" rIns="91440" tIns="91440" bIns="91440" anchor="ctr">
+            <a:noAutofit/>
+          </a:bodyPr>
+          <a:lstStyle>
+            <a:lvl1pPr indent="0" algn="r">
+              <a:lnSpc>
+                <a:spcPct val="100000"/>
+              </a:lnSpc>
+              <a:buNone/>
+              <a:tabLst>
+                <a:tab algn="l" pos="0"/>
+              </a:tabLst>
+              <a:defRPr b="0" lang="fr" sz="1000" spc="-1" strike="noStrike">
+                <a:solidFill>
+                  <a:schemeClr val="accent1"/>
+                </a:solidFill>
+                <a:latin typeface="Lato"/>
+                <a:ea typeface="Lato"/>
+              </a:defRPr>
+            </a:lvl1pPr>
+          </a:lstStyle>
+          <a:p>
+            <a:pPr indent="0" algn="r">
+              <a:lnSpc>
+                <a:spcPct val="100000"/>
+              </a:lnSpc>
+              <a:buNone/>
+              <a:tabLst>
+                <a:tab algn="l" pos="0"/>
+              </a:tabLst>
+            </a:pPr>
+            <a:fld id="{6494DA4A-4F88-43F4-A7FC-2E37EF427C53}" type="slidenum">
+              <a:rPr b="0" lang="fr" sz="1000" spc="-1" strike="noStrike">
+                <a:solidFill>
+                  <a:schemeClr val="accent1"/>
+                </a:solidFill>
+                <a:latin typeface="Lato"/>
+                <a:ea typeface="Lato"/>
+              </a:rPr>
+              <a:t>&lt;number&gt;</a:t>
+            </a:fld>
+            <a:endParaRPr b="0" lang="en-US" sz="1000" spc="-1" strike="noStrike">
+              <a:solidFill>
+                <a:srgbClr val="000000"/>
+              </a:solidFill>
+              <a:latin typeface="Times New Roman"/>
+            </a:endParaRPr>
+          </a:p>
+        </p:txBody>
+      </p:sp>
+    </p:spTree>
+  </p:cSld>
+  <p:clrMap bg1="lt1" bg2="lt2" tx1="dk1" tx2="dk2" accent1="accent1" accent2="accent2" accent3="accent3" accent4="accent4" accent5="accent5" accent6="accent6" hlink="hlink" folHlink="folHlink"/>
+  <p:sldLayoutIdLst>
+    <p:sldLayoutId id="2147483697" r:id="rId2"/>
   </p:sldLayoutIdLst>
 </p:sldMaster>
 </file>
@@ -9181,7 +10202,7 @@
         <p:spPr>
           <a:xfrm>
             <a:off x="8536320" y="4749840"/>
-            <a:ext cx="547560" cy="392400"/>
+            <a:ext cx="547200" cy="392040"/>
           </a:xfrm>
           <a:prstGeom prst="rect">
             <a:avLst/>
@@ -9223,7 +10244,7 @@
                 <a:tab algn="l" pos="0"/>
               </a:tabLst>
             </a:pPr>
-            <a:fld id="{4C2FB82F-BF60-4C1A-86EE-B597CF862219}" type="slidenum">
+            <a:fld id="{DC006C1D-2874-4661-85E7-4C5E95C01E98}" type="slidenum">
               <a:rPr b="0" lang="fr" sz="1000" spc="-1" strike="noStrike">
                 <a:solidFill>
                   <a:schemeClr val="accent1"/>
@@ -9283,10 +10304,10 @@
         </p:nvGrpSpPr>
         <p:grpSpPr>
           <a:xfrm>
-            <a:off x="530280" y="1206360"/>
-            <a:ext cx="1342080" cy="16560"/>
-            <a:chOff x="530280" y="1206360"/>
-            <a:chExt cx="1342080" cy="16560"/>
+            <a:off x="530280" y="1206720"/>
+            <a:ext cx="1341720" cy="16200"/>
+            <a:chOff x="530280" y="1206720"/>
+            <a:chExt cx="1341720" cy="16200"/>
           </a:xfrm>
         </p:grpSpPr>
         <p:sp>
@@ -9297,8 +10318,8 @@
           </p:nvSpPr>
           <p:spPr>
             <a:xfrm rot="16200000">
-              <a:off x="1380600" y="731160"/>
-              <a:ext cx="16560" cy="966600"/>
+              <a:off x="1380600" y="731520"/>
+              <a:ext cx="16200" cy="966240"/>
             </a:xfrm>
             <a:prstGeom prst="rect">
               <a:avLst/>
@@ -9346,8 +10367,8 @@
           </p:nvSpPr>
           <p:spPr>
             <a:xfrm rot="16200000">
-              <a:off x="1009440" y="727200"/>
-              <a:ext cx="16560" cy="974880"/>
+              <a:off x="1009440" y="727560"/>
+              <a:ext cx="16200" cy="974520"/>
             </a:xfrm>
             <a:prstGeom prst="rect">
               <a:avLst/>
@@ -9401,7 +10422,7 @@
         <p:spPr>
           <a:xfrm>
             <a:off x="8536320" y="4749840"/>
-            <a:ext cx="547560" cy="392400"/>
+            <a:ext cx="547200" cy="392040"/>
           </a:xfrm>
           <a:prstGeom prst="rect">
             <a:avLst/>
@@ -9443,7 +10464,7 @@
                 <a:tab algn="l" pos="0"/>
               </a:tabLst>
             </a:pPr>
-            <a:fld id="{622CA2C0-8B80-4C02-A104-A8E280465774}" type="slidenum">
+            <a:fld id="{5AE58BED-DD93-4EA6-BECD-0EF19FC58935}" type="slidenum">
               <a:rPr b="0" lang="fr" sz="1000" spc="-1" strike="noStrike">
                 <a:solidFill>
                   <a:schemeClr val="lt1"/>
@@ -9778,7 +10799,7 @@
         <p:spPr>
           <a:xfrm>
             <a:off x="0" y="0"/>
-            <a:ext cx="9142920" cy="486720"/>
+            <a:ext cx="9142560" cy="486360"/>
           </a:xfrm>
           <a:prstGeom prst="rect">
             <a:avLst/>
@@ -9826,10 +10847,10 @@
         </p:nvGrpSpPr>
         <p:grpSpPr>
           <a:xfrm>
-            <a:off x="530280" y="1206360"/>
-            <a:ext cx="1342080" cy="16560"/>
-            <a:chOff x="530280" y="1206360"/>
-            <a:chExt cx="1342080" cy="16560"/>
+            <a:off x="530280" y="1206720"/>
+            <a:ext cx="1341720" cy="16200"/>
+            <a:chOff x="530280" y="1206720"/>
+            <a:chExt cx="1341720" cy="16200"/>
           </a:xfrm>
         </p:grpSpPr>
         <p:sp>
@@ -9840,8 +10861,8 @@
           </p:nvSpPr>
           <p:spPr>
             <a:xfrm rot="16200000">
-              <a:off x="1380600" y="731160"/>
-              <a:ext cx="16560" cy="966600"/>
+              <a:off x="1380600" y="731520"/>
+              <a:ext cx="16200" cy="966240"/>
             </a:xfrm>
             <a:prstGeom prst="rect">
               <a:avLst/>
@@ -9889,8 +10910,8 @@
           </p:nvSpPr>
           <p:spPr>
             <a:xfrm rot="16200000">
-              <a:off x="1009440" y="727200"/>
-              <a:ext cx="16560" cy="974880"/>
+              <a:off x="1009440" y="727560"/>
+              <a:ext cx="16200" cy="974520"/>
             </a:xfrm>
             <a:prstGeom prst="rect">
               <a:avLst/>
@@ -9943,8 +10964,8 @@
         </p:nvSpPr>
         <p:spPr>
           <a:xfrm>
-            <a:off x="729360" y="1273320"/>
-            <a:ext cx="7687800" cy="624960"/>
+            <a:off x="457200" y="205200"/>
+            <a:ext cx="8228880" cy="858240"/>
           </a:xfrm>
           <a:prstGeom prst="rect">
             <a:avLst/>
@@ -9992,8 +11013,8 @@
         </p:nvSpPr>
         <p:spPr>
           <a:xfrm>
-            <a:off x="729360" y="2079000"/>
-            <a:ext cx="7687800" cy="2260080"/>
+            <a:off x="457200" y="1203480"/>
+            <a:ext cx="8228880" cy="2982600"/>
           </a:xfrm>
           <a:prstGeom prst="rect">
             <a:avLst/>
@@ -10005,7 +11026,7 @@
         </p:spPr>
         <p:txBody>
           <a:bodyPr lIns="0" rIns="0" tIns="0" bIns="0" anchor="t">
-            <a:normAutofit fontScale="93333"/>
+            <a:normAutofit/>
           </a:bodyPr>
           <a:p>
             <a:pPr marL="432000" indent="-324000">
@@ -10218,7 +11239,7 @@
         <p:spPr>
           <a:xfrm>
             <a:off x="8536320" y="4749840"/>
-            <a:ext cx="547560" cy="392400"/>
+            <a:ext cx="547200" cy="392040"/>
           </a:xfrm>
           <a:prstGeom prst="rect">
             <a:avLst/>
@@ -10260,7 +11281,7 @@
                 <a:tab algn="l" pos="0"/>
               </a:tabLst>
             </a:pPr>
-            <a:fld id="{4AD6E352-9B19-477E-857C-B3959E605F0C}" type="slidenum">
+            <a:fld id="{E4A6A3D7-4AF1-42BE-AFE3-4E0F9B59E10C}" type="slidenum">
               <a:rPr b="0" lang="fr" sz="1000" spc="-1" strike="noStrike">
                 <a:solidFill>
                   <a:schemeClr val="accent1"/>
@@ -10321,7 +11342,7 @@
         <p:spPr>
           <a:xfrm>
             <a:off x="0" y="0"/>
-            <a:ext cx="9142920" cy="486720"/>
+            <a:ext cx="9142560" cy="486360"/>
           </a:xfrm>
           <a:prstGeom prst="rect">
             <a:avLst/>
@@ -10369,10 +11390,10 @@
         </p:nvGrpSpPr>
         <p:grpSpPr>
           <a:xfrm>
-            <a:off x="530280" y="1206360"/>
-            <a:ext cx="1342080" cy="16560"/>
-            <a:chOff x="530280" y="1206360"/>
-            <a:chExt cx="1342080" cy="16560"/>
+            <a:off x="530280" y="1206720"/>
+            <a:ext cx="1341720" cy="16200"/>
+            <a:chOff x="530280" y="1206720"/>
+            <a:chExt cx="1341720" cy="16200"/>
           </a:xfrm>
         </p:grpSpPr>
         <p:sp>
@@ -10383,8 +11404,8 @@
           </p:nvSpPr>
           <p:spPr>
             <a:xfrm rot="16200000">
-              <a:off x="1380600" y="731160"/>
-              <a:ext cx="16560" cy="966600"/>
+              <a:off x="1380600" y="731520"/>
+              <a:ext cx="16200" cy="966240"/>
             </a:xfrm>
             <a:prstGeom prst="rect">
               <a:avLst/>
@@ -10432,8 +11453,8 @@
           </p:nvSpPr>
           <p:spPr>
             <a:xfrm rot="16200000">
-              <a:off x="1009440" y="727200"/>
-              <a:ext cx="16560" cy="974880"/>
+              <a:off x="1009440" y="727560"/>
+              <a:ext cx="16200" cy="974520"/>
             </a:xfrm>
             <a:prstGeom prst="rect">
               <a:avLst/>
@@ -10486,8 +11507,8 @@
         </p:nvSpPr>
         <p:spPr>
           <a:xfrm>
-            <a:off x="729360" y="1273320"/>
-            <a:ext cx="7687800" cy="624960"/>
+            <a:off x="457200" y="205200"/>
+            <a:ext cx="8228880" cy="858240"/>
           </a:xfrm>
           <a:prstGeom prst="rect">
             <a:avLst/>
@@ -10535,8 +11556,8 @@
         </p:nvSpPr>
         <p:spPr>
           <a:xfrm>
-            <a:off x="729360" y="2079000"/>
-            <a:ext cx="3751200" cy="2260080"/>
+            <a:off x="457200" y="1203480"/>
+            <a:ext cx="4015440" cy="2982600"/>
           </a:xfrm>
           <a:prstGeom prst="rect">
             <a:avLst/>
@@ -10548,7 +11569,7 @@
         </p:spPr>
         <p:txBody>
           <a:bodyPr lIns="0" rIns="0" tIns="0" bIns="0" anchor="t">
-            <a:normAutofit fontScale="68333"/>
+            <a:normAutofit fontScale="87222"/>
           </a:bodyPr>
           <a:p>
             <a:pPr marL="432000" indent="-324000">
@@ -10760,8 +11781,8 @@
         </p:nvSpPr>
         <p:spPr>
           <a:xfrm>
-            <a:off x="4668840" y="2079000"/>
-            <a:ext cx="3751200" cy="2260080"/>
+            <a:off x="4674240" y="1203480"/>
+            <a:ext cx="4015440" cy="2982600"/>
           </a:xfrm>
           <a:prstGeom prst="rect">
             <a:avLst/>
@@ -10773,7 +11794,7 @@
         </p:spPr>
         <p:txBody>
           <a:bodyPr lIns="0" rIns="0" tIns="0" bIns="0" anchor="t">
-            <a:normAutofit fontScale="68333"/>
+            <a:normAutofit fontScale="87222"/>
           </a:bodyPr>
           <a:p>
             <a:pPr marL="432000" indent="-324000">
@@ -10986,7 +12007,7 @@
         <p:spPr>
           <a:xfrm>
             <a:off x="8536320" y="4749840"/>
-            <a:ext cx="547560" cy="392400"/>
+            <a:ext cx="547200" cy="392040"/>
           </a:xfrm>
           <a:prstGeom prst="rect">
             <a:avLst/>
@@ -11028,7 +12049,7 @@
                 <a:tab algn="l" pos="0"/>
               </a:tabLst>
             </a:pPr>
-            <a:fld id="{D6BB4FB2-ED65-4614-9002-1A8A1890DCE8}" type="slidenum">
+            <a:fld id="{81C6AC4B-68DD-4B99-8989-299D20FB3308}" type="slidenum">
               <a:rPr b="0" lang="fr" sz="1000" spc="-1" strike="noStrike">
                 <a:solidFill>
                   <a:schemeClr val="accent1"/>
@@ -11089,7 +12110,7 @@
         <p:spPr>
           <a:xfrm>
             <a:off x="0" y="0"/>
-            <a:ext cx="9142920" cy="486720"/>
+            <a:ext cx="9142560" cy="486360"/>
           </a:xfrm>
           <a:prstGeom prst="rect">
             <a:avLst/>
@@ -11137,10 +12158,10 @@
         </p:nvGrpSpPr>
         <p:grpSpPr>
           <a:xfrm>
-            <a:off x="530280" y="1206360"/>
-            <a:ext cx="1342080" cy="16560"/>
-            <a:chOff x="530280" y="1206360"/>
-            <a:chExt cx="1342080" cy="16560"/>
+            <a:off x="530280" y="1206720"/>
+            <a:ext cx="1341720" cy="16200"/>
+            <a:chOff x="530280" y="1206720"/>
+            <a:chExt cx="1341720" cy="16200"/>
           </a:xfrm>
         </p:grpSpPr>
         <p:sp>
@@ -11151,8 +12172,8 @@
           </p:nvSpPr>
           <p:spPr>
             <a:xfrm rot="16200000">
-              <a:off x="1380600" y="731160"/>
-              <a:ext cx="16560" cy="966600"/>
+              <a:off x="1380600" y="731520"/>
+              <a:ext cx="16200" cy="966240"/>
             </a:xfrm>
             <a:prstGeom prst="rect">
               <a:avLst/>
@@ -11200,8 +12221,8 @@
           </p:nvSpPr>
           <p:spPr>
             <a:xfrm rot="16200000">
-              <a:off x="1009440" y="727200"/>
-              <a:ext cx="16560" cy="974880"/>
+              <a:off x="1009440" y="727560"/>
+              <a:ext cx="16200" cy="974520"/>
             </a:xfrm>
             <a:prstGeom prst="rect">
               <a:avLst/>
@@ -11254,8 +12275,8 @@
         </p:nvSpPr>
         <p:spPr>
           <a:xfrm>
-            <a:off x="729360" y="1273320"/>
-            <a:ext cx="7687800" cy="624960"/>
+            <a:off x="457200" y="205200"/>
+            <a:ext cx="8228880" cy="858240"/>
           </a:xfrm>
           <a:prstGeom prst="rect">
             <a:avLst/>
@@ -11304,7 +12325,7 @@
         <p:spPr>
           <a:xfrm>
             <a:off x="8536320" y="4749840"/>
-            <a:ext cx="547560" cy="392400"/>
+            <a:ext cx="547200" cy="392040"/>
           </a:xfrm>
           <a:prstGeom prst="rect">
             <a:avLst/>
@@ -11346,7 +12367,7 @@
                 <a:tab algn="l" pos="0"/>
               </a:tabLst>
             </a:pPr>
-            <a:fld id="{C74EE5DC-4D54-42C1-9889-A47D04228741}" type="slidenum">
+            <a:fld id="{4B38361E-EE73-4684-9269-A0CBC097A00F}" type="slidenum">
               <a:rPr b="0" lang="fr" sz="1000" spc="-1" strike="noStrike">
                 <a:solidFill>
                   <a:schemeClr val="accent1"/>
@@ -11407,7 +12428,7 @@
         <p:spPr>
           <a:xfrm>
             <a:off x="0" y="0"/>
-            <a:ext cx="9142920" cy="486720"/>
+            <a:ext cx="9142560" cy="486360"/>
           </a:xfrm>
           <a:prstGeom prst="rect">
             <a:avLst/>
@@ -11455,10 +12476,10 @@
         </p:nvGrpSpPr>
         <p:grpSpPr>
           <a:xfrm>
-            <a:off x="530280" y="1206360"/>
-            <a:ext cx="1342080" cy="16560"/>
-            <a:chOff x="530280" y="1206360"/>
-            <a:chExt cx="1342080" cy="16560"/>
+            <a:off x="530280" y="1206720"/>
+            <a:ext cx="1341720" cy="16200"/>
+            <a:chOff x="530280" y="1206720"/>
+            <a:chExt cx="1341720" cy="16200"/>
           </a:xfrm>
         </p:grpSpPr>
         <p:sp>
@@ -11469,8 +12490,8 @@
           </p:nvSpPr>
           <p:spPr>
             <a:xfrm rot="16200000">
-              <a:off x="1380600" y="731160"/>
-              <a:ext cx="16560" cy="966600"/>
+              <a:off x="1380600" y="731520"/>
+              <a:ext cx="16200" cy="966240"/>
             </a:xfrm>
             <a:prstGeom prst="rect">
               <a:avLst/>
@@ -11518,8 +12539,8 @@
           </p:nvSpPr>
           <p:spPr>
             <a:xfrm rot="16200000">
-              <a:off x="1009440" y="727200"/>
-              <a:ext cx="16560" cy="974880"/>
+              <a:off x="1009440" y="727560"/>
+              <a:ext cx="16200" cy="974520"/>
             </a:xfrm>
             <a:prstGeom prst="rect">
               <a:avLst/>
@@ -11573,7 +12594,7 @@
         <p:spPr>
           <a:xfrm>
             <a:off x="8536320" y="4749840"/>
-            <a:ext cx="547560" cy="392400"/>
+            <a:ext cx="547200" cy="392040"/>
           </a:xfrm>
           <a:prstGeom prst="rect">
             <a:avLst/>
@@ -11615,7 +12636,7 @@
                 <a:tab algn="l" pos="0"/>
               </a:tabLst>
             </a:pPr>
-            <a:fld id="{9121B182-FD5D-4CAC-8C82-126F214711A2}" type="slidenum">
+            <a:fld id="{18A8595F-7CF0-43A7-969E-A30F10C730CA}" type="slidenum">
               <a:rPr b="0" lang="fr" sz="1000" spc="-1" strike="noStrike">
                 <a:solidFill>
                   <a:schemeClr val="accent1"/>
@@ -11630,280 +12651,6 @@
                 <a:srgbClr val="000000"/>
               </a:solidFill>
               <a:latin typeface="Times New Roman"/>
-            </a:endParaRPr>
-          </a:p>
-        </p:txBody>
-      </p:sp>
-      <p:sp>
-        <p:nvSpPr>
-          <p:cNvPr id="52" name="PlaceHolder 2"/>
-          <p:cNvSpPr>
-            <a:spLocks noGrp="1"/>
-          </p:cNvSpPr>
-          <p:nvPr>
-            <p:ph type="title"/>
-          </p:nvPr>
-        </p:nvSpPr>
-        <p:spPr>
-          <a:xfrm>
-            <a:off x="457200" y="205200"/>
-            <a:ext cx="8229240" cy="858600"/>
-          </a:xfrm>
-          <a:prstGeom prst="rect">
-            <a:avLst/>
-          </a:prstGeom>
-          <a:noFill/>
-          <a:ln w="0">
-            <a:noFill/>
-          </a:ln>
-        </p:spPr>
-        <p:txBody>
-          <a:bodyPr lIns="0" rIns="0" tIns="0" bIns="0" anchor="ctr">
-            <a:noAutofit/>
-          </a:bodyPr>
-          <a:p>
-            <a:pPr indent="0" algn="ctr">
-              <a:buNone/>
-            </a:pPr>
-            <a:r>
-              <a:rPr b="0" lang="en-US" sz="4400" spc="-1" strike="noStrike">
-                <a:solidFill>
-                  <a:srgbClr val="000000"/>
-                </a:solidFill>
-                <a:latin typeface="Arial"/>
-              </a:rPr>
-              <a:t>Click to edit the title text format</a:t>
-            </a:r>
-            <a:endParaRPr b="0" lang="en-US" sz="4400" spc="-1" strike="noStrike">
-              <a:solidFill>
-                <a:srgbClr val="000000"/>
-              </a:solidFill>
-              <a:latin typeface="Arial"/>
-            </a:endParaRPr>
-          </a:p>
-        </p:txBody>
-      </p:sp>
-      <p:sp>
-        <p:nvSpPr>
-          <p:cNvPr id="53" name="PlaceHolder 3"/>
-          <p:cNvSpPr>
-            <a:spLocks noGrp="1"/>
-          </p:cNvSpPr>
-          <p:nvPr>
-            <p:ph type="body"/>
-          </p:nvPr>
-        </p:nvSpPr>
-        <p:spPr>
-          <a:xfrm>
-            <a:off x="457200" y="1203480"/>
-            <a:ext cx="8229240" cy="2982960"/>
-          </a:xfrm>
-          <a:prstGeom prst="rect">
-            <a:avLst/>
-          </a:prstGeom>
-          <a:noFill/>
-          <a:ln w="0">
-            <a:noFill/>
-          </a:ln>
-        </p:spPr>
-        <p:txBody>
-          <a:bodyPr lIns="0" rIns="0" tIns="0" bIns="0" anchor="t">
-            <a:normAutofit/>
-          </a:bodyPr>
-          <a:p>
-            <a:pPr marL="432000" indent="-324000">
-              <a:spcBef>
-                <a:spcPts val="1417"/>
-              </a:spcBef>
-              <a:buClr>
-                <a:srgbClr val="000000"/>
-              </a:buClr>
-              <a:buSzPct val="45000"/>
-              <a:buFont typeface="Wingdings" charset="2"/>
-              <a:buChar char=""/>
-            </a:pPr>
-            <a:r>
-              <a:rPr b="0" lang="en-US" sz="3200" spc="-1" strike="noStrike">
-                <a:solidFill>
-                  <a:srgbClr val="000000"/>
-                </a:solidFill>
-                <a:latin typeface="Arial"/>
-              </a:rPr>
-              <a:t>Click to edit the outline text format</a:t>
-            </a:r>
-            <a:endParaRPr b="0" lang="en-US" sz="3200" spc="-1" strike="noStrike">
-              <a:solidFill>
-                <a:srgbClr val="000000"/>
-              </a:solidFill>
-              <a:latin typeface="Arial"/>
-            </a:endParaRPr>
-          </a:p>
-          <a:p>
-            <a:pPr lvl="1" marL="864000" indent="-324000">
-              <a:spcBef>
-                <a:spcPts val="1134"/>
-              </a:spcBef>
-              <a:buClr>
-                <a:srgbClr val="000000"/>
-              </a:buClr>
-              <a:buSzPct val="75000"/>
-              <a:buFont typeface="Symbol" charset="2"/>
-              <a:buChar char=""/>
-            </a:pPr>
-            <a:r>
-              <a:rPr b="0" lang="en-US" sz="2800" spc="-1" strike="noStrike">
-                <a:solidFill>
-                  <a:srgbClr val="000000"/>
-                </a:solidFill>
-                <a:latin typeface="Arial"/>
-              </a:rPr>
-              <a:t>Second Outline Level</a:t>
-            </a:r>
-            <a:endParaRPr b="0" lang="en-US" sz="2800" spc="-1" strike="noStrike">
-              <a:solidFill>
-                <a:srgbClr val="000000"/>
-              </a:solidFill>
-              <a:latin typeface="Arial"/>
-            </a:endParaRPr>
-          </a:p>
-          <a:p>
-            <a:pPr lvl="2" marL="1296000" indent="-288000">
-              <a:spcBef>
-                <a:spcPts val="850"/>
-              </a:spcBef>
-              <a:buClr>
-                <a:srgbClr val="000000"/>
-              </a:buClr>
-              <a:buSzPct val="45000"/>
-              <a:buFont typeface="Wingdings" charset="2"/>
-              <a:buChar char=""/>
-            </a:pPr>
-            <a:r>
-              <a:rPr b="0" lang="en-US" sz="2400" spc="-1" strike="noStrike">
-                <a:solidFill>
-                  <a:srgbClr val="000000"/>
-                </a:solidFill>
-                <a:latin typeface="Arial"/>
-              </a:rPr>
-              <a:t>Third Outline Level</a:t>
-            </a:r>
-            <a:endParaRPr b="0" lang="en-US" sz="2400" spc="-1" strike="noStrike">
-              <a:solidFill>
-                <a:srgbClr val="000000"/>
-              </a:solidFill>
-              <a:latin typeface="Arial"/>
-            </a:endParaRPr>
-          </a:p>
-          <a:p>
-            <a:pPr lvl="3" marL="1728000" indent="-216000">
-              <a:spcBef>
-                <a:spcPts val="567"/>
-              </a:spcBef>
-              <a:buClr>
-                <a:srgbClr val="000000"/>
-              </a:buClr>
-              <a:buSzPct val="75000"/>
-              <a:buFont typeface="Symbol" charset="2"/>
-              <a:buChar char=""/>
-            </a:pPr>
-            <a:r>
-              <a:rPr b="0" lang="en-US" sz="2000" spc="-1" strike="noStrike">
-                <a:solidFill>
-                  <a:srgbClr val="000000"/>
-                </a:solidFill>
-                <a:latin typeface="Arial"/>
-              </a:rPr>
-              <a:t>Fourth Outline Level</a:t>
-            </a:r>
-            <a:endParaRPr b="0" lang="en-US" sz="2000" spc="-1" strike="noStrike">
-              <a:solidFill>
-                <a:srgbClr val="000000"/>
-              </a:solidFill>
-              <a:latin typeface="Arial"/>
-            </a:endParaRPr>
-          </a:p>
-          <a:p>
-            <a:pPr lvl="4" marL="2160000" indent="-216000">
-              <a:spcBef>
-                <a:spcPts val="283"/>
-              </a:spcBef>
-              <a:buClr>
-                <a:srgbClr val="000000"/>
-              </a:buClr>
-              <a:buSzPct val="45000"/>
-              <a:buFont typeface="Wingdings" charset="2"/>
-              <a:buChar char=""/>
-            </a:pPr>
-            <a:r>
-              <a:rPr b="0" lang="en-US" sz="2000" spc="-1" strike="noStrike">
-                <a:solidFill>
-                  <a:srgbClr val="000000"/>
-                </a:solidFill>
-                <a:latin typeface="Arial"/>
-              </a:rPr>
-              <a:t>Fifth Outline Level</a:t>
-            </a:r>
-            <a:endParaRPr b="0" lang="en-US" sz="2000" spc="-1" strike="noStrike">
-              <a:solidFill>
-                <a:srgbClr val="000000"/>
-              </a:solidFill>
-              <a:latin typeface="Arial"/>
-            </a:endParaRPr>
-          </a:p>
-          <a:p>
-            <a:pPr lvl="5" marL="2592000" indent="-216000">
-              <a:spcBef>
-                <a:spcPts val="283"/>
-              </a:spcBef>
-              <a:buClr>
-                <a:srgbClr val="000000"/>
-              </a:buClr>
-              <a:buSzPct val="45000"/>
-              <a:buFont typeface="Wingdings" charset="2"/>
-              <a:buChar char=""/>
-            </a:pPr>
-            <a:r>
-              <a:rPr b="0" lang="en-US" sz="2000" spc="-1" strike="noStrike">
-                <a:solidFill>
-                  <a:srgbClr val="000000"/>
-                </a:solidFill>
-                <a:latin typeface="Arial"/>
-              </a:rPr>
-              <a:t>Sixth Outline Level</a:t>
-            </a:r>
-            <a:endParaRPr b="0" lang="en-US" sz="2000" spc="-1" strike="noStrike">
-              <a:solidFill>
-                <a:srgbClr val="000000"/>
-              </a:solidFill>
-              <a:latin typeface="Arial"/>
-            </a:endParaRPr>
-          </a:p>
-          <a:p>
-            <a:pPr lvl="6" marL="3024000" indent="-216000">
-              <a:spcBef>
-                <a:spcPts val="283"/>
-              </a:spcBef>
-              <a:buClr>
-                <a:srgbClr val="000000"/>
-              </a:buClr>
-              <a:buSzPct val="45000"/>
-              <a:buFont typeface="Wingdings" charset="2"/>
-              <a:buChar char=""/>
-            </a:pPr>
-            <a:r>
-              <a:rPr b="0" lang="en-US" sz="2000" spc="-1" strike="noStrike">
-                <a:solidFill>
-                  <a:srgbClr val="000000"/>
-                </a:solidFill>
-                <a:latin typeface="Arial"/>
-              </a:rPr>
-              <a:t>Seventh Outline Level</a:t>
-            </a:r>
-            <a:endParaRPr b="0" lang="en-US" sz="2000" spc="-1" strike="noStrike">
-              <a:solidFill>
-                <a:srgbClr val="000000"/>
-              </a:solidFill>
-              <a:latin typeface="Arial"/>
             </a:endParaRPr>
           </a:p>
         </p:txBody>
@@ -11943,28 +12690,28 @@
       </p:grpSpPr>
       <p:grpSp>
         <p:nvGrpSpPr>
-          <p:cNvPr id="54" name="Google Shape;56;p8"/>
+          <p:cNvPr id="52" name="Google Shape;56;p8"/>
           <p:cNvGrpSpPr/>
           <p:nvPr/>
         </p:nvGrpSpPr>
         <p:grpSpPr>
           <a:xfrm>
-            <a:off x="530280" y="4184280"/>
-            <a:ext cx="1342080" cy="16560"/>
-            <a:chOff x="530280" y="4184280"/>
-            <a:chExt cx="1342080" cy="16560"/>
+            <a:off x="530280" y="4184640"/>
+            <a:ext cx="1341720" cy="16200"/>
+            <a:chOff x="530280" y="4184640"/>
+            <a:chExt cx="1341720" cy="16200"/>
           </a:xfrm>
         </p:grpSpPr>
         <p:sp>
           <p:nvSpPr>
-            <p:cNvPr id="55" name="Google Shape;57;p8"/>
+            <p:cNvPr id="53" name="Google Shape;57;p8"/>
             <p:cNvSpPr/>
             <p:nvPr/>
           </p:nvSpPr>
           <p:spPr>
             <a:xfrm rot="16200000">
-              <a:off x="1380600" y="3709080"/>
-              <a:ext cx="16560" cy="966600"/>
+              <a:off x="1380600" y="3709440"/>
+              <a:ext cx="16200" cy="966240"/>
             </a:xfrm>
             <a:prstGeom prst="rect">
               <a:avLst/>
@@ -12006,14 +12753,14 @@
         </p:sp>
         <p:sp>
           <p:nvSpPr>
-            <p:cNvPr id="56" name="Google Shape;58;p8"/>
+            <p:cNvPr id="54" name="Google Shape;58;p8"/>
             <p:cNvSpPr/>
             <p:nvPr/>
           </p:nvSpPr>
           <p:spPr>
             <a:xfrm rot="16200000">
-              <a:off x="1009440" y="3705120"/>
-              <a:ext cx="16560" cy="974880"/>
+              <a:off x="1009440" y="3705480"/>
+              <a:ext cx="16200" cy="974520"/>
             </a:xfrm>
             <a:prstGeom prst="rect">
               <a:avLst/>
@@ -12056,7 +12803,7 @@
       </p:grpSp>
       <p:sp>
         <p:nvSpPr>
-          <p:cNvPr id="57" name="PlaceHolder 1"/>
+          <p:cNvPr id="55" name="PlaceHolder 1"/>
           <p:cNvSpPr>
             <a:spLocks noGrp="1"/>
           </p:cNvSpPr>
@@ -12067,7 +12814,7 @@
         <p:spPr>
           <a:xfrm>
             <a:off x="8536320" y="4749840"/>
-            <a:ext cx="547560" cy="392400"/>
+            <a:ext cx="547200" cy="392040"/>
           </a:xfrm>
           <a:prstGeom prst="rect">
             <a:avLst/>
@@ -12109,7 +12856,7 @@
                 <a:tab algn="l" pos="0"/>
               </a:tabLst>
             </a:pPr>
-            <a:fld id="{ECDEF708-A2A8-4F7D-9904-67DF46387399}" type="slidenum">
+            <a:fld id="{8340BF26-5E45-4C0E-84D2-56B0BD49C8D6}" type="slidenum">
               <a:rPr b="0" lang="fr" sz="1000" spc="-1" strike="noStrike">
                 <a:solidFill>
                   <a:schemeClr val="lt1"/>
@@ -12124,280 +12871,6 @@
                 <a:srgbClr val="000000"/>
               </a:solidFill>
               <a:latin typeface="Times New Roman"/>
-            </a:endParaRPr>
-          </a:p>
-        </p:txBody>
-      </p:sp>
-      <p:sp>
-        <p:nvSpPr>
-          <p:cNvPr id="58" name="PlaceHolder 2"/>
-          <p:cNvSpPr>
-            <a:spLocks noGrp="1"/>
-          </p:cNvSpPr>
-          <p:nvPr>
-            <p:ph type="title"/>
-          </p:nvPr>
-        </p:nvSpPr>
-        <p:spPr>
-          <a:xfrm>
-            <a:off x="457200" y="205200"/>
-            <a:ext cx="8229240" cy="858600"/>
-          </a:xfrm>
-          <a:prstGeom prst="rect">
-            <a:avLst/>
-          </a:prstGeom>
-          <a:noFill/>
-          <a:ln w="0">
-            <a:noFill/>
-          </a:ln>
-        </p:spPr>
-        <p:txBody>
-          <a:bodyPr lIns="0" rIns="0" tIns="0" bIns="0" anchor="ctr">
-            <a:noAutofit/>
-          </a:bodyPr>
-          <a:p>
-            <a:pPr indent="0" algn="ctr">
-              <a:buNone/>
-            </a:pPr>
-            <a:r>
-              <a:rPr b="0" lang="en-US" sz="4400" spc="-1" strike="noStrike">
-                <a:solidFill>
-                  <a:srgbClr val="000000"/>
-                </a:solidFill>
-                <a:latin typeface="Arial"/>
-              </a:rPr>
-              <a:t>Click to edit the title text format</a:t>
-            </a:r>
-            <a:endParaRPr b="0" lang="en-US" sz="4400" spc="-1" strike="noStrike">
-              <a:solidFill>
-                <a:srgbClr val="000000"/>
-              </a:solidFill>
-              <a:latin typeface="Arial"/>
-            </a:endParaRPr>
-          </a:p>
-        </p:txBody>
-      </p:sp>
-      <p:sp>
-        <p:nvSpPr>
-          <p:cNvPr id="59" name="PlaceHolder 3"/>
-          <p:cNvSpPr>
-            <a:spLocks noGrp="1"/>
-          </p:cNvSpPr>
-          <p:nvPr>
-            <p:ph type="body"/>
-          </p:nvPr>
-        </p:nvSpPr>
-        <p:spPr>
-          <a:xfrm>
-            <a:off x="457200" y="1203480"/>
-            <a:ext cx="8229240" cy="2982960"/>
-          </a:xfrm>
-          <a:prstGeom prst="rect">
-            <a:avLst/>
-          </a:prstGeom>
-          <a:noFill/>
-          <a:ln w="0">
-            <a:noFill/>
-          </a:ln>
-        </p:spPr>
-        <p:txBody>
-          <a:bodyPr lIns="0" rIns="0" tIns="0" bIns="0" anchor="t">
-            <a:normAutofit/>
-          </a:bodyPr>
-          <a:p>
-            <a:pPr marL="432000" indent="-324000">
-              <a:spcBef>
-                <a:spcPts val="1417"/>
-              </a:spcBef>
-              <a:buClr>
-                <a:srgbClr val="000000"/>
-              </a:buClr>
-              <a:buSzPct val="45000"/>
-              <a:buFont typeface="Wingdings" charset="2"/>
-              <a:buChar char=""/>
-            </a:pPr>
-            <a:r>
-              <a:rPr b="0" lang="en-US" sz="3200" spc="-1" strike="noStrike">
-                <a:solidFill>
-                  <a:srgbClr val="000000"/>
-                </a:solidFill>
-                <a:latin typeface="Arial"/>
-              </a:rPr>
-              <a:t>Click to edit the outline text format</a:t>
-            </a:r>
-            <a:endParaRPr b="0" lang="en-US" sz="3200" spc="-1" strike="noStrike">
-              <a:solidFill>
-                <a:srgbClr val="000000"/>
-              </a:solidFill>
-              <a:latin typeface="Arial"/>
-            </a:endParaRPr>
-          </a:p>
-          <a:p>
-            <a:pPr lvl="1" marL="864000" indent="-324000">
-              <a:spcBef>
-                <a:spcPts val="1134"/>
-              </a:spcBef>
-              <a:buClr>
-                <a:srgbClr val="000000"/>
-              </a:buClr>
-              <a:buSzPct val="75000"/>
-              <a:buFont typeface="Symbol" charset="2"/>
-              <a:buChar char=""/>
-            </a:pPr>
-            <a:r>
-              <a:rPr b="0" lang="en-US" sz="2800" spc="-1" strike="noStrike">
-                <a:solidFill>
-                  <a:srgbClr val="000000"/>
-                </a:solidFill>
-                <a:latin typeface="Arial"/>
-              </a:rPr>
-              <a:t>Second Outline Level</a:t>
-            </a:r>
-            <a:endParaRPr b="0" lang="en-US" sz="2800" spc="-1" strike="noStrike">
-              <a:solidFill>
-                <a:srgbClr val="000000"/>
-              </a:solidFill>
-              <a:latin typeface="Arial"/>
-            </a:endParaRPr>
-          </a:p>
-          <a:p>
-            <a:pPr lvl="2" marL="1296000" indent="-288000">
-              <a:spcBef>
-                <a:spcPts val="850"/>
-              </a:spcBef>
-              <a:buClr>
-                <a:srgbClr val="000000"/>
-              </a:buClr>
-              <a:buSzPct val="45000"/>
-              <a:buFont typeface="Wingdings" charset="2"/>
-              <a:buChar char=""/>
-            </a:pPr>
-            <a:r>
-              <a:rPr b="0" lang="en-US" sz="2400" spc="-1" strike="noStrike">
-                <a:solidFill>
-                  <a:srgbClr val="000000"/>
-                </a:solidFill>
-                <a:latin typeface="Arial"/>
-              </a:rPr>
-              <a:t>Third Outline Level</a:t>
-            </a:r>
-            <a:endParaRPr b="0" lang="en-US" sz="2400" spc="-1" strike="noStrike">
-              <a:solidFill>
-                <a:srgbClr val="000000"/>
-              </a:solidFill>
-              <a:latin typeface="Arial"/>
-            </a:endParaRPr>
-          </a:p>
-          <a:p>
-            <a:pPr lvl="3" marL="1728000" indent="-216000">
-              <a:spcBef>
-                <a:spcPts val="567"/>
-              </a:spcBef>
-              <a:buClr>
-                <a:srgbClr val="000000"/>
-              </a:buClr>
-              <a:buSzPct val="75000"/>
-              <a:buFont typeface="Symbol" charset="2"/>
-              <a:buChar char=""/>
-            </a:pPr>
-            <a:r>
-              <a:rPr b="0" lang="en-US" sz="2000" spc="-1" strike="noStrike">
-                <a:solidFill>
-                  <a:srgbClr val="000000"/>
-                </a:solidFill>
-                <a:latin typeface="Arial"/>
-              </a:rPr>
-              <a:t>Fourth Outline Level</a:t>
-            </a:r>
-            <a:endParaRPr b="0" lang="en-US" sz="2000" spc="-1" strike="noStrike">
-              <a:solidFill>
-                <a:srgbClr val="000000"/>
-              </a:solidFill>
-              <a:latin typeface="Arial"/>
-            </a:endParaRPr>
-          </a:p>
-          <a:p>
-            <a:pPr lvl="4" marL="2160000" indent="-216000">
-              <a:spcBef>
-                <a:spcPts val="283"/>
-              </a:spcBef>
-              <a:buClr>
-                <a:srgbClr val="000000"/>
-              </a:buClr>
-              <a:buSzPct val="45000"/>
-              <a:buFont typeface="Wingdings" charset="2"/>
-              <a:buChar char=""/>
-            </a:pPr>
-            <a:r>
-              <a:rPr b="0" lang="en-US" sz="2000" spc="-1" strike="noStrike">
-                <a:solidFill>
-                  <a:srgbClr val="000000"/>
-                </a:solidFill>
-                <a:latin typeface="Arial"/>
-              </a:rPr>
-              <a:t>Fifth Outline Level</a:t>
-            </a:r>
-            <a:endParaRPr b="0" lang="en-US" sz="2000" spc="-1" strike="noStrike">
-              <a:solidFill>
-                <a:srgbClr val="000000"/>
-              </a:solidFill>
-              <a:latin typeface="Arial"/>
-            </a:endParaRPr>
-          </a:p>
-          <a:p>
-            <a:pPr lvl="5" marL="2592000" indent="-216000">
-              <a:spcBef>
-                <a:spcPts val="283"/>
-              </a:spcBef>
-              <a:buClr>
-                <a:srgbClr val="000000"/>
-              </a:buClr>
-              <a:buSzPct val="45000"/>
-              <a:buFont typeface="Wingdings" charset="2"/>
-              <a:buChar char=""/>
-            </a:pPr>
-            <a:r>
-              <a:rPr b="0" lang="en-US" sz="2000" spc="-1" strike="noStrike">
-                <a:solidFill>
-                  <a:srgbClr val="000000"/>
-                </a:solidFill>
-                <a:latin typeface="Arial"/>
-              </a:rPr>
-              <a:t>Sixth Outline Level</a:t>
-            </a:r>
-            <a:endParaRPr b="0" lang="en-US" sz="2000" spc="-1" strike="noStrike">
-              <a:solidFill>
-                <a:srgbClr val="000000"/>
-              </a:solidFill>
-              <a:latin typeface="Arial"/>
-            </a:endParaRPr>
-          </a:p>
-          <a:p>
-            <a:pPr lvl="6" marL="3024000" indent="-216000">
-              <a:spcBef>
-                <a:spcPts val="283"/>
-              </a:spcBef>
-              <a:buClr>
-                <a:srgbClr val="000000"/>
-              </a:buClr>
-              <a:buSzPct val="45000"/>
-              <a:buFont typeface="Wingdings" charset="2"/>
-              <a:buChar char=""/>
-            </a:pPr>
-            <a:r>
-              <a:rPr b="0" lang="en-US" sz="2000" spc="-1" strike="noStrike">
-                <a:solidFill>
-                  <a:srgbClr val="000000"/>
-                </a:solidFill>
-                <a:latin typeface="Arial"/>
-              </a:rPr>
-              <a:t>Seventh Outline Level</a:t>
-            </a:r>
-            <a:endParaRPr b="0" lang="en-US" sz="2000" spc="-1" strike="noStrike">
-              <a:solidFill>
-                <a:srgbClr val="000000"/>
-              </a:solidFill>
-              <a:latin typeface="Arial"/>
             </a:endParaRPr>
           </a:p>
         </p:txBody>
@@ -12430,7 +12903,7 @@
       </p:grpSpPr>
       <p:sp>
         <p:nvSpPr>
-          <p:cNvPr id="156" name="PlaceHolder 1"/>
+          <p:cNvPr id="168" name="PlaceHolder 1"/>
           <p:cNvSpPr>
             <a:spLocks noGrp="1"/>
           </p:cNvSpPr>
@@ -12441,7 +12914,7 @@
         <p:spPr>
           <a:xfrm>
             <a:off x="729360" y="1322280"/>
-            <a:ext cx="7687080" cy="1663560"/>
+            <a:ext cx="7686720" cy="1663200"/>
           </a:xfrm>
           <a:prstGeom prst="rect">
             <a:avLst/>
@@ -12486,7 +12959,7 @@
       </p:sp>
       <p:sp>
         <p:nvSpPr>
-          <p:cNvPr id="157" name="PlaceHolder 2"/>
+          <p:cNvPr id="169" name="PlaceHolder 2"/>
           <p:cNvSpPr>
             <a:spLocks noGrp="1"/>
           </p:cNvSpPr>
@@ -12497,7 +12970,7 @@
         <p:spPr>
           <a:xfrm>
             <a:off x="914400" y="2202480"/>
-            <a:ext cx="7687080" cy="997200"/>
+            <a:ext cx="7686720" cy="996840"/>
           </a:xfrm>
           <a:prstGeom prst="rect">
             <a:avLst/>
@@ -12569,7 +13042,7 @@
       </p:sp>
       <p:pic>
         <p:nvPicPr>
-          <p:cNvPr id="158" name="" descr=""/>
+          <p:cNvPr id="170" name="" descr=""/>
           <p:cNvPicPr/>
           <p:nvPr/>
         </p:nvPicPr>
@@ -12580,7 +13053,7 @@
         <p:spPr>
           <a:xfrm>
             <a:off x="0" y="3429000"/>
-            <a:ext cx="9142920" cy="2771640"/>
+            <a:ext cx="9142560" cy="2771280"/>
           </a:xfrm>
           <a:prstGeom prst="rect">
             <a:avLst/>
@@ -12592,14 +13065,14 @@
       </p:pic>
       <p:sp>
         <p:nvSpPr>
-          <p:cNvPr id="159" name="Google Shape;88;p13"/>
+          <p:cNvPr id="171" name="Google Shape;88;p13"/>
           <p:cNvSpPr/>
           <p:nvPr/>
         </p:nvSpPr>
         <p:spPr>
           <a:xfrm>
             <a:off x="7772400" y="4816440"/>
-            <a:ext cx="1350720" cy="275400"/>
+            <a:ext cx="1350360" cy="275400"/>
           </a:xfrm>
           <a:prstGeom prst="rect">
             <a:avLst/>
@@ -12649,7 +13122,7 @@
       </p:sp>
       <p:pic>
         <p:nvPicPr>
-          <p:cNvPr id="160" name="" descr=""/>
+          <p:cNvPr id="172" name="" descr=""/>
           <p:cNvPicPr/>
           <p:nvPr/>
         </p:nvPicPr>
@@ -12659,8 +13132,8 @@
         </p:blipFill>
         <p:spPr>
           <a:xfrm>
-            <a:off x="7363440" y="894960"/>
-            <a:ext cx="1551600" cy="1162080"/>
+            <a:off x="7596000" y="7920"/>
+            <a:ext cx="1551240" cy="1161720"/>
           </a:xfrm>
           <a:prstGeom prst="rect">
             <a:avLst/>
@@ -12702,7 +13175,7 @@
       </p:grpSpPr>
       <p:sp>
         <p:nvSpPr>
-          <p:cNvPr id="197" name="PlaceHolder 1"/>
+          <p:cNvPr id="209" name="PlaceHolder 1"/>
           <p:cNvSpPr>
             <a:spLocks noGrp="1"/>
           </p:cNvSpPr>
@@ -12713,7 +13186,7 @@
         <p:spPr>
           <a:xfrm>
             <a:off x="729360" y="1318680"/>
-            <a:ext cx="7687800" cy="534240"/>
+            <a:ext cx="7687440" cy="533880"/>
           </a:xfrm>
           <a:prstGeom prst="rect">
             <a:avLst/>
@@ -12758,14 +13231,14 @@
       </p:sp>
       <p:sp>
         <p:nvSpPr>
-          <p:cNvPr id="198" name="Google Shape;88;p 13"/>
+          <p:cNvPr id="210" name="Google Shape;88;p 13"/>
           <p:cNvSpPr/>
           <p:nvPr/>
         </p:nvSpPr>
         <p:spPr>
           <a:xfrm>
             <a:off x="7772400" y="4816440"/>
-            <a:ext cx="1350720" cy="275400"/>
+            <a:ext cx="1350360" cy="275400"/>
           </a:xfrm>
           <a:prstGeom prst="rect">
             <a:avLst/>
@@ -12815,14 +13288,14 @@
       </p:sp>
       <p:sp>
         <p:nvSpPr>
-          <p:cNvPr id="199" name="Google Shape;88;p 14"/>
+          <p:cNvPr id="211" name="Google Shape;88;p 14"/>
           <p:cNvSpPr/>
           <p:nvPr/>
         </p:nvSpPr>
         <p:spPr>
           <a:xfrm>
             <a:off x="7772400" y="4816440"/>
-            <a:ext cx="1350720" cy="275400"/>
+            <a:ext cx="1350360" cy="275400"/>
           </a:xfrm>
           <a:prstGeom prst="rect">
             <a:avLst/>
@@ -12872,7 +13345,7 @@
       </p:sp>
       <p:pic>
         <p:nvPicPr>
-          <p:cNvPr id="200" name="" descr=""/>
+          <p:cNvPr id="212" name="" descr=""/>
           <p:cNvPicPr/>
           <p:nvPr/>
         </p:nvPicPr>
@@ -12883,7 +13356,7 @@
         <p:spPr>
           <a:xfrm>
             <a:off x="808560" y="1832040"/>
-            <a:ext cx="6851160" cy="3746160"/>
+            <a:ext cx="6850800" cy="3745800"/>
           </a:xfrm>
           <a:prstGeom prst="rect">
             <a:avLst/>
@@ -12895,7 +13368,7 @@
       </p:pic>
       <p:pic>
         <p:nvPicPr>
-          <p:cNvPr id="201" name="" descr=""/>
+          <p:cNvPr id="213" name="" descr=""/>
           <p:cNvPicPr/>
           <p:nvPr/>
         </p:nvPicPr>
@@ -12905,8 +13378,8 @@
         </p:blipFill>
         <p:spPr>
           <a:xfrm>
-            <a:off x="7363800" y="895320"/>
-            <a:ext cx="1551600" cy="1162080"/>
+            <a:off x="7574760" y="8280"/>
+            <a:ext cx="1551240" cy="1161720"/>
           </a:xfrm>
           <a:prstGeom prst="rect">
             <a:avLst/>
@@ -12948,7 +13421,7 @@
       </p:grpSpPr>
       <p:sp>
         <p:nvSpPr>
-          <p:cNvPr id="202" name="PlaceHolder 1"/>
+          <p:cNvPr id="214" name="PlaceHolder 1"/>
           <p:cNvSpPr>
             <a:spLocks noGrp="1"/>
           </p:cNvSpPr>
@@ -12959,7 +13432,7 @@
         <p:spPr>
           <a:xfrm>
             <a:off x="729360" y="1318680"/>
-            <a:ext cx="7687800" cy="534240"/>
+            <a:ext cx="7687440" cy="533880"/>
           </a:xfrm>
           <a:prstGeom prst="rect">
             <a:avLst/>
@@ -13004,14 +13477,14 @@
       </p:sp>
       <p:sp>
         <p:nvSpPr>
-          <p:cNvPr id="203" name="Google Shape;88;p 15"/>
+          <p:cNvPr id="215" name="Google Shape;88;p 15"/>
           <p:cNvSpPr/>
           <p:nvPr/>
         </p:nvSpPr>
         <p:spPr>
           <a:xfrm>
             <a:off x="7772400" y="4816440"/>
-            <a:ext cx="1350720" cy="275400"/>
+            <a:ext cx="1350360" cy="275400"/>
           </a:xfrm>
           <a:prstGeom prst="rect">
             <a:avLst/>
@@ -13061,14 +13534,14 @@
       </p:sp>
       <p:sp>
         <p:nvSpPr>
-          <p:cNvPr id="204" name="Google Shape;88;p 16"/>
+          <p:cNvPr id="216" name="Google Shape;88;p 16"/>
           <p:cNvSpPr/>
           <p:nvPr/>
         </p:nvSpPr>
         <p:spPr>
           <a:xfrm>
             <a:off x="7772400" y="4816440"/>
-            <a:ext cx="1350720" cy="275400"/>
+            <a:ext cx="1350360" cy="275400"/>
           </a:xfrm>
           <a:prstGeom prst="rect">
             <a:avLst/>
@@ -13118,7 +13591,7 @@
       </p:sp>
       <p:pic>
         <p:nvPicPr>
-          <p:cNvPr id="205" name="" descr=""/>
+          <p:cNvPr id="217" name="" descr=""/>
           <p:cNvPicPr/>
           <p:nvPr/>
         </p:nvPicPr>
@@ -13129,7 +13602,7 @@
         <p:spPr>
           <a:xfrm>
             <a:off x="680040" y="2057400"/>
-            <a:ext cx="7091640" cy="2931840"/>
+            <a:ext cx="7091280" cy="2931480"/>
           </a:xfrm>
           <a:prstGeom prst="rect">
             <a:avLst/>
@@ -13141,7 +13614,7 @@
       </p:pic>
       <p:pic>
         <p:nvPicPr>
-          <p:cNvPr id="206" name="" descr=""/>
+          <p:cNvPr id="218" name="" descr=""/>
           <p:cNvPicPr/>
           <p:nvPr/>
         </p:nvPicPr>
@@ -13151,8 +13624,8 @@
         </p:blipFill>
         <p:spPr>
           <a:xfrm>
-            <a:off x="7363800" y="895320"/>
-            <a:ext cx="1551600" cy="1162080"/>
+            <a:off x="7560000" y="8280"/>
+            <a:ext cx="1551240" cy="1161720"/>
           </a:xfrm>
           <a:prstGeom prst="rect">
             <a:avLst/>
@@ -13194,7 +13667,7 @@
       </p:grpSpPr>
       <p:sp>
         <p:nvSpPr>
-          <p:cNvPr id="207" name="PlaceHolder 1"/>
+          <p:cNvPr id="219" name="PlaceHolder 1"/>
           <p:cNvSpPr>
             <a:spLocks noGrp="1"/>
           </p:cNvSpPr>
@@ -13205,7 +13678,7 @@
         <p:spPr>
           <a:xfrm>
             <a:off x="729360" y="1318680"/>
-            <a:ext cx="7687800" cy="534240"/>
+            <a:ext cx="7687440" cy="533880"/>
           </a:xfrm>
           <a:prstGeom prst="rect">
             <a:avLst/>
@@ -13250,14 +13723,14 @@
       </p:sp>
       <p:sp>
         <p:nvSpPr>
-          <p:cNvPr id="208" name="Google Shape;88;p 17"/>
+          <p:cNvPr id="220" name="Google Shape;88;p 17"/>
           <p:cNvSpPr/>
           <p:nvPr/>
         </p:nvSpPr>
         <p:spPr>
           <a:xfrm>
             <a:off x="7772400" y="4816440"/>
-            <a:ext cx="1350720" cy="275400"/>
+            <a:ext cx="1350360" cy="275400"/>
           </a:xfrm>
           <a:prstGeom prst="rect">
             <a:avLst/>
@@ -13307,14 +13780,14 @@
       </p:sp>
       <p:sp>
         <p:nvSpPr>
-          <p:cNvPr id="209" name="Google Shape;88;p 18"/>
+          <p:cNvPr id="221" name="Google Shape;88;p 18"/>
           <p:cNvSpPr/>
           <p:nvPr/>
         </p:nvSpPr>
         <p:spPr>
           <a:xfrm>
             <a:off x="7772400" y="4816440"/>
-            <a:ext cx="1350720" cy="275400"/>
+            <a:ext cx="1350360" cy="275400"/>
           </a:xfrm>
           <a:prstGeom prst="rect">
             <a:avLst/>
@@ -13364,7 +13837,7 @@
       </p:sp>
       <p:pic>
         <p:nvPicPr>
-          <p:cNvPr id="210" name="" descr=""/>
+          <p:cNvPr id="222" name="" descr=""/>
           <p:cNvPicPr/>
           <p:nvPr/>
         </p:nvPicPr>
@@ -13374,8 +13847,8 @@
         </p:blipFill>
         <p:spPr>
           <a:xfrm>
-            <a:off x="1099440" y="2057400"/>
-            <a:ext cx="6443640" cy="3990240"/>
+            <a:off x="234000" y="2035800"/>
+            <a:ext cx="6443280" cy="3989880"/>
           </a:xfrm>
           <a:prstGeom prst="rect">
             <a:avLst/>
@@ -13387,7 +13860,7 @@
       </p:pic>
       <p:pic>
         <p:nvPicPr>
-          <p:cNvPr id="211" name="" descr=""/>
+          <p:cNvPr id="223" name="" descr=""/>
           <p:cNvPicPr/>
           <p:nvPr/>
         </p:nvPicPr>
@@ -13397,8 +13870,8 @@
         </p:blipFill>
         <p:spPr>
           <a:xfrm>
-            <a:off x="7363800" y="895320"/>
-            <a:ext cx="1551600" cy="1162080"/>
+            <a:off x="7625520" y="8280"/>
+            <a:ext cx="1551240" cy="1161720"/>
           </a:xfrm>
           <a:prstGeom prst="rect">
             <a:avLst/>
@@ -13440,7 +13913,7 @@
       </p:grpSpPr>
       <p:sp>
         <p:nvSpPr>
-          <p:cNvPr id="212" name="PlaceHolder 1"/>
+          <p:cNvPr id="224" name="PlaceHolder 1"/>
           <p:cNvSpPr>
             <a:spLocks noGrp="1"/>
           </p:cNvSpPr>
@@ -13451,7 +13924,7 @@
         <p:spPr>
           <a:xfrm>
             <a:off x="729360" y="1318680"/>
-            <a:ext cx="7687800" cy="534240"/>
+            <a:ext cx="7687440" cy="533880"/>
           </a:xfrm>
           <a:prstGeom prst="rect">
             <a:avLst/>
@@ -13483,7 +13956,7 @@
                 <a:latin typeface="Raleway"/>
                 <a:ea typeface="Raleway"/>
               </a:rPr>
-              <a:t>Git &amp; GitHub</a:t>
+              <a:t>Creating .venv with virtualenv / venv + pip * </a:t>
             </a:r>
             <a:endParaRPr b="0" lang="en-US" sz="2600" spc="-1" strike="noStrike">
               <a:solidFill>
@@ -13496,14 +13969,14 @@
       </p:sp>
       <p:sp>
         <p:nvSpPr>
-          <p:cNvPr id="213" name="Google Shape;88;p 19"/>
+          <p:cNvPr id="225" name="Google Shape;88;p 9"/>
           <p:cNvSpPr/>
           <p:nvPr/>
         </p:nvSpPr>
         <p:spPr>
           <a:xfrm>
             <a:off x="7772400" y="4816440"/>
-            <a:ext cx="1350720" cy="275400"/>
+            <a:ext cx="1350360" cy="275400"/>
           </a:xfrm>
           <a:prstGeom prst="rect">
             <a:avLst/>
@@ -13553,14 +14026,14 @@
       </p:sp>
       <p:sp>
         <p:nvSpPr>
-          <p:cNvPr id="214" name="Google Shape;88;p 20"/>
+          <p:cNvPr id="226" name="Google Shape;88;p 10"/>
           <p:cNvSpPr/>
           <p:nvPr/>
         </p:nvSpPr>
         <p:spPr>
           <a:xfrm>
             <a:off x="7772400" y="4816440"/>
-            <a:ext cx="1350720" cy="275400"/>
+            <a:ext cx="1350360" cy="275400"/>
           </a:xfrm>
           <a:prstGeom prst="rect">
             <a:avLst/>
@@ -13610,7 +14083,7 @@
       </p:sp>
       <p:pic>
         <p:nvPicPr>
-          <p:cNvPr id="215" name="" descr=""/>
+          <p:cNvPr id="227" name="" descr=""/>
           <p:cNvPicPr/>
           <p:nvPr/>
         </p:nvPicPr>
@@ -13620,8 +14093,8 @@
         </p:blipFill>
         <p:spPr>
           <a:xfrm>
-            <a:off x="1143000" y="1853640"/>
-            <a:ext cx="6400080" cy="3598920"/>
+            <a:off x="7625520" y="8280"/>
+            <a:ext cx="1551240" cy="1161720"/>
           </a:xfrm>
           <a:prstGeom prst="rect">
             <a:avLst/>
@@ -13633,7 +14106,7 @@
       </p:pic>
       <p:pic>
         <p:nvPicPr>
-          <p:cNvPr id="216" name="" descr=""/>
+          <p:cNvPr id="228" name="" descr=""/>
           <p:cNvPicPr/>
           <p:nvPr/>
         </p:nvPicPr>
@@ -13643,8 +14116,8 @@
         </p:blipFill>
         <p:spPr>
           <a:xfrm>
-            <a:off x="7363800" y="895320"/>
-            <a:ext cx="1551600" cy="1162080"/>
+            <a:off x="912240" y="2022120"/>
+            <a:ext cx="7162560" cy="1742760"/>
           </a:xfrm>
           <a:prstGeom prst="rect">
             <a:avLst/>
@@ -13654,6 +14127,82 @@
           </a:ln>
         </p:spPr>
       </p:pic>
+      <p:pic>
+        <p:nvPicPr>
+          <p:cNvPr id="229" name="" descr=""/>
+          <p:cNvPicPr/>
+          <p:nvPr/>
+        </p:nvPicPr>
+        <p:blipFill>
+          <a:blip r:embed="rId3"/>
+          <a:stretch/>
+        </p:blipFill>
+        <p:spPr>
+          <a:xfrm>
+            <a:off x="867960" y="3964320"/>
+            <a:ext cx="7105320" cy="475920"/>
+          </a:xfrm>
+          <a:prstGeom prst="rect">
+            <a:avLst/>
+          </a:prstGeom>
+          <a:ln w="0">
+            <a:noFill/>
+          </a:ln>
+        </p:spPr>
+      </p:pic>
+      <p:sp>
+        <p:nvSpPr>
+          <p:cNvPr id="230" name=""/>
+          <p:cNvSpPr txBox="1"/>
+          <p:nvPr/>
+        </p:nvSpPr>
+        <p:spPr>
+          <a:xfrm>
+            <a:off x="843480" y="4580640"/>
+            <a:ext cx="6507360" cy="385560"/>
+          </a:xfrm>
+          <a:prstGeom prst="rect">
+            <a:avLst/>
+          </a:prstGeom>
+          <a:noFill/>
+          <a:ln w="0">
+            <a:noFill/>
+          </a:ln>
+        </p:spPr>
+        <p:txBody>
+          <a:bodyPr lIns="90000" rIns="90000" tIns="45000" bIns="45000" anchor="t">
+            <a:noAutofit/>
+          </a:bodyPr>
+          <a:p>
+            <a:r>
+              <a:rPr b="0" lang="en-US" sz="1200" spc="-1" strike="noStrike">
+                <a:solidFill>
+                  <a:srgbClr val="000000"/>
+                </a:solidFill>
+                <a:latin typeface="Arial"/>
+              </a:rPr>
+              <a:t>* =&gt; Better : </a:t>
+            </a:r>
+            <a:r>
+              <a:rPr b="1" lang="en-US" sz="1200" spc="-1" strike="noStrike" u="sng">
+                <a:solidFill>
+                  <a:srgbClr val="55308d"/>
+                </a:solidFill>
+                <a:uFillTx/>
+                <a:latin typeface="Arial"/>
+                <a:hlinkClick r:id="rId4"/>
+              </a:rPr>
+              <a:t>https://python-poetry.org</a:t>
+            </a:r>
+            <a:endParaRPr b="0" lang="en-US" sz="1200" spc="-1" strike="noStrike">
+              <a:solidFill>
+                <a:srgbClr val="000000"/>
+              </a:solidFill>
+              <a:latin typeface="Arial"/>
+            </a:endParaRPr>
+          </a:p>
+        </p:txBody>
+      </p:sp>
     </p:spTree>
   </p:cSld>
   <mc:AlternateContent>
@@ -13686,7 +14235,7 @@
       </p:grpSpPr>
       <p:sp>
         <p:nvSpPr>
-          <p:cNvPr id="217" name="PlaceHolder 1"/>
+          <p:cNvPr id="231" name="PlaceHolder 1"/>
           <p:cNvSpPr>
             <a:spLocks noGrp="1"/>
           </p:cNvSpPr>
@@ -13696,8 +14245,8 @@
         </p:nvSpPr>
         <p:spPr>
           <a:xfrm>
-            <a:off x="729360" y="1322280"/>
-            <a:ext cx="7687440" cy="1517400"/>
+            <a:off x="729360" y="1318680"/>
+            <a:ext cx="7687440" cy="533880"/>
           </a:xfrm>
           <a:prstGeom prst="rect">
             <a:avLst/>
@@ -13709,7 +14258,7 @@
         </p:spPr>
         <p:txBody>
           <a:bodyPr lIns="91440" rIns="91440" tIns="91440" bIns="91440" anchor="t">
-            <a:normAutofit/>
+            <a:normAutofit fontScale="93333"/>
           </a:bodyPr>
           <a:p>
             <a:pPr indent="0">
@@ -13722,18 +14271,132 @@
               </a:tabLst>
             </a:pPr>
             <a:r>
-              <a:rPr b="1" lang="fr" sz="3600" spc="-1" strike="noStrike">
-                <a:solidFill>
-                  <a:schemeClr val="lt1"/>
+              <a:rPr b="1" lang="fr" sz="2600" spc="-1" strike="noStrike">
+                <a:solidFill>
+                  <a:schemeClr val="dk2"/>
                 </a:solidFill>
                 <a:latin typeface="Raleway"/>
                 <a:ea typeface="Raleway"/>
               </a:rPr>
-              <a:t>Python – 101  </a:t>
-            </a:r>
-            <a:endParaRPr b="0" lang="en-US" sz="3600" spc="-1" strike="noStrike">
-              <a:solidFill>
-                <a:srgbClr val="ffffff"/>
+              <a:t>Git &amp; GitHub</a:t>
+            </a:r>
+            <a:endParaRPr b="0" lang="en-US" sz="2600" spc="-1" strike="noStrike">
+              <a:solidFill>
+                <a:srgbClr val="000000"/>
+              </a:solidFill>
+              <a:latin typeface="Arial"/>
+            </a:endParaRPr>
+          </a:p>
+        </p:txBody>
+      </p:sp>
+      <p:sp>
+        <p:nvSpPr>
+          <p:cNvPr id="232" name="Google Shape;88;p 19"/>
+          <p:cNvSpPr/>
+          <p:nvPr/>
+        </p:nvSpPr>
+        <p:spPr>
+          <a:xfrm>
+            <a:off x="7772400" y="4816440"/>
+            <a:ext cx="1350360" cy="275400"/>
+          </a:xfrm>
+          <a:prstGeom prst="rect">
+            <a:avLst/>
+          </a:prstGeom>
+          <a:noFill/>
+          <a:ln w="0">
+            <a:noFill/>
+          </a:ln>
+        </p:spPr>
+        <p:style>
+          <a:lnRef idx="0"/>
+          <a:fillRef idx="0"/>
+          <a:effectRef idx="0"/>
+          <a:fontRef idx="minor"/>
+        </p:style>
+        <p:txBody>
+          <a:bodyPr lIns="90000" rIns="90000" tIns="69120" bIns="69120" anchor="t">
+            <a:spAutoFit/>
+          </a:bodyPr>
+          <a:p>
+            <a:pPr>
+              <a:lnSpc>
+                <a:spcPct val="100000"/>
+              </a:lnSpc>
+              <a:tabLst>
+                <a:tab algn="l" pos="0"/>
+              </a:tabLst>
+            </a:pPr>
+            <a:r>
+              <a:rPr b="1" lang="fr" sz="900" spc="-1" strike="noStrike">
+                <a:solidFill>
+                  <a:srgbClr val="ffffff"/>
+                </a:solidFill>
+                <a:latin typeface="Lato"/>
+                <a:ea typeface="Lato"/>
+              </a:rPr>
+              <a:t>Alexandre Gazagnes</a:t>
+            </a:r>
+            <a:endParaRPr b="0" lang="en-US" sz="900" spc="-1" strike="noStrike">
+              <a:solidFill>
+                <a:srgbClr val="000000"/>
+              </a:solidFill>
+              <a:latin typeface="Arial"/>
+            </a:endParaRPr>
+          </a:p>
+        </p:txBody>
+      </p:sp>
+      <p:sp>
+        <p:nvSpPr>
+          <p:cNvPr id="233" name="Google Shape;88;p 20"/>
+          <p:cNvSpPr/>
+          <p:nvPr/>
+        </p:nvSpPr>
+        <p:spPr>
+          <a:xfrm>
+            <a:off x="7772400" y="4816440"/>
+            <a:ext cx="1350360" cy="275400"/>
+          </a:xfrm>
+          <a:prstGeom prst="rect">
+            <a:avLst/>
+          </a:prstGeom>
+          <a:noFill/>
+          <a:ln w="0">
+            <a:noFill/>
+          </a:ln>
+        </p:spPr>
+        <p:style>
+          <a:lnRef idx="0"/>
+          <a:fillRef idx="0"/>
+          <a:effectRef idx="0"/>
+          <a:fontRef idx="minor"/>
+        </p:style>
+        <p:txBody>
+          <a:bodyPr lIns="90000" rIns="90000" tIns="69120" bIns="69120" anchor="t">
+            <a:spAutoFit/>
+          </a:bodyPr>
+          <a:p>
+            <a:pPr>
+              <a:lnSpc>
+                <a:spcPct val="100000"/>
+              </a:lnSpc>
+              <a:tabLst>
+                <a:tab algn="l" pos="0"/>
+              </a:tabLst>
+            </a:pPr>
+            <a:r>
+              <a:rPr b="1" lang="fr" sz="900" spc="-1" strike="noStrike">
+                <a:solidFill>
+                  <a:srgbClr val="000000"/>
+                </a:solidFill>
+                <a:latin typeface="Lato"/>
+                <a:ea typeface="Lato"/>
+              </a:rPr>
+              <a:t>Alexandre Gazagnes</a:t>
+            </a:r>
+            <a:endParaRPr b="0" lang="en-US" sz="900" spc="-1" strike="noStrike">
+              <a:solidFill>
+                <a:srgbClr val="000000"/>
               </a:solidFill>
               <a:latin typeface="Arial"/>
             </a:endParaRPr>
@@ -13742,7 +14405,7 @@
       </p:sp>
       <p:pic>
         <p:nvPicPr>
-          <p:cNvPr id="218" name="" descr=""/>
+          <p:cNvPr id="234" name="" descr=""/>
           <p:cNvPicPr/>
           <p:nvPr/>
         </p:nvPicPr>
@@ -13752,8 +14415,31 @@
         </p:blipFill>
         <p:spPr>
           <a:xfrm>
-            <a:off x="7363800" y="895320"/>
-            <a:ext cx="1551600" cy="1162080"/>
+            <a:off x="1143000" y="1853640"/>
+            <a:ext cx="6399720" cy="3598560"/>
+          </a:xfrm>
+          <a:prstGeom prst="rect">
+            <a:avLst/>
+          </a:prstGeom>
+          <a:ln w="0">
+            <a:noFill/>
+          </a:ln>
+        </p:spPr>
+      </p:pic>
+      <p:pic>
+        <p:nvPicPr>
+          <p:cNvPr id="235" name="" descr=""/>
+          <p:cNvPicPr/>
+          <p:nvPr/>
+        </p:nvPicPr>
+        <p:blipFill>
+          <a:blip r:embed="rId2"/>
+          <a:stretch/>
+        </p:blipFill>
+        <p:spPr>
+          <a:xfrm>
+            <a:off x="7603560" y="-6480"/>
+            <a:ext cx="1551240" cy="1161720"/>
           </a:xfrm>
           <a:prstGeom prst="rect">
             <a:avLst/>
@@ -13795,7 +14481,7 @@
       </p:grpSpPr>
       <p:sp>
         <p:nvSpPr>
-          <p:cNvPr id="219" name="PlaceHolder 1"/>
+          <p:cNvPr id="236" name="PlaceHolder 1"/>
           <p:cNvSpPr>
             <a:spLocks noGrp="1"/>
           </p:cNvSpPr>
@@ -13805,8 +14491,8 @@
         </p:nvSpPr>
         <p:spPr>
           <a:xfrm>
-            <a:off x="729360" y="864360"/>
-            <a:ext cx="7020000" cy="2984040"/>
+            <a:off x="729360" y="1322280"/>
+            <a:ext cx="7687080" cy="1517040"/>
           </a:xfrm>
           <a:prstGeom prst="rect">
             <a:avLst/>
@@ -13817,7 +14503,7 @@
           </a:ln>
         </p:spPr>
         <p:txBody>
-          <a:bodyPr lIns="91440" rIns="91440" tIns="91440" bIns="91440" anchor="ctr">
+          <a:bodyPr lIns="91440" rIns="91440" tIns="91440" bIns="91440" anchor="t">
             <a:normAutofit/>
           </a:bodyPr>
           <a:p>
@@ -13838,11 +14524,11 @@
                 <a:latin typeface="Raleway"/>
                 <a:ea typeface="Raleway"/>
               </a:rPr>
-              <a:t>Practice !</a:t>
+              <a:t>Python &amp; Strings – 101  </a:t>
             </a:r>
             <a:endParaRPr b="0" lang="en-US" sz="3600" spc="-1" strike="noStrike">
               <a:solidFill>
-                <a:srgbClr val="000000"/>
+                <a:srgbClr val="ffffff"/>
               </a:solidFill>
               <a:latin typeface="Arial"/>
             </a:endParaRPr>
@@ -13851,7 +14537,7 @@
       </p:sp>
       <p:pic>
         <p:nvPicPr>
-          <p:cNvPr id="220" name="" descr=""/>
+          <p:cNvPr id="237" name="" descr=""/>
           <p:cNvPicPr/>
           <p:nvPr/>
         </p:nvPicPr>
@@ -13861,8 +14547,8 @@
         </p:blipFill>
         <p:spPr>
           <a:xfrm>
-            <a:off x="7363800" y="895320"/>
-            <a:ext cx="1551600" cy="1162080"/>
+            <a:off x="7618320" y="-13680"/>
+            <a:ext cx="1551240" cy="1161720"/>
           </a:xfrm>
           <a:prstGeom prst="rect">
             <a:avLst/>
@@ -13904,116 +14590,7 @@
       </p:grpSpPr>
       <p:sp>
         <p:nvSpPr>
-          <p:cNvPr id="221" name="PlaceHolder 1"/>
-          <p:cNvSpPr>
-            <a:spLocks noGrp="1"/>
-          </p:cNvSpPr>
-          <p:nvPr>
-            <p:ph type="title"/>
-          </p:nvPr>
-        </p:nvSpPr>
-        <p:spPr>
-          <a:xfrm>
-            <a:off x="729360" y="1322280"/>
-            <a:ext cx="7687440" cy="1517400"/>
-          </a:xfrm>
-          <a:prstGeom prst="rect">
-            <a:avLst/>
-          </a:prstGeom>
-          <a:noFill/>
-          <a:ln w="0">
-            <a:noFill/>
-          </a:ln>
-        </p:spPr>
-        <p:txBody>
-          <a:bodyPr lIns="91440" rIns="91440" tIns="91440" bIns="91440" anchor="t">
-            <a:normAutofit/>
-          </a:bodyPr>
-          <a:p>
-            <a:pPr indent="0">
-              <a:lnSpc>
-                <a:spcPct val="100000"/>
-              </a:lnSpc>
-              <a:buNone/>
-              <a:tabLst>
-                <a:tab algn="l" pos="0"/>
-              </a:tabLst>
-            </a:pPr>
-            <a:r>
-              <a:rPr b="1" lang="fr" sz="3600" spc="-1" strike="noStrike">
-                <a:solidFill>
-                  <a:schemeClr val="lt1"/>
-                </a:solidFill>
-                <a:latin typeface="Raleway"/>
-                <a:ea typeface="Raleway"/>
-              </a:rPr>
-              <a:t>ML - 101</a:t>
-            </a:r>
-            <a:endParaRPr b="0" lang="en-US" sz="3600" spc="-1" strike="noStrike">
-              <a:solidFill>
-                <a:srgbClr val="ffffff"/>
-              </a:solidFill>
-              <a:latin typeface="Arial"/>
-            </a:endParaRPr>
-          </a:p>
-        </p:txBody>
-      </p:sp>
-      <p:pic>
-        <p:nvPicPr>
-          <p:cNvPr id="222" name="" descr=""/>
-          <p:cNvPicPr/>
-          <p:nvPr/>
-        </p:nvPicPr>
-        <p:blipFill>
-          <a:blip r:embed="rId1"/>
-          <a:stretch/>
-        </p:blipFill>
-        <p:spPr>
-          <a:xfrm>
-            <a:off x="7591680" y="0"/>
-            <a:ext cx="1551600" cy="1162080"/>
-          </a:xfrm>
-          <a:prstGeom prst="rect">
-            <a:avLst/>
-          </a:prstGeom>
-          <a:ln w="0">
-            <a:noFill/>
-          </a:ln>
-        </p:spPr>
-      </p:pic>
-    </p:spTree>
-  </p:cSld>
-  <mc:AlternateContent>
-    <mc:Choice Requires="p14">
-      <p:transition spd="slow" p14:dur="2000"/>
-    </mc:Choice>
-    <mc:Fallback>
-      <p:transition spd="slow"/>
-    </mc:Fallback>
-  </mc:AlternateContent>
-</p:sld>
-</file>
-
-<file path=ppt/slides/slide17.xml><?xml version="1.0" encoding="utf-8"?>
-<p:sld xmlns:a="http://schemas.openxmlformats.org/drawingml/2006/main" xmlns:p="http://schemas.openxmlformats.org/presentationml/2006/main" xmlns:r="http://schemas.openxmlformats.org/officeDocument/2006/relationships" xmlns:p14="http://schemas.microsoft.com/office/powerpoint/2010/main" xmlns:p15="http://schemas.microsoft.com/office/powerpoint/2012/main" xmlns:mc="http://schemas.openxmlformats.org/markup-compatibility/2006">
-  <p:cSld>
-    <p:spTree>
-      <p:nvGrpSpPr>
-        <p:cNvPr id="1" name=""/>
-        <p:cNvGrpSpPr/>
-        <p:nvPr/>
-      </p:nvGrpSpPr>
-      <p:grpSpPr>
-        <a:xfrm>
-          <a:off x="0" y="0"/>
-          <a:ext cx="0" cy="0"/>
-          <a:chOff x="0" y="0"/>
-          <a:chExt cx="0" cy="0"/>
-        </a:xfrm>
-      </p:grpSpPr>
-      <p:sp>
-        <p:nvSpPr>
-          <p:cNvPr id="223" name="PlaceHolder 1"/>
+          <p:cNvPr id="238" name="PlaceHolder 1"/>
           <p:cNvSpPr>
             <a:spLocks noGrp="1"/>
           </p:cNvSpPr>
@@ -14024,7 +14601,7 @@
         <p:spPr>
           <a:xfrm>
             <a:off x="729360" y="864360"/>
-            <a:ext cx="7020000" cy="2984040"/>
+            <a:ext cx="7019640" cy="2983680"/>
           </a:xfrm>
           <a:prstGeom prst="rect">
             <a:avLst/>
@@ -14069,7 +14646,7 @@
       </p:sp>
       <p:pic>
         <p:nvPicPr>
-          <p:cNvPr id="224" name="" descr=""/>
+          <p:cNvPr id="239" name="" descr=""/>
           <p:cNvPicPr/>
           <p:nvPr/>
         </p:nvPicPr>
@@ -14079,8 +14656,8 @@
         </p:blipFill>
         <p:spPr>
           <a:xfrm>
-            <a:off x="7591680" y="0"/>
-            <a:ext cx="1551600" cy="1162080"/>
+            <a:off x="7661880" y="8280"/>
+            <a:ext cx="1551240" cy="1161720"/>
           </a:xfrm>
           <a:prstGeom prst="rect">
             <a:avLst/>
@@ -14122,7 +14699,7 @@
       </p:grpSpPr>
       <p:sp>
         <p:nvSpPr>
-          <p:cNvPr id="161" name="PlaceHolder 1"/>
+          <p:cNvPr id="173" name="PlaceHolder 1"/>
           <p:cNvSpPr>
             <a:spLocks noGrp="1"/>
           </p:cNvSpPr>
@@ -14133,7 +14710,7 @@
         <p:spPr>
           <a:xfrm>
             <a:off x="729360" y="1354680"/>
-            <a:ext cx="7687800" cy="534240"/>
+            <a:ext cx="7687440" cy="533880"/>
           </a:xfrm>
           <a:prstGeom prst="rect">
             <a:avLst/>
@@ -14178,7 +14755,7 @@
       </p:sp>
       <p:sp>
         <p:nvSpPr>
-          <p:cNvPr id="162" name="PlaceHolder 2"/>
+          <p:cNvPr id="174" name="PlaceHolder 2"/>
           <p:cNvSpPr>
             <a:spLocks noGrp="1"/>
           </p:cNvSpPr>
@@ -14189,7 +14766,7 @@
         <p:spPr>
           <a:xfrm>
             <a:off x="729360" y="1828800"/>
-            <a:ext cx="7687800" cy="2971080"/>
+            <a:ext cx="7687440" cy="2970720"/>
           </a:xfrm>
           <a:prstGeom prst="rect">
             <a:avLst/>
@@ -14318,7 +14895,7 @@
                 <a:latin typeface="Lato"/>
                 <a:ea typeface="Lato"/>
               </a:rPr>
-              <a:t>Python 101 – A very small remainder </a:t>
+              <a:t>Python  &amp; Strings 101 – A very small remainder </a:t>
             </a:r>
             <a:endParaRPr b="0" lang="en-US" sz="1300" spc="-1" strike="noStrike">
               <a:solidFill>
@@ -14495,39 +15072,16 @@
           </a:p>
         </p:txBody>
       </p:sp>
-      <p:pic>
-        <p:nvPicPr>
-          <p:cNvPr id="163" name="" descr=""/>
-          <p:cNvPicPr/>
-          <p:nvPr/>
-        </p:nvPicPr>
-        <p:blipFill>
-          <a:blip r:embed="rId1"/>
-          <a:stretch/>
-        </p:blipFill>
-        <p:spPr>
-          <a:xfrm>
-            <a:off x="7591680" y="0"/>
-            <a:ext cx="1551600" cy="1162080"/>
-          </a:xfrm>
-          <a:prstGeom prst="rect">
-            <a:avLst/>
-          </a:prstGeom>
-          <a:ln w="0">
-            <a:noFill/>
-          </a:ln>
-        </p:spPr>
-      </p:pic>
       <p:sp>
         <p:nvSpPr>
-          <p:cNvPr id="164" name="Google Shape;88;p 1"/>
+          <p:cNvPr id="175" name="Google Shape;88;p 1"/>
           <p:cNvSpPr/>
           <p:nvPr/>
         </p:nvSpPr>
         <p:spPr>
           <a:xfrm>
             <a:off x="7772400" y="4816440"/>
-            <a:ext cx="1350720" cy="275400"/>
+            <a:ext cx="1350360" cy="275400"/>
           </a:xfrm>
           <a:prstGeom prst="rect">
             <a:avLst/>
@@ -14577,14 +15131,14 @@
       </p:sp>
       <p:sp>
         <p:nvSpPr>
-          <p:cNvPr id="165" name="Google Shape;88;p 2"/>
+          <p:cNvPr id="176" name="Google Shape;88;p 2"/>
           <p:cNvSpPr/>
           <p:nvPr/>
         </p:nvSpPr>
         <p:spPr>
           <a:xfrm>
             <a:off x="7772400" y="4816440"/>
-            <a:ext cx="1350720" cy="275400"/>
+            <a:ext cx="1350360" cy="275400"/>
           </a:xfrm>
           <a:prstGeom prst="rect">
             <a:avLst/>
@@ -14634,18 +15188,18 @@
       </p:sp>
       <p:pic>
         <p:nvPicPr>
-          <p:cNvPr id="166" name="" descr=""/>
+          <p:cNvPr id="177" name="" descr=""/>
           <p:cNvPicPr/>
           <p:nvPr/>
         </p:nvPicPr>
         <p:blipFill>
-          <a:blip r:embed="rId2"/>
+          <a:blip r:embed="rId1"/>
           <a:stretch/>
         </p:blipFill>
         <p:spPr>
           <a:xfrm>
-            <a:off x="7363800" y="895320"/>
-            <a:ext cx="1551600" cy="1162080"/>
+            <a:off x="7603560" y="22680"/>
+            <a:ext cx="1551240" cy="1161720"/>
           </a:xfrm>
           <a:prstGeom prst="rect">
             <a:avLst/>
@@ -14687,7 +15241,7 @@
       </p:grpSpPr>
       <p:sp>
         <p:nvSpPr>
-          <p:cNvPr id="167" name="PlaceHolder 1"/>
+          <p:cNvPr id="178" name="PlaceHolder 1"/>
           <p:cNvSpPr>
             <a:spLocks noGrp="1"/>
           </p:cNvSpPr>
@@ -14698,7 +15252,7 @@
         <p:spPr>
           <a:xfrm>
             <a:off x="729360" y="1322280"/>
-            <a:ext cx="7687440" cy="1517400"/>
+            <a:ext cx="7687080" cy="1517040"/>
           </a:xfrm>
           <a:prstGeom prst="rect">
             <a:avLst/>
@@ -14743,14 +15297,14 @@
       </p:sp>
       <p:sp>
         <p:nvSpPr>
-          <p:cNvPr id="168" name="Google Shape;88;p 21"/>
+          <p:cNvPr id="179" name="Google Shape;88;p 21"/>
           <p:cNvSpPr/>
           <p:nvPr/>
         </p:nvSpPr>
         <p:spPr>
           <a:xfrm>
             <a:off x="7772400" y="4816440"/>
-            <a:ext cx="1350720" cy="275400"/>
+            <a:ext cx="1350360" cy="275400"/>
           </a:xfrm>
           <a:prstGeom prst="rect">
             <a:avLst/>
@@ -14800,7 +15354,7 @@
       </p:sp>
       <p:pic>
         <p:nvPicPr>
-          <p:cNvPr id="169" name="" descr=""/>
+          <p:cNvPr id="180" name="" descr=""/>
           <p:cNvPicPr/>
           <p:nvPr/>
         </p:nvPicPr>
@@ -14810,8 +15364,8 @@
         </p:blipFill>
         <p:spPr>
           <a:xfrm>
-            <a:off x="7363800" y="895320"/>
-            <a:ext cx="1551600" cy="1162080"/>
+            <a:off x="7589160" y="1080"/>
+            <a:ext cx="1551240" cy="1161720"/>
           </a:xfrm>
           <a:prstGeom prst="rect">
             <a:avLst/>
@@ -14853,7 +15407,7 @@
       </p:grpSpPr>
       <p:sp>
         <p:nvSpPr>
-          <p:cNvPr id="170" name="PlaceHolder 1"/>
+          <p:cNvPr id="181" name="PlaceHolder 1"/>
           <p:cNvSpPr>
             <a:spLocks noGrp="1"/>
           </p:cNvSpPr>
@@ -14864,7 +15418,7 @@
         <p:spPr>
           <a:xfrm>
             <a:off x="729360" y="1318680"/>
-            <a:ext cx="7687800" cy="534240"/>
+            <a:ext cx="7687440" cy="533880"/>
           </a:xfrm>
           <a:prstGeom prst="rect">
             <a:avLst/>
@@ -14909,14 +15463,14 @@
       </p:sp>
       <p:sp>
         <p:nvSpPr>
-          <p:cNvPr id="171" name=""/>
+          <p:cNvPr id="182" name=""/>
           <p:cNvSpPr/>
           <p:nvPr/>
         </p:nvSpPr>
         <p:spPr>
           <a:xfrm>
             <a:off x="5029200" y="2743200"/>
-            <a:ext cx="180000" cy="345600"/>
+            <a:ext cx="179640" cy="345240"/>
           </a:xfrm>
           <a:prstGeom prst="rect">
             <a:avLst/>
@@ -14954,14 +15508,14 @@
       </p:sp>
       <p:sp>
         <p:nvSpPr>
-          <p:cNvPr id="172" name="Google Shape;88;p 22"/>
+          <p:cNvPr id="183" name="Google Shape;88;p 22"/>
           <p:cNvSpPr/>
           <p:nvPr/>
         </p:nvSpPr>
         <p:spPr>
           <a:xfrm>
             <a:off x="7772400" y="4816440"/>
-            <a:ext cx="1350720" cy="275400"/>
+            <a:ext cx="1350360" cy="275400"/>
           </a:xfrm>
           <a:prstGeom prst="rect">
             <a:avLst/>
@@ -15011,7 +15565,7 @@
       </p:sp>
       <p:pic>
         <p:nvPicPr>
-          <p:cNvPr id="173" name="" descr=""/>
+          <p:cNvPr id="184" name="" descr=""/>
           <p:cNvPicPr/>
           <p:nvPr/>
         </p:nvPicPr>
@@ -15021,8 +15575,8 @@
         </p:blipFill>
         <p:spPr>
           <a:xfrm>
-            <a:off x="7363800" y="895320"/>
-            <a:ext cx="1551600" cy="1162080"/>
+            <a:off x="7596720" y="1080"/>
+            <a:ext cx="1551240" cy="1161720"/>
           </a:xfrm>
           <a:prstGeom prst="rect">
             <a:avLst/>
@@ -15064,7 +15618,7 @@
       </p:grpSpPr>
       <p:sp>
         <p:nvSpPr>
-          <p:cNvPr id="174" name="PlaceHolder 1"/>
+          <p:cNvPr id="185" name="PlaceHolder 1"/>
           <p:cNvSpPr>
             <a:spLocks noGrp="1"/>
           </p:cNvSpPr>
@@ -15075,7 +15629,7 @@
         <p:spPr>
           <a:xfrm>
             <a:off x="729360" y="1318680"/>
-            <a:ext cx="7687800" cy="534240"/>
+            <a:ext cx="7687440" cy="533880"/>
           </a:xfrm>
           <a:prstGeom prst="rect">
             <a:avLst/>
@@ -15107,7 +15661,7 @@
                 <a:latin typeface="Raleway"/>
                 <a:ea typeface="Raleway"/>
               </a:rPr>
-              <a:t>About Tech. Knowledge</a:t>
+              <a:t>Any Business ideas, techs projects to bring in ? </a:t>
             </a:r>
             <a:endParaRPr b="0" lang="en-US" sz="2600" spc="-1" strike="noStrike">
               <a:solidFill>
@@ -15120,7 +15674,7 @@
       </p:sp>
       <p:sp>
         <p:nvSpPr>
-          <p:cNvPr id="175" name="PlaceHolder 2"/>
+          <p:cNvPr id="186" name="PlaceHolder 2"/>
           <p:cNvSpPr>
             <a:spLocks noGrp="1"/>
           </p:cNvSpPr>
@@ -15131,7 +15685,7 @@
         <p:spPr>
           <a:xfrm>
             <a:off x="729360" y="1828800"/>
-            <a:ext cx="7687800" cy="2971080"/>
+            <a:ext cx="7687440" cy="2970720"/>
           </a:xfrm>
           <a:prstGeom prst="rect">
             <a:avLst/>
@@ -15143,7 +15697,7 @@
         </p:spPr>
         <p:txBody>
           <a:bodyPr lIns="91440" rIns="91440" tIns="91440" bIns="91440" anchor="t">
-            <a:normAutofit fontScale="68333"/>
+            <a:normAutofit/>
           </a:bodyPr>
           <a:p>
             <a:pPr marL="457200" indent="-311040">
@@ -15165,16 +15719,16 @@
             <a:r>
               <a:rPr b="0" lang="fr" sz="1300" spc="-1" strike="noStrike">
                 <a:solidFill>
-                  <a:srgbClr val="333333"/>
+                  <a:srgbClr val="666666"/>
                 </a:solidFill>
                 <a:latin typeface="Lato"/>
                 <a:ea typeface="Lato"/>
               </a:rPr>
-              <a:t>AI </a:t>
+              <a:t>Achille &amp; Felic =&gt; Chat Bot </a:t>
             </a:r>
             <a:endParaRPr b="0" lang="en-US" sz="1300" spc="-1" strike="noStrike">
               <a:solidFill>
-                <a:srgbClr val="000000"/>
+                <a:srgbClr val="666666"/>
               </a:solidFill>
               <a:latin typeface="Arial"/>
             </a:endParaRPr>
@@ -15199,16 +15753,16 @@
             <a:r>
               <a:rPr b="0" lang="fr" sz="1300" spc="-1" strike="noStrike">
                 <a:solidFill>
-                  <a:srgbClr val="333333"/>
+                  <a:srgbClr val="666666"/>
                 </a:solidFill>
                 <a:latin typeface="Lato"/>
                 <a:ea typeface="Lato"/>
               </a:rPr>
-              <a:t>Machine Learning </a:t>
+              <a:t>Kewin =&gt; trading bot using Twitter</a:t>
             </a:r>
             <a:endParaRPr b="0" lang="en-US" sz="1300" spc="-1" strike="noStrike">
               <a:solidFill>
-                <a:srgbClr val="000000"/>
+                <a:srgbClr val="666666"/>
               </a:solidFill>
               <a:latin typeface="Arial"/>
             </a:endParaRPr>
@@ -15233,16 +15787,16 @@
             <a:r>
               <a:rPr b="0" lang="fr" sz="1300" spc="-1" strike="noStrike">
                 <a:solidFill>
-                  <a:srgbClr val="333333"/>
+                  <a:srgbClr val="666666"/>
                 </a:solidFill>
                 <a:latin typeface="Lato"/>
                 <a:ea typeface="Lato"/>
               </a:rPr>
-              <a:t>Data Science</a:t>
+              <a:t>=&gt;We need to find a new project</a:t>
             </a:r>
             <a:endParaRPr b="0" lang="en-US" sz="1300" spc="-1" strike="noStrike">
               <a:solidFill>
-                <a:srgbClr val="000000"/>
+                <a:srgbClr val="666666"/>
               </a:solidFill>
               <a:latin typeface="Arial"/>
             </a:endParaRPr>
@@ -15267,16 +15821,16 @@
             <a:r>
               <a:rPr b="0" lang="fr" sz="1300" spc="-1" strike="noStrike">
                 <a:solidFill>
-                  <a:srgbClr val="333333"/>
+                  <a:srgbClr val="666666"/>
                 </a:solidFill>
                 <a:latin typeface="Lato"/>
                 <a:ea typeface="Lato"/>
               </a:rPr>
-              <a:t>Deep learning</a:t>
+              <a:t>=&gt;We need to find a new project</a:t>
             </a:r>
             <a:endParaRPr b="0" lang="en-US" sz="1300" spc="-1" strike="noStrike">
               <a:solidFill>
-                <a:srgbClr val="000000"/>
+                <a:srgbClr val="666666"/>
               </a:solidFill>
               <a:latin typeface="Arial"/>
             </a:endParaRPr>
@@ -15301,254 +15855,16 @@
             <a:r>
               <a:rPr b="0" lang="fr" sz="1300" spc="-1" strike="noStrike">
                 <a:solidFill>
-                  <a:srgbClr val="333333"/>
+                  <a:srgbClr val="666666"/>
                 </a:solidFill>
                 <a:latin typeface="Lato"/>
                 <a:ea typeface="Lato"/>
               </a:rPr>
-              <a:t>NLP</a:t>
+              <a:t>=&gt;We need to find a new project</a:t>
             </a:r>
             <a:endParaRPr b="0" lang="en-US" sz="1300" spc="-1" strike="noStrike">
               <a:solidFill>
-                <a:srgbClr val="000000"/>
-              </a:solidFill>
-              <a:latin typeface="Arial"/>
-            </a:endParaRPr>
-          </a:p>
-          <a:p>
-            <a:pPr marL="457200" indent="-311040">
-              <a:lnSpc>
-                <a:spcPct val="115000"/>
-              </a:lnSpc>
-              <a:spcBef>
-                <a:spcPts val="283"/>
-              </a:spcBef>
-              <a:spcAft>
-                <a:spcPts val="283"/>
-              </a:spcAft>
-              <a:buClr>
-                <a:srgbClr val="595959"/>
-              </a:buClr>
-              <a:buFont typeface="Lato"/>
-              <a:buAutoNum type="arabicPeriod"/>
-            </a:pPr>
-            <a:r>
-              <a:rPr b="0" lang="fr" sz="1300" spc="-1" strike="noStrike">
-                <a:solidFill>
-                  <a:srgbClr val="333333"/>
-                </a:solidFill>
-                <a:latin typeface="Lato"/>
-                <a:ea typeface="Lato"/>
-              </a:rPr>
-              <a:t>GPT</a:t>
-            </a:r>
-            <a:endParaRPr b="0" lang="en-US" sz="1300" spc="-1" strike="noStrike">
-              <a:solidFill>
-                <a:srgbClr val="000000"/>
-              </a:solidFill>
-              <a:latin typeface="Arial"/>
-            </a:endParaRPr>
-          </a:p>
-          <a:p>
-            <a:pPr marL="457200" indent="-311040">
-              <a:lnSpc>
-                <a:spcPct val="115000"/>
-              </a:lnSpc>
-              <a:spcBef>
-                <a:spcPts val="283"/>
-              </a:spcBef>
-              <a:spcAft>
-                <a:spcPts val="283"/>
-              </a:spcAft>
-              <a:buClr>
-                <a:srgbClr val="595959"/>
-              </a:buClr>
-              <a:buFont typeface="Lato"/>
-              <a:buAutoNum type="arabicPeriod"/>
-            </a:pPr>
-            <a:r>
-              <a:rPr b="0" lang="fr" sz="1300" spc="-1" strike="noStrike">
-                <a:solidFill>
-                  <a:srgbClr val="333333"/>
-                </a:solidFill>
-                <a:latin typeface="Lato"/>
-                <a:ea typeface="Lato"/>
-              </a:rPr>
-              <a:t>Robotics</a:t>
-            </a:r>
-            <a:endParaRPr b="0" lang="en-US" sz="1300" spc="-1" strike="noStrike">
-              <a:solidFill>
-                <a:srgbClr val="000000"/>
-              </a:solidFill>
-              <a:latin typeface="Arial"/>
-            </a:endParaRPr>
-          </a:p>
-          <a:p>
-            <a:pPr marL="457200" indent="-311040">
-              <a:lnSpc>
-                <a:spcPct val="115000"/>
-              </a:lnSpc>
-              <a:spcBef>
-                <a:spcPts val="283"/>
-              </a:spcBef>
-              <a:spcAft>
-                <a:spcPts val="283"/>
-              </a:spcAft>
-              <a:buClr>
-                <a:srgbClr val="595959"/>
-              </a:buClr>
-              <a:buFont typeface="Lato"/>
-              <a:buAutoNum type="arabicPeriod"/>
-            </a:pPr>
-            <a:r>
-              <a:rPr b="0" lang="fr" sz="1300" spc="-1" strike="noStrike">
-                <a:solidFill>
-                  <a:srgbClr val="333333"/>
-                </a:solidFill>
-                <a:latin typeface="Lato"/>
-                <a:ea typeface="Lato"/>
-              </a:rPr>
-              <a:t>Supervized</a:t>
-            </a:r>
-            <a:endParaRPr b="0" lang="en-US" sz="1300" spc="-1" strike="noStrike">
-              <a:solidFill>
-                <a:srgbClr val="000000"/>
-              </a:solidFill>
-              <a:latin typeface="Arial"/>
-            </a:endParaRPr>
-          </a:p>
-          <a:p>
-            <a:pPr marL="457200" indent="-311040">
-              <a:lnSpc>
-                <a:spcPct val="115000"/>
-              </a:lnSpc>
-              <a:spcBef>
-                <a:spcPts val="283"/>
-              </a:spcBef>
-              <a:spcAft>
-                <a:spcPts val="283"/>
-              </a:spcAft>
-              <a:buClr>
-                <a:srgbClr val="595959"/>
-              </a:buClr>
-              <a:buFont typeface="Lato"/>
-              <a:buAutoNum type="arabicPeriod"/>
-            </a:pPr>
-            <a:r>
-              <a:rPr b="0" lang="fr" sz="1300" spc="-1" strike="noStrike">
-                <a:solidFill>
-                  <a:srgbClr val="333333"/>
-                </a:solidFill>
-                <a:latin typeface="Lato"/>
-                <a:ea typeface="Lato"/>
-              </a:rPr>
-              <a:t>Reinforcement Learning</a:t>
-            </a:r>
-            <a:endParaRPr b="0" lang="en-US" sz="1300" spc="-1" strike="noStrike">
-              <a:solidFill>
-                <a:srgbClr val="000000"/>
-              </a:solidFill>
-              <a:latin typeface="Arial"/>
-            </a:endParaRPr>
-          </a:p>
-          <a:p>
-            <a:pPr marL="457200" indent="-311040">
-              <a:lnSpc>
-                <a:spcPct val="115000"/>
-              </a:lnSpc>
-              <a:spcBef>
-                <a:spcPts val="283"/>
-              </a:spcBef>
-              <a:spcAft>
-                <a:spcPts val="283"/>
-              </a:spcAft>
-              <a:buClr>
-                <a:srgbClr val="595959"/>
-              </a:buClr>
-              <a:buFont typeface="Lato"/>
-              <a:buAutoNum type="arabicPeriod"/>
-            </a:pPr>
-            <a:r>
-              <a:rPr b="0" lang="fr" sz="1300" spc="-1" strike="noStrike">
-                <a:solidFill>
-                  <a:srgbClr val="333333"/>
-                </a:solidFill>
-                <a:latin typeface="Lato"/>
-                <a:ea typeface="Lato"/>
-              </a:rPr>
-              <a:t>Skynet</a:t>
-            </a:r>
-            <a:endParaRPr b="0" lang="en-US" sz="1300" spc="-1" strike="noStrike">
-              <a:solidFill>
-                <a:srgbClr val="000000"/>
-              </a:solidFill>
-              <a:latin typeface="Arial"/>
-            </a:endParaRPr>
-          </a:p>
-          <a:p>
-            <a:pPr marL="457200" indent="-311040">
-              <a:lnSpc>
-                <a:spcPct val="115000"/>
-              </a:lnSpc>
-              <a:spcBef>
-                <a:spcPts val="283"/>
-              </a:spcBef>
-              <a:spcAft>
-                <a:spcPts val="283"/>
-              </a:spcAft>
-              <a:buClr>
-                <a:srgbClr val="595959"/>
-              </a:buClr>
-              <a:buFont typeface="Lato"/>
-              <a:buAutoNum type="arabicPeriod"/>
-            </a:pPr>
-            <a:r>
-              <a:rPr b="0" lang="fr" sz="1300" spc="-1" strike="noStrike">
-                <a:solidFill>
-                  <a:srgbClr val="333333"/>
-                </a:solidFill>
-                <a:latin typeface="Lato"/>
-                <a:ea typeface="Lato"/>
-              </a:rPr>
-              <a:t>Alphago</a:t>
-            </a:r>
-            <a:endParaRPr b="0" lang="en-US" sz="1300" spc="-1" strike="noStrike">
-              <a:solidFill>
-                <a:srgbClr val="000000"/>
-              </a:solidFill>
-              <a:latin typeface="Arial"/>
-            </a:endParaRPr>
-          </a:p>
-          <a:p>
-            <a:pPr marL="457200" indent="-311040">
-              <a:lnSpc>
-                <a:spcPct val="115000"/>
-              </a:lnSpc>
-              <a:spcBef>
-                <a:spcPts val="283"/>
-              </a:spcBef>
-              <a:spcAft>
-                <a:spcPts val="283"/>
-              </a:spcAft>
-              <a:buClr>
-                <a:srgbClr val="595959"/>
-              </a:buClr>
-              <a:buFont typeface="Lato"/>
-              <a:buAutoNum type="arabicPeriod"/>
-            </a:pPr>
-            <a:r>
-              <a:rPr b="0" lang="fr" sz="1300" spc="-1" strike="noStrike">
-                <a:solidFill>
-                  <a:srgbClr val="333333"/>
-                </a:solidFill>
-                <a:latin typeface="Lato"/>
-                <a:ea typeface="Lato"/>
-              </a:rPr>
-              <a:t>Deep Blue</a:t>
-            </a:r>
-            <a:endParaRPr b="0" lang="en-US" sz="1300" spc="-1" strike="noStrike">
-              <a:solidFill>
-                <a:srgbClr val="000000"/>
+                <a:srgbClr val="666666"/>
               </a:solidFill>
               <a:latin typeface="Arial"/>
             </a:endParaRPr>
@@ -15557,14 +15873,14 @@
       </p:sp>
       <p:sp>
         <p:nvSpPr>
-          <p:cNvPr id="176" name="Google Shape;88;p 3"/>
+          <p:cNvPr id="187" name="Google Shape;88;p 5"/>
           <p:cNvSpPr/>
           <p:nvPr/>
         </p:nvSpPr>
         <p:spPr>
           <a:xfrm>
             <a:off x="7772400" y="4816440"/>
-            <a:ext cx="1350720" cy="275400"/>
+            <a:ext cx="1350360" cy="275400"/>
           </a:xfrm>
           <a:prstGeom prst="rect">
             <a:avLst/>
@@ -15614,14 +15930,14 @@
       </p:sp>
       <p:sp>
         <p:nvSpPr>
-          <p:cNvPr id="177" name="Google Shape;88;p 4"/>
+          <p:cNvPr id="188" name="Google Shape;88;p 6"/>
           <p:cNvSpPr/>
           <p:nvPr/>
         </p:nvSpPr>
         <p:spPr>
           <a:xfrm>
             <a:off x="7772400" y="4816440"/>
-            <a:ext cx="1350720" cy="275400"/>
+            <a:ext cx="1350360" cy="275400"/>
           </a:xfrm>
           <a:prstGeom prst="rect">
             <a:avLst/>
@@ -15669,66 +15985,9 @@
           </a:p>
         </p:txBody>
       </p:sp>
-      <p:sp>
-        <p:nvSpPr>
-          <p:cNvPr id="178" name="Google Shape;88;p 23"/>
-          <p:cNvSpPr/>
-          <p:nvPr/>
-        </p:nvSpPr>
-        <p:spPr>
-          <a:xfrm>
-            <a:off x="7772400" y="4816440"/>
-            <a:ext cx="1350720" cy="275400"/>
-          </a:xfrm>
-          <a:prstGeom prst="rect">
-            <a:avLst/>
-          </a:prstGeom>
-          <a:noFill/>
-          <a:ln w="0">
-            <a:noFill/>
-          </a:ln>
-        </p:spPr>
-        <p:style>
-          <a:lnRef idx="0"/>
-          <a:fillRef idx="0"/>
-          <a:effectRef idx="0"/>
-          <a:fontRef idx="minor"/>
-        </p:style>
-        <p:txBody>
-          <a:bodyPr lIns="90000" rIns="90000" tIns="69120" bIns="69120" anchor="t">
-            <a:spAutoFit/>
-          </a:bodyPr>
-          <a:p>
-            <a:pPr>
-              <a:lnSpc>
-                <a:spcPct val="100000"/>
-              </a:lnSpc>
-              <a:tabLst>
-                <a:tab algn="l" pos="0"/>
-              </a:tabLst>
-            </a:pPr>
-            <a:r>
-              <a:rPr b="1" lang="fr" sz="900" spc="-1" strike="noStrike">
-                <a:solidFill>
-                  <a:srgbClr val="000000"/>
-                </a:solidFill>
-                <a:latin typeface="Lato"/>
-                <a:ea typeface="Lato"/>
-              </a:rPr>
-              <a:t>Alexandre Gazagnes</a:t>
-            </a:r>
-            <a:endParaRPr b="0" lang="en-US" sz="900" spc="-1" strike="noStrike">
-              <a:solidFill>
-                <a:srgbClr val="000000"/>
-              </a:solidFill>
-              <a:latin typeface="Arial"/>
-            </a:endParaRPr>
-          </a:p>
-        </p:txBody>
-      </p:sp>
       <p:pic>
         <p:nvPicPr>
-          <p:cNvPr id="179" name="" descr=""/>
+          <p:cNvPr id="189" name="" descr=""/>
           <p:cNvPicPr/>
           <p:nvPr/>
         </p:nvPicPr>
@@ -15738,8 +15997,8 @@
         </p:blipFill>
         <p:spPr>
           <a:xfrm>
-            <a:off x="7363800" y="895320"/>
-            <a:ext cx="1551600" cy="1162080"/>
+            <a:off x="7597080" y="1440"/>
+            <a:ext cx="1551240" cy="1161720"/>
           </a:xfrm>
           <a:prstGeom prst="rect">
             <a:avLst/>
@@ -15781,7 +16040,7 @@
       </p:grpSpPr>
       <p:sp>
         <p:nvSpPr>
-          <p:cNvPr id="180" name="PlaceHolder 1"/>
+          <p:cNvPr id="190" name="PlaceHolder 1"/>
           <p:cNvSpPr>
             <a:spLocks noGrp="1"/>
           </p:cNvSpPr>
@@ -15792,7 +16051,7 @@
         <p:spPr>
           <a:xfrm>
             <a:off x="729360" y="1318680"/>
-            <a:ext cx="7687800" cy="534240"/>
+            <a:ext cx="7687440" cy="533880"/>
           </a:xfrm>
           <a:prstGeom prst="rect">
             <a:avLst/>
@@ -15824,7 +16083,7 @@
                 <a:latin typeface="Raleway"/>
                 <a:ea typeface="Raleway"/>
               </a:rPr>
-              <a:t>Any Business ideas, techs projects to bring in ? </a:t>
+              <a:t>10 richest vs 10 biggest companies</a:t>
             </a:r>
             <a:endParaRPr b="0" lang="en-US" sz="2600" spc="-1" strike="noStrike">
               <a:solidFill>
@@ -15837,7 +16096,7 @@
       </p:sp>
       <p:sp>
         <p:nvSpPr>
-          <p:cNvPr id="181" name="PlaceHolder 2"/>
+          <p:cNvPr id="191" name="PlaceHolder 2"/>
           <p:cNvSpPr>
             <a:spLocks noGrp="1"/>
           </p:cNvSpPr>
@@ -15848,7 +16107,7 @@
         <p:spPr>
           <a:xfrm>
             <a:off x="729360" y="1828800"/>
-            <a:ext cx="7687800" cy="2971080"/>
+            <a:ext cx="7687440" cy="2970720"/>
           </a:xfrm>
           <a:prstGeom prst="rect">
             <a:avLst/>
@@ -15863,7 +16122,7 @@
             <a:normAutofit/>
           </a:bodyPr>
           <a:p>
-            <a:pPr marL="457200" indent="-311040">
+            <a:pPr marL="457200" indent="0">
               <a:lnSpc>
                 <a:spcPct val="115000"/>
               </a:lnSpc>
@@ -15873,31 +16132,20 @@
               <a:spcAft>
                 <a:spcPts val="283"/>
               </a:spcAft>
-              <a:buClr>
-                <a:srgbClr val="595959"/>
-              </a:buClr>
-              <a:buFont typeface="Lato"/>
-              <a:buAutoNum type="arabicPeriod"/>
-            </a:pPr>
-            <a:r>
-              <a:rPr b="0" lang="fr" sz="1300" spc="-1" strike="noStrike">
-                <a:solidFill>
-                  <a:schemeClr val="accent1"/>
-                </a:solidFill>
-                <a:latin typeface="Lato"/>
-                <a:ea typeface="Lato"/>
-              </a:rPr>
-              <a:t>.</a:t>
-            </a:r>
-            <a:endParaRPr b="0" lang="en-US" sz="1300" spc="-1" strike="noStrike">
-              <a:solidFill>
-                <a:srgbClr val="000000"/>
-              </a:solidFill>
-              <a:latin typeface="Arial"/>
-            </a:endParaRPr>
-          </a:p>
-          <a:p>
-            <a:pPr marL="457200" indent="-311040">
+              <a:buNone/>
+              <a:tabLst>
+                <a:tab algn="l" pos="0"/>
+              </a:tabLst>
+            </a:pPr>
+            <a:endParaRPr b="0" lang="en-US" sz="1400" spc="-1" strike="noStrike">
+              <a:solidFill>
+                <a:srgbClr val="000000"/>
+              </a:solidFill>
+              <a:latin typeface="Arial"/>
+            </a:endParaRPr>
+          </a:p>
+          <a:p>
+            <a:pPr marL="457200" indent="0">
               <a:lnSpc>
                 <a:spcPct val="115000"/>
               </a:lnSpc>
@@ -15907,31 +16155,32 @@
               <a:spcAft>
                 <a:spcPts val="283"/>
               </a:spcAft>
-              <a:buClr>
-                <a:srgbClr val="595959"/>
-              </a:buClr>
-              <a:buFont typeface="Lato"/>
-              <a:buAutoNum type="arabicPeriod"/>
-            </a:pPr>
-            <a:r>
-              <a:rPr b="0" lang="fr" sz="1300" spc="-1" strike="noStrike">
-                <a:solidFill>
-                  <a:schemeClr val="accent1"/>
-                </a:solidFill>
-                <a:latin typeface="Lato"/>
-                <a:ea typeface="Lato"/>
-              </a:rPr>
-              <a:t>. </a:t>
-            </a:r>
-            <a:endParaRPr b="0" lang="en-US" sz="1300" spc="-1" strike="noStrike">
-              <a:solidFill>
-                <a:srgbClr val="000000"/>
-              </a:solidFill>
-              <a:latin typeface="Arial"/>
-            </a:endParaRPr>
-          </a:p>
-          <a:p>
-            <a:pPr marL="457200" indent="-311040">
+              <a:buNone/>
+              <a:tabLst>
+                <a:tab algn="l" pos="0"/>
+              </a:tabLst>
+            </a:pPr>
+            <a:r>
+              <a:rPr b="1" lang="fr" sz="1400" spc="-1" strike="noStrike" u="sng">
+                <a:solidFill>
+                  <a:srgbClr val="0000ee"/>
+                </a:solidFill>
+                <a:uFillTx/>
+                <a:latin typeface="Arial"/>
+                <a:ea typeface="Arial"/>
+                <a:hlinkClick r:id="rId1"/>
+              </a:rPr>
+              <a:t>https://en.wikipedia.org/wiki/The_World%27s_Billionaires</a:t>
+            </a:r>
+            <a:endParaRPr b="0" lang="en-US" sz="1400" spc="-1" strike="noStrike">
+              <a:solidFill>
+                <a:srgbClr val="000000"/>
+              </a:solidFill>
+              <a:latin typeface="Arial"/>
+            </a:endParaRPr>
+          </a:p>
+          <a:p>
+            <a:pPr marL="457200" indent="0">
               <a:lnSpc>
                 <a:spcPct val="115000"/>
               </a:lnSpc>
@@ -15941,31 +16190,20 @@
               <a:spcAft>
                 <a:spcPts val="283"/>
               </a:spcAft>
-              <a:buClr>
-                <a:srgbClr val="595959"/>
-              </a:buClr>
-              <a:buFont typeface="Lato"/>
-              <a:buAutoNum type="arabicPeriod"/>
-            </a:pPr>
-            <a:r>
-              <a:rPr b="0" lang="fr" sz="1300" spc="-1" strike="noStrike">
-                <a:solidFill>
-                  <a:schemeClr val="accent1"/>
-                </a:solidFill>
-                <a:latin typeface="Lato"/>
-                <a:ea typeface="Lato"/>
-              </a:rPr>
-              <a:t>.</a:t>
-            </a:r>
-            <a:endParaRPr b="0" lang="en-US" sz="1300" spc="-1" strike="noStrike">
-              <a:solidFill>
-                <a:srgbClr val="000000"/>
-              </a:solidFill>
-              <a:latin typeface="Arial"/>
-            </a:endParaRPr>
-          </a:p>
-          <a:p>
-            <a:pPr marL="457200" indent="-311040">
+              <a:buNone/>
+              <a:tabLst>
+                <a:tab algn="l" pos="0"/>
+              </a:tabLst>
+            </a:pPr>
+            <a:endParaRPr b="0" lang="en-US" sz="1400" spc="-1" strike="noStrike">
+              <a:solidFill>
+                <a:srgbClr val="000000"/>
+              </a:solidFill>
+              <a:latin typeface="Arial"/>
+            </a:endParaRPr>
+          </a:p>
+          <a:p>
+            <a:pPr marL="457200" indent="0">
               <a:lnSpc>
                 <a:spcPct val="115000"/>
               </a:lnSpc>
@@ -15975,22 +16213,69 @@
               <a:spcAft>
                 <a:spcPts val="283"/>
               </a:spcAft>
-              <a:buClr>
-                <a:srgbClr val="595959"/>
-              </a:buClr>
-              <a:buFont typeface="Lato"/>
-              <a:buAutoNum type="arabicPeriod"/>
-            </a:pPr>
-            <a:r>
-              <a:rPr b="0" lang="fr" sz="1300" spc="-1" strike="noStrike">
-                <a:solidFill>
-                  <a:schemeClr val="accent1"/>
-                </a:solidFill>
-                <a:latin typeface="Lato"/>
-                <a:ea typeface="Lato"/>
-              </a:rPr>
-              <a:t>. </a:t>
-            </a:r>
+              <a:buNone/>
+              <a:tabLst>
+                <a:tab algn="l" pos="0"/>
+              </a:tabLst>
+            </a:pPr>
+            <a:r>
+              <a:rPr b="1" lang="fr" sz="1400" spc="-1" strike="noStrike" u="sng">
+                <a:solidFill>
+                  <a:srgbClr val="0000ee"/>
+                </a:solidFill>
+                <a:uFillTx/>
+                <a:latin typeface="Arial"/>
+                <a:ea typeface="Arial"/>
+                <a:hlinkClick r:id="rId2"/>
+              </a:rPr>
+              <a:t>https://en.wikipedia.org/wiki/List_of_public_corporations_by_market_capitalization</a:t>
+            </a:r>
+            <a:endParaRPr b="0" lang="en-US" sz="1400" spc="-1" strike="noStrike">
+              <a:solidFill>
+                <a:srgbClr val="000000"/>
+              </a:solidFill>
+              <a:latin typeface="Arial"/>
+            </a:endParaRPr>
+          </a:p>
+          <a:p>
+            <a:pPr marL="457200" indent="0">
+              <a:lnSpc>
+                <a:spcPct val="115000"/>
+              </a:lnSpc>
+              <a:spcBef>
+                <a:spcPts val="283"/>
+              </a:spcBef>
+              <a:spcAft>
+                <a:spcPts val="283"/>
+              </a:spcAft>
+              <a:buNone/>
+              <a:tabLst>
+                <a:tab algn="l" pos="0"/>
+              </a:tabLst>
+            </a:pPr>
+            <a:endParaRPr b="0" lang="en-US" sz="1400" spc="-1" strike="noStrike">
+              <a:solidFill>
+                <a:srgbClr val="000000"/>
+              </a:solidFill>
+              <a:latin typeface="Arial"/>
+            </a:endParaRPr>
+          </a:p>
+          <a:p>
+            <a:pPr marL="457200" indent="0">
+              <a:lnSpc>
+                <a:spcPct val="115000"/>
+              </a:lnSpc>
+              <a:spcBef>
+                <a:spcPts val="283"/>
+              </a:spcBef>
+              <a:spcAft>
+                <a:spcPts val="283"/>
+              </a:spcAft>
+              <a:buNone/>
+              <a:tabLst>
+                <a:tab algn="l" pos="0"/>
+              </a:tabLst>
+            </a:pPr>
             <a:endParaRPr b="0" lang="en-US" sz="1300" spc="-1" strike="noStrike">
               <a:solidFill>
                 <a:srgbClr val="000000"/>
@@ -16002,14 +16287,14 @@
       </p:sp>
       <p:sp>
         <p:nvSpPr>
-          <p:cNvPr id="182" name="Google Shape;88;p 5"/>
+          <p:cNvPr id="192" name="Google Shape;88;p 11"/>
           <p:cNvSpPr/>
           <p:nvPr/>
         </p:nvSpPr>
         <p:spPr>
           <a:xfrm>
             <a:off x="7772400" y="4816440"/>
-            <a:ext cx="1350720" cy="275400"/>
+            <a:ext cx="1350360" cy="275400"/>
           </a:xfrm>
           <a:prstGeom prst="rect">
             <a:avLst/>
@@ -16059,14 +16344,14 @@
       </p:sp>
       <p:sp>
         <p:nvSpPr>
-          <p:cNvPr id="183" name="Google Shape;88;p 6"/>
+          <p:cNvPr id="193" name="Google Shape;88;p 12"/>
           <p:cNvSpPr/>
           <p:nvPr/>
         </p:nvSpPr>
         <p:spPr>
           <a:xfrm>
             <a:off x="7772400" y="4816440"/>
-            <a:ext cx="1350720" cy="275400"/>
+            <a:ext cx="1350360" cy="275400"/>
           </a:xfrm>
           <a:prstGeom prst="rect">
             <a:avLst/>
@@ -16114,6 +16399,29 @@
           </a:p>
         </p:txBody>
       </p:sp>
+      <p:pic>
+        <p:nvPicPr>
+          <p:cNvPr id="194" name="" descr=""/>
+          <p:cNvPicPr/>
+          <p:nvPr/>
+        </p:nvPicPr>
+        <p:blipFill>
+          <a:blip r:embed="rId3"/>
+          <a:stretch/>
+        </p:blipFill>
+        <p:spPr>
+          <a:xfrm>
+            <a:off x="7589160" y="1080"/>
+            <a:ext cx="1551240" cy="1161720"/>
+          </a:xfrm>
+          <a:prstGeom prst="rect">
+            <a:avLst/>
+          </a:prstGeom>
+          <a:ln w="0">
+            <a:noFill/>
+          </a:ln>
+        </p:spPr>
+      </p:pic>
     </p:spTree>
   </p:cSld>
   <mc:AlternateContent>
@@ -16146,7 +16454,7 @@
       </p:grpSpPr>
       <p:sp>
         <p:nvSpPr>
-          <p:cNvPr id="184" name="PlaceHolder 1"/>
+          <p:cNvPr id="195" name="PlaceHolder 1"/>
           <p:cNvSpPr>
             <a:spLocks noGrp="1"/>
           </p:cNvSpPr>
@@ -16156,8 +16464,8 @@
         </p:nvSpPr>
         <p:spPr>
           <a:xfrm>
-            <a:off x="729360" y="1318680"/>
-            <a:ext cx="7687800" cy="534240"/>
+            <a:off x="998640" y="837000"/>
+            <a:ext cx="7687440" cy="533880"/>
           </a:xfrm>
           <a:prstGeom prst="rect">
             <a:avLst/>
@@ -16189,7 +16497,7 @@
                 <a:latin typeface="Raleway"/>
                 <a:ea typeface="Raleway"/>
               </a:rPr>
-              <a:t>10 richest vs 10 biggest companies</a:t>
+              <a:t>Who is this guy ? </a:t>
             </a:r>
             <a:endParaRPr b="0" lang="en-US" sz="2600" spc="-1" strike="noStrike">
               <a:solidFill>
@@ -16202,7 +16510,7 @@
       </p:sp>
       <p:sp>
         <p:nvSpPr>
-          <p:cNvPr id="185" name="PlaceHolder 2"/>
+          <p:cNvPr id="196" name="PlaceHolder 2"/>
           <p:cNvSpPr>
             <a:spLocks noGrp="1"/>
           </p:cNvSpPr>
@@ -16213,7 +16521,7 @@
         <p:spPr>
           <a:xfrm>
             <a:off x="729360" y="1828800"/>
-            <a:ext cx="7687800" cy="2971080"/>
+            <a:ext cx="7687440" cy="2970720"/>
           </a:xfrm>
           <a:prstGeom prst="rect">
             <a:avLst/>
@@ -16228,7 +16536,7 @@
             <a:normAutofit/>
           </a:bodyPr>
           <a:p>
-            <a:pPr marL="457200" indent="0">
+            <a:pPr marL="457200" indent="-311040">
               <a:lnSpc>
                 <a:spcPct val="115000"/>
               </a:lnSpc>
@@ -16238,20 +16546,31 @@
               <a:spcAft>
                 <a:spcPts val="283"/>
               </a:spcAft>
-              <a:buNone/>
-              <a:tabLst>
-                <a:tab algn="l" pos="0"/>
-              </a:tabLst>
-            </a:pPr>
-            <a:endParaRPr b="0" lang="en-US" sz="1400" spc="-1" strike="noStrike">
-              <a:solidFill>
-                <a:srgbClr val="000000"/>
-              </a:solidFill>
-              <a:latin typeface="Arial"/>
-            </a:endParaRPr>
-          </a:p>
-          <a:p>
-            <a:pPr marL="457200" indent="0">
+              <a:buClr>
+                <a:srgbClr val="595959"/>
+              </a:buClr>
+              <a:buFont typeface="Lato"/>
+              <a:buAutoNum type="arabicPeriod"/>
+            </a:pPr>
+            <a:r>
+              <a:rPr b="0" lang="fr" sz="1300" spc="-1" strike="noStrike">
+                <a:solidFill>
+                  <a:srgbClr val="808080"/>
+                </a:solidFill>
+                <a:latin typeface="Lato"/>
+                <a:ea typeface="Lato"/>
+              </a:rPr>
+              <a:t>My great great great grandfather</a:t>
+            </a:r>
+            <a:endParaRPr b="0" lang="en-US" sz="1300" spc="-1" strike="noStrike">
+              <a:solidFill>
+                <a:srgbClr val="808080"/>
+              </a:solidFill>
+              <a:latin typeface="Arial"/>
+            </a:endParaRPr>
+          </a:p>
+          <a:p>
+            <a:pPr marL="457200" indent="-311040">
               <a:lnSpc>
                 <a:spcPct val="115000"/>
               </a:lnSpc>
@@ -16261,32 +16580,31 @@
               <a:spcAft>
                 <a:spcPts val="283"/>
               </a:spcAft>
-              <a:buNone/>
-              <a:tabLst>
-                <a:tab algn="l" pos="0"/>
-              </a:tabLst>
-            </a:pPr>
-            <a:r>
-              <a:rPr b="1" lang="fr" sz="1400" spc="-1" strike="noStrike" u="sng">
-                <a:solidFill>
-                  <a:srgbClr val="0000ee"/>
-                </a:solidFill>
-                <a:uFillTx/>
-                <a:latin typeface="Arial"/>
-                <a:ea typeface="Arial"/>
-                <a:hlinkClick r:id="rId1"/>
-              </a:rPr>
-              <a:t>https://en.wikipedia.org/wiki/The_World%27s_Billionaires</a:t>
-            </a:r>
-            <a:endParaRPr b="0" lang="en-US" sz="1400" spc="-1" strike="noStrike">
-              <a:solidFill>
-                <a:srgbClr val="000000"/>
-              </a:solidFill>
-              <a:latin typeface="Arial"/>
-            </a:endParaRPr>
-          </a:p>
-          <a:p>
-            <a:pPr marL="457200" indent="0">
+              <a:buClr>
+                <a:srgbClr val="595959"/>
+              </a:buClr>
+              <a:buFont typeface="Lato"/>
+              <a:buAutoNum type="arabicPeriod"/>
+            </a:pPr>
+            <a:r>
+              <a:rPr b="0" lang="fr" sz="1300" spc="-1" strike="noStrike">
+                <a:solidFill>
+                  <a:srgbClr val="808080"/>
+                </a:solidFill>
+                <a:latin typeface="Lato"/>
+                <a:ea typeface="Lato"/>
+              </a:rPr>
+              <a:t>Just a random guy </a:t>
+            </a:r>
+            <a:endParaRPr b="0" lang="en-US" sz="1300" spc="-1" strike="noStrike">
+              <a:solidFill>
+                <a:srgbClr val="808080"/>
+              </a:solidFill>
+              <a:latin typeface="Arial"/>
+            </a:endParaRPr>
+          </a:p>
+          <a:p>
+            <a:pPr marL="457200" indent="-311040">
               <a:lnSpc>
                 <a:spcPct val="115000"/>
               </a:lnSpc>
@@ -16296,20 +16614,31 @@
               <a:spcAft>
                 <a:spcPts val="283"/>
               </a:spcAft>
-              <a:buNone/>
-              <a:tabLst>
-                <a:tab algn="l" pos="0"/>
-              </a:tabLst>
-            </a:pPr>
-            <a:endParaRPr b="0" lang="en-US" sz="1400" spc="-1" strike="noStrike">
-              <a:solidFill>
-                <a:srgbClr val="000000"/>
-              </a:solidFill>
-              <a:latin typeface="Arial"/>
-            </a:endParaRPr>
-          </a:p>
-          <a:p>
-            <a:pPr marL="457200" indent="0">
+              <a:buClr>
+                <a:srgbClr val="595959"/>
+              </a:buClr>
+              <a:buFont typeface="Lato"/>
+              <a:buAutoNum type="arabicPeriod"/>
+            </a:pPr>
+            <a:r>
+              <a:rPr b="0" lang="fr" sz="1300" spc="-1" strike="noStrike">
+                <a:solidFill>
+                  <a:srgbClr val="808080"/>
+                </a:solidFill>
+                <a:latin typeface="Lato"/>
+                <a:ea typeface="Lato"/>
+              </a:rPr>
+              <a:t>Alan Turing</a:t>
+            </a:r>
+            <a:endParaRPr b="0" lang="en-US" sz="1300" spc="-1" strike="noStrike">
+              <a:solidFill>
+                <a:srgbClr val="808080"/>
+              </a:solidFill>
+              <a:latin typeface="Arial"/>
+            </a:endParaRPr>
+          </a:p>
+          <a:p>
+            <a:pPr marL="457200" indent="-311040">
               <a:lnSpc>
                 <a:spcPct val="115000"/>
               </a:lnSpc>
@@ -16319,72 +16648,25 @@
               <a:spcAft>
                 <a:spcPts val="283"/>
               </a:spcAft>
-              <a:buNone/>
-              <a:tabLst>
-                <a:tab algn="l" pos="0"/>
-              </a:tabLst>
-            </a:pPr>
-            <a:r>
-              <a:rPr b="1" lang="fr" sz="1400" spc="-1" strike="noStrike" u="sng">
-                <a:solidFill>
-                  <a:srgbClr val="0000ee"/>
-                </a:solidFill>
-                <a:uFillTx/>
-                <a:latin typeface="Arial"/>
-                <a:ea typeface="Arial"/>
-                <a:hlinkClick r:id="rId2"/>
-              </a:rPr>
-              <a:t>https://en.wikipedia.org/wiki/List_of_public_corporations_by_market_capitalization</a:t>
-            </a:r>
-            <a:endParaRPr b="0" lang="en-US" sz="1400" spc="-1" strike="noStrike">
-              <a:solidFill>
-                <a:srgbClr val="000000"/>
-              </a:solidFill>
-              <a:latin typeface="Arial"/>
-            </a:endParaRPr>
-          </a:p>
-          <a:p>
-            <a:pPr marL="457200" indent="0">
-              <a:lnSpc>
-                <a:spcPct val="115000"/>
-              </a:lnSpc>
-              <a:spcBef>
-                <a:spcPts val="283"/>
-              </a:spcBef>
-              <a:spcAft>
-                <a:spcPts val="283"/>
-              </a:spcAft>
-              <a:buNone/>
-              <a:tabLst>
-                <a:tab algn="l" pos="0"/>
-              </a:tabLst>
-            </a:pPr>
-            <a:endParaRPr b="0" lang="en-US" sz="1400" spc="-1" strike="noStrike">
-              <a:solidFill>
-                <a:srgbClr val="000000"/>
-              </a:solidFill>
-              <a:latin typeface="Arial"/>
-            </a:endParaRPr>
-          </a:p>
-          <a:p>
-            <a:pPr marL="457200" indent="0">
-              <a:lnSpc>
-                <a:spcPct val="115000"/>
-              </a:lnSpc>
-              <a:spcBef>
-                <a:spcPts val="283"/>
-              </a:spcBef>
-              <a:spcAft>
-                <a:spcPts val="283"/>
-              </a:spcAft>
-              <a:buNone/>
-              <a:tabLst>
-                <a:tab algn="l" pos="0"/>
-              </a:tabLst>
-            </a:pPr>
+              <a:buClr>
+                <a:srgbClr val="595959"/>
+              </a:buClr>
+              <a:buFont typeface="Lato"/>
+              <a:buAutoNum type="arabicPeriod"/>
+            </a:pPr>
+            <a:r>
+              <a:rPr b="0" lang="fr" sz="1300" spc="-1" strike="noStrike">
+                <a:solidFill>
+                  <a:srgbClr val="808080"/>
+                </a:solidFill>
+                <a:latin typeface="Lato"/>
+                <a:ea typeface="Lato"/>
+              </a:rPr>
+              <a:t>Nobody, He was created by some random AI tool</a:t>
+            </a:r>
             <a:endParaRPr b="0" lang="en-US" sz="1300" spc="-1" strike="noStrike">
               <a:solidFill>
-                <a:srgbClr val="000000"/>
+                <a:srgbClr val="808080"/>
               </a:solidFill>
               <a:latin typeface="Arial"/>
             </a:endParaRPr>
@@ -16393,14 +16675,14 @@
       </p:sp>
       <p:sp>
         <p:nvSpPr>
-          <p:cNvPr id="186" name="Google Shape;88;p 11"/>
+          <p:cNvPr id="197" name="Google Shape;88;p 7"/>
           <p:cNvSpPr/>
           <p:nvPr/>
         </p:nvSpPr>
         <p:spPr>
           <a:xfrm>
             <a:off x="7772400" y="4816440"/>
-            <a:ext cx="1350720" cy="275400"/>
+            <a:ext cx="1350360" cy="275400"/>
           </a:xfrm>
           <a:prstGeom prst="rect">
             <a:avLst/>
@@ -16450,14 +16732,14 @@
       </p:sp>
       <p:sp>
         <p:nvSpPr>
-          <p:cNvPr id="187" name="Google Shape;88;p 12"/>
+          <p:cNvPr id="198" name="Google Shape;88;p 8"/>
           <p:cNvSpPr/>
           <p:nvPr/>
         </p:nvSpPr>
         <p:spPr>
           <a:xfrm>
             <a:off x="7772400" y="4816440"/>
-            <a:ext cx="1350720" cy="275400"/>
+            <a:ext cx="1350360" cy="275400"/>
           </a:xfrm>
           <a:prstGeom prst="rect">
             <a:avLst/>
@@ -16507,18 +16789,41 @@
       </p:sp>
       <p:pic>
         <p:nvPicPr>
-          <p:cNvPr id="188" name="" descr=""/>
+          <p:cNvPr id="199" name="" descr=""/>
           <p:cNvPicPr/>
           <p:nvPr/>
         </p:nvPicPr>
         <p:blipFill>
-          <a:blip r:embed="rId3"/>
+          <a:blip r:embed="rId1"/>
           <a:stretch/>
         </p:blipFill>
         <p:spPr>
           <a:xfrm>
-            <a:off x="7363800" y="895320"/>
-            <a:ext cx="1551600" cy="1162080"/>
+            <a:off x="5029200" y="1318680"/>
+            <a:ext cx="2798280" cy="3414600"/>
+          </a:xfrm>
+          <a:prstGeom prst="rect">
+            <a:avLst/>
+          </a:prstGeom>
+          <a:ln w="0">
+            <a:noFill/>
+          </a:ln>
+        </p:spPr>
+      </p:pic>
+      <p:pic>
+        <p:nvPicPr>
+          <p:cNvPr id="200" name="" descr=""/>
+          <p:cNvPicPr/>
+          <p:nvPr/>
+        </p:nvPicPr>
+        <p:blipFill>
+          <a:blip r:embed="rId2"/>
+          <a:stretch/>
+        </p:blipFill>
+        <p:spPr>
+          <a:xfrm>
+            <a:off x="7589160" y="15480"/>
+            <a:ext cx="1551240" cy="1161720"/>
           </a:xfrm>
           <a:prstGeom prst="rect">
             <a:avLst/>
@@ -16560,7 +16865,7 @@
       </p:grpSpPr>
       <p:sp>
         <p:nvSpPr>
-          <p:cNvPr id="189" name="PlaceHolder 1"/>
+          <p:cNvPr id="201" name="PlaceHolder 1"/>
           <p:cNvSpPr>
             <a:spLocks noGrp="1"/>
           </p:cNvSpPr>
@@ -16570,8 +16875,8 @@
         </p:nvSpPr>
         <p:spPr>
           <a:xfrm>
-            <a:off x="998640" y="837000"/>
-            <a:ext cx="7687800" cy="534240"/>
+            <a:off x="729360" y="1318680"/>
+            <a:ext cx="7687440" cy="533880"/>
           </a:xfrm>
           <a:prstGeom prst="rect">
             <a:avLst/>
@@ -16603,7 +16908,7 @@
                 <a:latin typeface="Raleway"/>
                 <a:ea typeface="Raleway"/>
               </a:rPr>
-              <a:t>Who is this guy ? </a:t>
+              <a:t>About Tech. Culture &amp; Knowledge</a:t>
             </a:r>
             <a:endParaRPr b="0" lang="en-US" sz="2600" spc="-1" strike="noStrike">
               <a:solidFill>
@@ -16616,7 +16921,7 @@
       </p:sp>
       <p:sp>
         <p:nvSpPr>
-          <p:cNvPr id="190" name="PlaceHolder 2"/>
+          <p:cNvPr id="202" name="PlaceHolder 2"/>
           <p:cNvSpPr>
             <a:spLocks noGrp="1"/>
           </p:cNvSpPr>
@@ -16626,8 +16931,8 @@
         </p:nvSpPr>
         <p:spPr>
           <a:xfrm>
-            <a:off x="729360" y="1828800"/>
-            <a:ext cx="7687800" cy="2971080"/>
+            <a:off x="729360" y="1864800"/>
+            <a:ext cx="7687440" cy="2970720"/>
           </a:xfrm>
           <a:prstGeom prst="rect">
             <a:avLst/>
@@ -16639,7 +16944,7 @@
         </p:spPr>
         <p:txBody>
           <a:bodyPr lIns="91440" rIns="91440" tIns="91440" bIns="91440" anchor="t">
-            <a:normAutofit/>
+            <a:normAutofit fontScale="68333"/>
           </a:bodyPr>
           <a:p>
             <a:pPr marL="457200" indent="-311040">
@@ -16661,12 +16966,12 @@
             <a:r>
               <a:rPr b="0" lang="fr" sz="1300" spc="-1" strike="noStrike">
                 <a:solidFill>
-                  <a:schemeClr val="accent1"/>
+                  <a:srgbClr val="333333"/>
                 </a:solidFill>
                 <a:latin typeface="Lato"/>
                 <a:ea typeface="Lato"/>
               </a:rPr>
-              <a:t>My great great great grandfather</a:t>
+              <a:t>AI </a:t>
             </a:r>
             <a:endParaRPr b="0" lang="en-US" sz="1300" spc="-1" strike="noStrike">
               <a:solidFill>
@@ -16695,12 +17000,12 @@
             <a:r>
               <a:rPr b="0" lang="fr" sz="1300" spc="-1" strike="noStrike">
                 <a:solidFill>
-                  <a:schemeClr val="accent1"/>
+                  <a:srgbClr val="333333"/>
                 </a:solidFill>
                 <a:latin typeface="Lato"/>
                 <a:ea typeface="Lato"/>
               </a:rPr>
-              <a:t>Just a random guy </a:t>
+              <a:t>Machine Learning </a:t>
             </a:r>
             <a:endParaRPr b="0" lang="en-US" sz="1300" spc="-1" strike="noStrike">
               <a:solidFill>
@@ -16729,12 +17034,12 @@
             <a:r>
               <a:rPr b="0" lang="fr" sz="1300" spc="-1" strike="noStrike">
                 <a:solidFill>
-                  <a:schemeClr val="accent1"/>
+                  <a:srgbClr val="333333"/>
                 </a:solidFill>
                 <a:latin typeface="Lato"/>
                 <a:ea typeface="Lato"/>
               </a:rPr>
-              <a:t>Alan Turing</a:t>
+              <a:t>Data Science</a:t>
             </a:r>
             <a:endParaRPr b="0" lang="en-US" sz="1300" spc="-1" strike="noStrike">
               <a:solidFill>
@@ -16763,12 +17068,284 @@
             <a:r>
               <a:rPr b="0" lang="fr" sz="1300" spc="-1" strike="noStrike">
                 <a:solidFill>
-                  <a:schemeClr val="accent1"/>
+                  <a:srgbClr val="333333"/>
                 </a:solidFill>
                 <a:latin typeface="Lato"/>
                 <a:ea typeface="Lato"/>
               </a:rPr>
-              <a:t>Nobody, He was created by some random AI tool</a:t>
+              <a:t>Deep learning</a:t>
+            </a:r>
+            <a:endParaRPr b="0" lang="en-US" sz="1300" spc="-1" strike="noStrike">
+              <a:solidFill>
+                <a:srgbClr val="000000"/>
+              </a:solidFill>
+              <a:latin typeface="Arial"/>
+            </a:endParaRPr>
+          </a:p>
+          <a:p>
+            <a:pPr marL="457200" indent="-311040">
+              <a:lnSpc>
+                <a:spcPct val="115000"/>
+              </a:lnSpc>
+              <a:spcBef>
+                <a:spcPts val="283"/>
+              </a:spcBef>
+              <a:spcAft>
+                <a:spcPts val="283"/>
+              </a:spcAft>
+              <a:buClr>
+                <a:srgbClr val="595959"/>
+              </a:buClr>
+              <a:buFont typeface="Lato"/>
+              <a:buAutoNum type="arabicPeriod"/>
+            </a:pPr>
+            <a:r>
+              <a:rPr b="0" lang="fr" sz="1300" spc="-1" strike="noStrike">
+                <a:solidFill>
+                  <a:srgbClr val="333333"/>
+                </a:solidFill>
+                <a:latin typeface="Lato"/>
+                <a:ea typeface="Lato"/>
+              </a:rPr>
+              <a:t>NLP</a:t>
+            </a:r>
+            <a:endParaRPr b="0" lang="en-US" sz="1300" spc="-1" strike="noStrike">
+              <a:solidFill>
+                <a:srgbClr val="000000"/>
+              </a:solidFill>
+              <a:latin typeface="Arial"/>
+            </a:endParaRPr>
+          </a:p>
+          <a:p>
+            <a:pPr marL="457200" indent="-311040">
+              <a:lnSpc>
+                <a:spcPct val="115000"/>
+              </a:lnSpc>
+              <a:spcBef>
+                <a:spcPts val="283"/>
+              </a:spcBef>
+              <a:spcAft>
+                <a:spcPts val="283"/>
+              </a:spcAft>
+              <a:buClr>
+                <a:srgbClr val="595959"/>
+              </a:buClr>
+              <a:buFont typeface="Lato"/>
+              <a:buAutoNum type="arabicPeriod"/>
+            </a:pPr>
+            <a:r>
+              <a:rPr b="0" lang="fr" sz="1300" spc="-1" strike="noStrike">
+                <a:solidFill>
+                  <a:srgbClr val="333333"/>
+                </a:solidFill>
+                <a:latin typeface="Lato"/>
+                <a:ea typeface="Lato"/>
+              </a:rPr>
+              <a:t>GPT</a:t>
+            </a:r>
+            <a:endParaRPr b="0" lang="en-US" sz="1300" spc="-1" strike="noStrike">
+              <a:solidFill>
+                <a:srgbClr val="000000"/>
+              </a:solidFill>
+              <a:latin typeface="Arial"/>
+            </a:endParaRPr>
+          </a:p>
+          <a:p>
+            <a:pPr marL="457200" indent="-311040">
+              <a:lnSpc>
+                <a:spcPct val="115000"/>
+              </a:lnSpc>
+              <a:spcBef>
+                <a:spcPts val="283"/>
+              </a:spcBef>
+              <a:spcAft>
+                <a:spcPts val="283"/>
+              </a:spcAft>
+              <a:buClr>
+                <a:srgbClr val="595959"/>
+              </a:buClr>
+              <a:buFont typeface="Lato"/>
+              <a:buAutoNum type="arabicPeriod"/>
+            </a:pPr>
+            <a:r>
+              <a:rPr b="0" lang="fr" sz="1300" spc="-1" strike="noStrike">
+                <a:solidFill>
+                  <a:srgbClr val="333333"/>
+                </a:solidFill>
+                <a:latin typeface="Lato"/>
+                <a:ea typeface="Lato"/>
+              </a:rPr>
+              <a:t>Robotics</a:t>
+            </a:r>
+            <a:endParaRPr b="0" lang="en-US" sz="1300" spc="-1" strike="noStrike">
+              <a:solidFill>
+                <a:srgbClr val="000000"/>
+              </a:solidFill>
+              <a:latin typeface="Arial"/>
+            </a:endParaRPr>
+          </a:p>
+          <a:p>
+            <a:pPr marL="457200" indent="-311040">
+              <a:lnSpc>
+                <a:spcPct val="115000"/>
+              </a:lnSpc>
+              <a:spcBef>
+                <a:spcPts val="283"/>
+              </a:spcBef>
+              <a:spcAft>
+                <a:spcPts val="283"/>
+              </a:spcAft>
+              <a:buClr>
+                <a:srgbClr val="595959"/>
+              </a:buClr>
+              <a:buFont typeface="Lato"/>
+              <a:buAutoNum type="arabicPeriod"/>
+            </a:pPr>
+            <a:r>
+              <a:rPr b="0" lang="fr" sz="1300" spc="-1" strike="noStrike">
+                <a:solidFill>
+                  <a:srgbClr val="333333"/>
+                </a:solidFill>
+                <a:latin typeface="Lato"/>
+                <a:ea typeface="Lato"/>
+              </a:rPr>
+              <a:t>Supervized</a:t>
+            </a:r>
+            <a:endParaRPr b="0" lang="en-US" sz="1300" spc="-1" strike="noStrike">
+              <a:solidFill>
+                <a:srgbClr val="000000"/>
+              </a:solidFill>
+              <a:latin typeface="Arial"/>
+            </a:endParaRPr>
+          </a:p>
+          <a:p>
+            <a:pPr marL="457200" indent="-311040">
+              <a:lnSpc>
+                <a:spcPct val="115000"/>
+              </a:lnSpc>
+              <a:spcBef>
+                <a:spcPts val="283"/>
+              </a:spcBef>
+              <a:spcAft>
+                <a:spcPts val="283"/>
+              </a:spcAft>
+              <a:buClr>
+                <a:srgbClr val="595959"/>
+              </a:buClr>
+              <a:buFont typeface="Lato"/>
+              <a:buAutoNum type="arabicPeriod"/>
+            </a:pPr>
+            <a:r>
+              <a:rPr b="0" lang="fr" sz="1300" spc="-1" strike="noStrike">
+                <a:solidFill>
+                  <a:srgbClr val="333333"/>
+                </a:solidFill>
+                <a:latin typeface="Lato"/>
+                <a:ea typeface="Lato"/>
+              </a:rPr>
+              <a:t>Reinforcement Learning</a:t>
+            </a:r>
+            <a:endParaRPr b="0" lang="en-US" sz="1300" spc="-1" strike="noStrike">
+              <a:solidFill>
+                <a:srgbClr val="000000"/>
+              </a:solidFill>
+              <a:latin typeface="Arial"/>
+            </a:endParaRPr>
+          </a:p>
+          <a:p>
+            <a:pPr marL="457200" indent="-311040">
+              <a:lnSpc>
+                <a:spcPct val="115000"/>
+              </a:lnSpc>
+              <a:spcBef>
+                <a:spcPts val="283"/>
+              </a:spcBef>
+              <a:spcAft>
+                <a:spcPts val="283"/>
+              </a:spcAft>
+              <a:buClr>
+                <a:srgbClr val="595959"/>
+              </a:buClr>
+              <a:buFont typeface="Lato"/>
+              <a:buAutoNum type="arabicPeriod"/>
+            </a:pPr>
+            <a:r>
+              <a:rPr b="0" lang="fr" sz="1300" spc="-1" strike="noStrike">
+                <a:solidFill>
+                  <a:srgbClr val="333333"/>
+                </a:solidFill>
+                <a:latin typeface="Lato"/>
+                <a:ea typeface="Lato"/>
+              </a:rPr>
+              <a:t>Skynet</a:t>
+            </a:r>
+            <a:endParaRPr b="0" lang="en-US" sz="1300" spc="-1" strike="noStrike">
+              <a:solidFill>
+                <a:srgbClr val="000000"/>
+              </a:solidFill>
+              <a:latin typeface="Arial"/>
+            </a:endParaRPr>
+          </a:p>
+          <a:p>
+            <a:pPr marL="457200" indent="-311040">
+              <a:lnSpc>
+                <a:spcPct val="115000"/>
+              </a:lnSpc>
+              <a:spcBef>
+                <a:spcPts val="283"/>
+              </a:spcBef>
+              <a:spcAft>
+                <a:spcPts val="283"/>
+              </a:spcAft>
+              <a:buClr>
+                <a:srgbClr val="595959"/>
+              </a:buClr>
+              <a:buFont typeface="Lato"/>
+              <a:buAutoNum type="arabicPeriod"/>
+            </a:pPr>
+            <a:r>
+              <a:rPr b="0" lang="fr" sz="1300" spc="-1" strike="noStrike">
+                <a:solidFill>
+                  <a:srgbClr val="333333"/>
+                </a:solidFill>
+                <a:latin typeface="Lato"/>
+                <a:ea typeface="Lato"/>
+              </a:rPr>
+              <a:t>Alphago</a:t>
+            </a:r>
+            <a:endParaRPr b="0" lang="en-US" sz="1300" spc="-1" strike="noStrike">
+              <a:solidFill>
+                <a:srgbClr val="000000"/>
+              </a:solidFill>
+              <a:latin typeface="Arial"/>
+            </a:endParaRPr>
+          </a:p>
+          <a:p>
+            <a:pPr marL="457200" indent="-311040">
+              <a:lnSpc>
+                <a:spcPct val="115000"/>
+              </a:lnSpc>
+              <a:spcBef>
+                <a:spcPts val="283"/>
+              </a:spcBef>
+              <a:spcAft>
+                <a:spcPts val="283"/>
+              </a:spcAft>
+              <a:buClr>
+                <a:srgbClr val="595959"/>
+              </a:buClr>
+              <a:buFont typeface="Lato"/>
+              <a:buAutoNum type="arabicPeriod"/>
+            </a:pPr>
+            <a:r>
+              <a:rPr b="0" lang="fr" sz="1300" spc="-1" strike="noStrike">
+                <a:solidFill>
+                  <a:srgbClr val="333333"/>
+                </a:solidFill>
+                <a:latin typeface="Lato"/>
+                <a:ea typeface="Lato"/>
+              </a:rPr>
+              <a:t>Deep Blue</a:t>
             </a:r>
             <a:endParaRPr b="0" lang="en-US" sz="1300" spc="-1" strike="noStrike">
               <a:solidFill>
@@ -16781,14 +17358,14 @@
       </p:sp>
       <p:sp>
         <p:nvSpPr>
-          <p:cNvPr id="191" name="Google Shape;88;p 7"/>
+          <p:cNvPr id="203" name="Google Shape;88;p 3"/>
           <p:cNvSpPr/>
           <p:nvPr/>
         </p:nvSpPr>
         <p:spPr>
           <a:xfrm>
             <a:off x="7772400" y="4816440"/>
-            <a:ext cx="1350720" cy="275400"/>
+            <a:ext cx="1350360" cy="275400"/>
           </a:xfrm>
           <a:prstGeom prst="rect">
             <a:avLst/>
@@ -16838,14 +17415,14 @@
       </p:sp>
       <p:sp>
         <p:nvSpPr>
-          <p:cNvPr id="192" name="Google Shape;88;p 8"/>
+          <p:cNvPr id="204" name="Google Shape;88;p 4"/>
           <p:cNvSpPr/>
           <p:nvPr/>
         </p:nvSpPr>
         <p:spPr>
           <a:xfrm>
             <a:off x="7772400" y="4816440"/>
-            <a:ext cx="1350720" cy="275400"/>
+            <a:ext cx="1350360" cy="275400"/>
           </a:xfrm>
           <a:prstGeom prst="rect">
             <a:avLst/>
@@ -16893,9 +17470,66 @@
           </a:p>
         </p:txBody>
       </p:sp>
+      <p:sp>
+        <p:nvSpPr>
+          <p:cNvPr id="205" name="Google Shape;88;p 23"/>
+          <p:cNvSpPr/>
+          <p:nvPr/>
+        </p:nvSpPr>
+        <p:spPr>
+          <a:xfrm>
+            <a:off x="7772400" y="4816440"/>
+            <a:ext cx="1350360" cy="275400"/>
+          </a:xfrm>
+          <a:prstGeom prst="rect">
+            <a:avLst/>
+          </a:prstGeom>
+          <a:noFill/>
+          <a:ln w="0">
+            <a:noFill/>
+          </a:ln>
+        </p:spPr>
+        <p:style>
+          <a:lnRef idx="0"/>
+          <a:fillRef idx="0"/>
+          <a:effectRef idx="0"/>
+          <a:fontRef idx="minor"/>
+        </p:style>
+        <p:txBody>
+          <a:bodyPr lIns="90000" rIns="90000" tIns="69120" bIns="69120" anchor="t">
+            <a:spAutoFit/>
+          </a:bodyPr>
+          <a:p>
+            <a:pPr>
+              <a:lnSpc>
+                <a:spcPct val="100000"/>
+              </a:lnSpc>
+              <a:tabLst>
+                <a:tab algn="l" pos="0"/>
+              </a:tabLst>
+            </a:pPr>
+            <a:r>
+              <a:rPr b="1" lang="fr" sz="900" spc="-1" strike="noStrike">
+                <a:solidFill>
+                  <a:srgbClr val="000000"/>
+                </a:solidFill>
+                <a:latin typeface="Lato"/>
+                <a:ea typeface="Lato"/>
+              </a:rPr>
+              <a:t>Alexandre Gazagnes</a:t>
+            </a:r>
+            <a:endParaRPr b="0" lang="en-US" sz="900" spc="-1" strike="noStrike">
+              <a:solidFill>
+                <a:srgbClr val="000000"/>
+              </a:solidFill>
+              <a:latin typeface="Arial"/>
+            </a:endParaRPr>
+          </a:p>
+        </p:txBody>
+      </p:sp>
       <p:pic>
         <p:nvPicPr>
-          <p:cNvPr id="193" name="" descr=""/>
+          <p:cNvPr id="206" name="" descr=""/>
           <p:cNvPicPr/>
           <p:nvPr/>
         </p:nvPicPr>
@@ -16905,31 +17539,8 @@
         </p:blipFill>
         <p:spPr>
           <a:xfrm>
-            <a:off x="5029200" y="1318680"/>
-            <a:ext cx="2798640" cy="3414960"/>
-          </a:xfrm>
-          <a:prstGeom prst="rect">
-            <a:avLst/>
-          </a:prstGeom>
-          <a:ln w="0">
-            <a:noFill/>
-          </a:ln>
-        </p:spPr>
-      </p:pic>
-      <p:pic>
-        <p:nvPicPr>
-          <p:cNvPr id="194" name="" descr=""/>
-          <p:cNvPicPr/>
-          <p:nvPr/>
-        </p:nvPicPr>
-        <p:blipFill>
-          <a:blip r:embed="rId2"/>
-          <a:stretch/>
-        </p:blipFill>
-        <p:spPr>
-          <a:xfrm>
-            <a:off x="7363800" y="895320"/>
-            <a:ext cx="1551600" cy="1162080"/>
+            <a:off x="7581960" y="-6120"/>
+            <a:ext cx="1551240" cy="1161720"/>
           </a:xfrm>
           <a:prstGeom prst="rect">
             <a:avLst/>
@@ -16971,7 +17582,7 @@
       </p:grpSpPr>
       <p:sp>
         <p:nvSpPr>
-          <p:cNvPr id="195" name="PlaceHolder 1"/>
+          <p:cNvPr id="207" name="PlaceHolder 1"/>
           <p:cNvSpPr>
             <a:spLocks noGrp="1"/>
           </p:cNvSpPr>
@@ -16982,7 +17593,7 @@
         <p:spPr>
           <a:xfrm>
             <a:off x="729360" y="1322280"/>
-            <a:ext cx="7687440" cy="1517400"/>
+            <a:ext cx="7687080" cy="1517040"/>
           </a:xfrm>
           <a:prstGeom prst="rect">
             <a:avLst/>
@@ -17027,7 +17638,7 @@
       </p:sp>
       <p:pic>
         <p:nvPicPr>
-          <p:cNvPr id="196" name="" descr=""/>
+          <p:cNvPr id="208" name="" descr=""/>
           <p:cNvPicPr/>
           <p:nvPr/>
         </p:nvPicPr>
@@ -17037,8 +17648,8 @@
         </p:blipFill>
         <p:spPr>
           <a:xfrm>
-            <a:off x="7363800" y="895320"/>
-            <a:ext cx="1551600" cy="1162080"/>
+            <a:off x="7596720" y="1080"/>
+            <a:ext cx="1551240" cy="1161720"/>
           </a:xfrm>
           <a:prstGeom prst="rect">
             <a:avLst/>
@@ -19021,6 +19632,218 @@
 </a:theme>
 </file>
 
+<file path=ppt/theme/theme24.xml><?xml version="1.0" encoding="utf-8"?>
+<a:theme xmlns:a="http://schemas.openxmlformats.org/drawingml/2006/main" xmlns:r="http://schemas.openxmlformats.org/officeDocument/2006/relationships" name="Office Theme">
+  <a:themeElements>
+    <a:clrScheme name="LibreOffice">
+      <a:dk1>
+        <a:srgbClr val="000000"/>
+      </a:dk1>
+      <a:lt1>
+        <a:srgbClr val="ffffff"/>
+      </a:lt1>
+      <a:dk2>
+        <a:srgbClr val="000000"/>
+      </a:dk2>
+      <a:lt2>
+        <a:srgbClr val="ffffff"/>
+      </a:lt2>
+      <a:accent1>
+        <a:srgbClr val="18a303"/>
+      </a:accent1>
+      <a:accent2>
+        <a:srgbClr val="0369a3"/>
+      </a:accent2>
+      <a:accent3>
+        <a:srgbClr val="a33e03"/>
+      </a:accent3>
+      <a:accent4>
+        <a:srgbClr val="8e03a3"/>
+      </a:accent4>
+      <a:accent5>
+        <a:srgbClr val="c99c00"/>
+      </a:accent5>
+      <a:accent6>
+        <a:srgbClr val="c9211e"/>
+      </a:accent6>
+      <a:hlink>
+        <a:srgbClr val="0000ee"/>
+      </a:hlink>
+      <a:folHlink>
+        <a:srgbClr val="551a8b"/>
+      </a:folHlink>
+    </a:clrScheme>
+    <a:fontScheme name="Office">
+      <a:majorFont>
+        <a:latin typeface="Arial" pitchFamily="0" charset="1"/>
+        <a:ea typeface="DejaVu Sans" pitchFamily="0" charset="1"/>
+        <a:cs typeface="DejaVu Sans" pitchFamily="0" charset="1"/>
+      </a:majorFont>
+      <a:minorFont>
+        <a:latin typeface="Arial" pitchFamily="0" charset="1"/>
+        <a:ea typeface="DejaVu Sans" pitchFamily="0" charset="1"/>
+        <a:cs typeface="DejaVu Sans" pitchFamily="0" charset="1"/>
+      </a:minorFont>
+    </a:fontScheme>
+    <a:fmtScheme>
+      <a:fillStyleLst>
+        <a:solidFill>
+          <a:schemeClr val="phClr"/>
+        </a:solidFill>
+        <a:solidFill>
+          <a:schemeClr val="phClr"/>
+        </a:solidFill>
+        <a:solidFill>
+          <a:schemeClr val="phClr"/>
+        </a:solidFill>
+      </a:fillStyleLst>
+      <a:lnStyleLst>
+        <a:ln w="6350" cap="flat" cmpd="sng" algn="ctr">
+          <a:prstDash val="solid"/>
+          <a:miter/>
+        </a:ln>
+        <a:ln w="6350" cap="flat" cmpd="sng" algn="ctr">
+          <a:prstDash val="solid"/>
+          <a:miter/>
+        </a:ln>
+        <a:ln w="6350" cap="flat" cmpd="sng" algn="ctr">
+          <a:prstDash val="solid"/>
+          <a:miter/>
+        </a:ln>
+      </a:lnStyleLst>
+      <a:effectStyleLst>
+        <a:effectStyle>
+          <a:effectLst/>
+        </a:effectStyle>
+        <a:effectStyle>
+          <a:effectLst/>
+        </a:effectStyle>
+        <a:effectStyle>
+          <a:effectLst/>
+        </a:effectStyle>
+      </a:effectStyleLst>
+      <a:bgFillStyleLst>
+        <a:solidFill>
+          <a:schemeClr val="phClr"/>
+        </a:solidFill>
+        <a:solidFill>
+          <a:schemeClr val="phClr"/>
+        </a:solidFill>
+        <a:solidFill>
+          <a:schemeClr val="phClr"/>
+        </a:solidFill>
+      </a:bgFillStyleLst>
+    </a:fmtScheme>
+  </a:themeElements>
+</a:theme>
+</file>
+
+<file path=ppt/theme/theme25.xml><?xml version="1.0" encoding="utf-8"?>
+<a:theme xmlns:a="http://schemas.openxmlformats.org/drawingml/2006/main" xmlns:r="http://schemas.openxmlformats.org/officeDocument/2006/relationships" name="Office Theme">
+  <a:themeElements>
+    <a:clrScheme name="LibreOffice">
+      <a:dk1>
+        <a:srgbClr val="000000"/>
+      </a:dk1>
+      <a:lt1>
+        <a:srgbClr val="ffffff"/>
+      </a:lt1>
+      <a:dk2>
+        <a:srgbClr val="000000"/>
+      </a:dk2>
+      <a:lt2>
+        <a:srgbClr val="ffffff"/>
+      </a:lt2>
+      <a:accent1>
+        <a:srgbClr val="18a303"/>
+      </a:accent1>
+      <a:accent2>
+        <a:srgbClr val="0369a3"/>
+      </a:accent2>
+      <a:accent3>
+        <a:srgbClr val="a33e03"/>
+      </a:accent3>
+      <a:accent4>
+        <a:srgbClr val="8e03a3"/>
+      </a:accent4>
+      <a:accent5>
+        <a:srgbClr val="c99c00"/>
+      </a:accent5>
+      <a:accent6>
+        <a:srgbClr val="c9211e"/>
+      </a:accent6>
+      <a:hlink>
+        <a:srgbClr val="0000ee"/>
+      </a:hlink>
+      <a:folHlink>
+        <a:srgbClr val="551a8b"/>
+      </a:folHlink>
+    </a:clrScheme>
+    <a:fontScheme name="Office">
+      <a:majorFont>
+        <a:latin typeface="Arial" pitchFamily="0" charset="1"/>
+        <a:ea typeface="DejaVu Sans" pitchFamily="0" charset="1"/>
+        <a:cs typeface="DejaVu Sans" pitchFamily="0" charset="1"/>
+      </a:majorFont>
+      <a:minorFont>
+        <a:latin typeface="Arial" pitchFamily="0" charset="1"/>
+        <a:ea typeface="DejaVu Sans" pitchFamily="0" charset="1"/>
+        <a:cs typeface="DejaVu Sans" pitchFamily="0" charset="1"/>
+      </a:minorFont>
+    </a:fontScheme>
+    <a:fmtScheme>
+      <a:fillStyleLst>
+        <a:solidFill>
+          <a:schemeClr val="phClr"/>
+        </a:solidFill>
+        <a:solidFill>
+          <a:schemeClr val="phClr"/>
+        </a:solidFill>
+        <a:solidFill>
+          <a:schemeClr val="phClr"/>
+        </a:solidFill>
+      </a:fillStyleLst>
+      <a:lnStyleLst>
+        <a:ln w="6350" cap="flat" cmpd="sng" algn="ctr">
+          <a:prstDash val="solid"/>
+          <a:miter/>
+        </a:ln>
+        <a:ln w="6350" cap="flat" cmpd="sng" algn="ctr">
+          <a:prstDash val="solid"/>
+          <a:miter/>
+        </a:ln>
+        <a:ln w="6350" cap="flat" cmpd="sng" algn="ctr">
+          <a:prstDash val="solid"/>
+          <a:miter/>
+        </a:ln>
+      </a:lnStyleLst>
+      <a:effectStyleLst>
+        <a:effectStyle>
+          <a:effectLst/>
+        </a:effectStyle>
+        <a:effectStyle>
+          <a:effectLst/>
+        </a:effectStyle>
+        <a:effectStyle>
+          <a:effectLst/>
+        </a:effectStyle>
+      </a:effectStyleLst>
+      <a:bgFillStyleLst>
+        <a:solidFill>
+          <a:schemeClr val="phClr"/>
+        </a:solidFill>
+        <a:solidFill>
+          <a:schemeClr val="phClr"/>
+        </a:solidFill>
+        <a:solidFill>
+          <a:schemeClr val="phClr"/>
+        </a:solidFill>
+      </a:bgFillStyleLst>
+    </a:fmtScheme>
+  </a:themeElements>
+</a:theme>
+</file>
+
 <file path=ppt/theme/theme3.xml><?xml version="1.0" encoding="utf-8"?>
 <a:theme xmlns:a="http://schemas.openxmlformats.org/drawingml/2006/main" xmlns:r="http://schemas.openxmlformats.org/officeDocument/2006/relationships" name="Streamline">
   <a:themeElements>
